--- a/the simpson/DS301.pptx
+++ b/the simpson/DS301.pptx
@@ -1,56 +1,63 @@
 
 <file path=ppt/presentation.xml><?xml version="1.0" encoding="utf-8"?>
-<p:presentation xmlns:a="http://schemas.openxmlformats.org/drawingml/2006/main" xmlns:r="http://schemas.openxmlformats.org/officeDocument/2006/relationships" xmlns:mc="http://schemas.openxmlformats.org/markup-compatibility/2006" xmlns:mv="urn:schemas-microsoft-com:mac:vml" xmlns:p="http://schemas.openxmlformats.org/presentationml/2006/main" xmlns:c="http://schemas.openxmlformats.org/drawingml/2006/chart" xmlns:dgm="http://schemas.openxmlformats.org/drawingml/2006/diagram" xmlns:o="urn:schemas-microsoft-com:office:office" xmlns:v="urn:schemas-microsoft-com:vml" xmlns:pvml="urn:schemas-microsoft-com:office:powerpoint" xmlns:com="http://schemas.openxmlformats.org/drawingml/2006/compatibility" xmlns:p14="http://schemas.microsoft.com/office/powerpoint/2010/main" xmlns:p15="http://schemas.microsoft.com/office/powerpoint/2012/main" xmlns:ahyp="http://schemas.microsoft.com/office/drawing/2018/hyperlinkcolor" autoCompressPictures="0" embedTrueTypeFonts="1" strictFirstAndLastChars="0" saveSubsetFonts="1">
+<p:presentation xmlns:a="http://schemas.openxmlformats.org/drawingml/2006/main" xmlns:r="http://schemas.openxmlformats.org/officeDocument/2006/relationships" xmlns:p="http://schemas.openxmlformats.org/presentationml/2006/main" strictFirstAndLastChars="0" embedTrueTypeFonts="1" saveSubsetFonts="1" autoCompressPictures="0">
   <p:sldMasterIdLst>
-    <p:sldMasterId id="2147483659" r:id="rId4"/>
+    <p:sldMasterId id="2147483659" r:id="rId1"/>
   </p:sldMasterIdLst>
   <p:notesMasterIdLst>
-    <p:notesMasterId r:id="rId5"/>
+    <p:notesMasterId r:id="rId19"/>
   </p:notesMasterIdLst>
   <p:sldIdLst>
-    <p:sldId id="256" r:id="rId6"/>
-    <p:sldId id="257" r:id="rId7"/>
-    <p:sldId id="258" r:id="rId8"/>
-    <p:sldId id="259" r:id="rId9"/>
-    <p:sldId id="260" r:id="rId10"/>
-    <p:sldId id="261" r:id="rId11"/>
-    <p:sldId id="262" r:id="rId12"/>
-    <p:sldId id="263" r:id="rId13"/>
-    <p:sldId id="264" r:id="rId14"/>
-    <p:sldId id="265" r:id="rId15"/>
-    <p:sldId id="266" r:id="rId16"/>
-    <p:sldId id="267" r:id="rId17"/>
-    <p:sldId id="268" r:id="rId18"/>
-    <p:sldId id="269" r:id="rId19"/>
-    <p:sldId id="270" r:id="rId20"/>
-    <p:sldId id="271" r:id="rId21"/>
-    <p:sldId id="272" r:id="rId22"/>
+    <p:sldId id="256" r:id="rId2"/>
+    <p:sldId id="257" r:id="rId3"/>
+    <p:sldId id="258" r:id="rId4"/>
+    <p:sldId id="259" r:id="rId5"/>
+    <p:sldId id="260" r:id="rId6"/>
+    <p:sldId id="261" r:id="rId7"/>
+    <p:sldId id="262" r:id="rId8"/>
+    <p:sldId id="263" r:id="rId9"/>
+    <p:sldId id="264" r:id="rId10"/>
+    <p:sldId id="265" r:id="rId11"/>
+    <p:sldId id="266" r:id="rId12"/>
+    <p:sldId id="267" r:id="rId13"/>
+    <p:sldId id="268" r:id="rId14"/>
+    <p:sldId id="269" r:id="rId15"/>
+    <p:sldId id="270" r:id="rId16"/>
+    <p:sldId id="271" r:id="rId17"/>
+    <p:sldId id="272" r:id="rId18"/>
   </p:sldIdLst>
-  <p:sldSz cy="5143500" cx="9144000"/>
+  <p:sldSz cx="9144000" cy="5143500" type="screen16x9"/>
   <p:notesSz cx="6858000" cy="9144000"/>
   <p:embeddedFontLst>
     <p:embeddedFont>
-      <p:font typeface="Roboto"/>
-      <p:regular r:id="rId23"/>
-      <p:bold r:id="rId24"/>
-      <p:italic r:id="rId25"/>
-      <p:boldItalic r:id="rId26"/>
+      <p:font typeface="Georgia" panose="02040502050405020303" pitchFamily="18" charset="0"/>
+      <p:regular r:id="rId20"/>
+      <p:bold r:id="rId21"/>
+      <p:italic r:id="rId22"/>
+      <p:boldItalic r:id="rId23"/>
     </p:embeddedFont>
     <p:embeddedFont>
-      <p:font typeface="PT Sans Narrow"/>
-      <p:regular r:id="rId27"/>
-      <p:bold r:id="rId28"/>
+      <p:font typeface="Open Sans" panose="020B0604020202020204" charset="0"/>
+      <p:regular r:id="rId24"/>
+      <p:bold r:id="rId25"/>
+      <p:italic r:id="rId26"/>
+      <p:boldItalic r:id="rId27"/>
     </p:embeddedFont>
     <p:embeddedFont>
-      <p:font typeface="Open Sans"/>
-      <p:regular r:id="rId29"/>
-      <p:bold r:id="rId30"/>
-      <p:italic r:id="rId31"/>
-      <p:boldItalic r:id="rId32"/>
+      <p:font typeface="PT Sans Narrow" panose="020B0604020202020204" charset="0"/>
+      <p:regular r:id="rId28"/>
+      <p:bold r:id="rId29"/>
+    </p:embeddedFont>
+    <p:embeddedFont>
+      <p:font typeface="Roboto" panose="020B0604020202020204" charset="0"/>
+      <p:regular r:id="rId30"/>
+      <p:bold r:id="rId31"/>
+      <p:italic r:id="rId32"/>
+      <p:boldItalic r:id="rId33"/>
     </p:embeddedFont>
   </p:embeddedFontLst>
   <p:defaultTextStyle>
-    <a:defPPr lvl="0" marR="0" rtl="0" algn="l">
+    <a:defPPr marR="0" lvl="0" algn="l" rtl="0">
       <a:lnSpc>
         <a:spcPct val="100000"/>
       </a:lnSpc>
@@ -61,7 +68,7 @@
         <a:spcPts val="0"/>
       </a:spcAft>
     </a:defPPr>
-    <a:lvl1pPr lvl="0" marR="0" rtl="0" algn="l">
+    <a:lvl1pPr marR="0" lvl="0" algn="l" rtl="0">
       <a:lnSpc>
         <a:spcPct val="100000"/>
       </a:lnSpc>
@@ -75,7 +82,7 @@
         <a:srgbClr val="000000"/>
       </a:buClr>
       <a:buFont typeface="Arial"/>
-      <a:defRPr b="0" i="0" sz="1400" u="none" cap="none" strike="noStrike">
+      <a:defRPr sz="1400" b="0" i="0" u="none" strike="noStrike" cap="none">
         <a:solidFill>
           <a:srgbClr val="000000"/>
         </a:solidFill>
@@ -85,7 +92,7 @@
         <a:sym typeface="Arial"/>
       </a:defRPr>
     </a:lvl1pPr>
-    <a:lvl2pPr lvl="1" marR="0" rtl="0" algn="l">
+    <a:lvl2pPr marR="0" lvl="1" algn="l" rtl="0">
       <a:lnSpc>
         <a:spcPct val="100000"/>
       </a:lnSpc>
@@ -99,7 +106,7 @@
         <a:srgbClr val="000000"/>
       </a:buClr>
       <a:buFont typeface="Arial"/>
-      <a:defRPr b="0" i="0" sz="1400" u="none" cap="none" strike="noStrike">
+      <a:defRPr sz="1400" b="0" i="0" u="none" strike="noStrike" cap="none">
         <a:solidFill>
           <a:srgbClr val="000000"/>
         </a:solidFill>
@@ -109,7 +116,7 @@
         <a:sym typeface="Arial"/>
       </a:defRPr>
     </a:lvl2pPr>
-    <a:lvl3pPr lvl="2" marR="0" rtl="0" algn="l">
+    <a:lvl3pPr marR="0" lvl="2" algn="l" rtl="0">
       <a:lnSpc>
         <a:spcPct val="100000"/>
       </a:lnSpc>
@@ -123,7 +130,7 @@
         <a:srgbClr val="000000"/>
       </a:buClr>
       <a:buFont typeface="Arial"/>
-      <a:defRPr b="0" i="0" sz="1400" u="none" cap="none" strike="noStrike">
+      <a:defRPr sz="1400" b="0" i="0" u="none" strike="noStrike" cap="none">
         <a:solidFill>
           <a:srgbClr val="000000"/>
         </a:solidFill>
@@ -133,7 +140,7 @@
         <a:sym typeface="Arial"/>
       </a:defRPr>
     </a:lvl3pPr>
-    <a:lvl4pPr lvl="3" marR="0" rtl="0" algn="l">
+    <a:lvl4pPr marR="0" lvl="3" algn="l" rtl="0">
       <a:lnSpc>
         <a:spcPct val="100000"/>
       </a:lnSpc>
@@ -147,7 +154,7 @@
         <a:srgbClr val="000000"/>
       </a:buClr>
       <a:buFont typeface="Arial"/>
-      <a:defRPr b="0" i="0" sz="1400" u="none" cap="none" strike="noStrike">
+      <a:defRPr sz="1400" b="0" i="0" u="none" strike="noStrike" cap="none">
         <a:solidFill>
           <a:srgbClr val="000000"/>
         </a:solidFill>
@@ -157,7 +164,7 @@
         <a:sym typeface="Arial"/>
       </a:defRPr>
     </a:lvl4pPr>
-    <a:lvl5pPr lvl="4" marR="0" rtl="0" algn="l">
+    <a:lvl5pPr marR="0" lvl="4" algn="l" rtl="0">
       <a:lnSpc>
         <a:spcPct val="100000"/>
       </a:lnSpc>
@@ -171,7 +178,7 @@
         <a:srgbClr val="000000"/>
       </a:buClr>
       <a:buFont typeface="Arial"/>
-      <a:defRPr b="0" i="0" sz="1400" u="none" cap="none" strike="noStrike">
+      <a:defRPr sz="1400" b="0" i="0" u="none" strike="noStrike" cap="none">
         <a:solidFill>
           <a:srgbClr val="000000"/>
         </a:solidFill>
@@ -181,7 +188,7 @@
         <a:sym typeface="Arial"/>
       </a:defRPr>
     </a:lvl5pPr>
-    <a:lvl6pPr lvl="5" marR="0" rtl="0" algn="l">
+    <a:lvl6pPr marR="0" lvl="5" algn="l" rtl="0">
       <a:lnSpc>
         <a:spcPct val="100000"/>
       </a:lnSpc>
@@ -195,7 +202,7 @@
         <a:srgbClr val="000000"/>
       </a:buClr>
       <a:buFont typeface="Arial"/>
-      <a:defRPr b="0" i="0" sz="1400" u="none" cap="none" strike="noStrike">
+      <a:defRPr sz="1400" b="0" i="0" u="none" strike="noStrike" cap="none">
         <a:solidFill>
           <a:srgbClr val="000000"/>
         </a:solidFill>
@@ -205,7 +212,7 @@
         <a:sym typeface="Arial"/>
       </a:defRPr>
     </a:lvl6pPr>
-    <a:lvl7pPr lvl="6" marR="0" rtl="0" algn="l">
+    <a:lvl7pPr marR="0" lvl="6" algn="l" rtl="0">
       <a:lnSpc>
         <a:spcPct val="100000"/>
       </a:lnSpc>
@@ -219,7 +226,7 @@
         <a:srgbClr val="000000"/>
       </a:buClr>
       <a:buFont typeface="Arial"/>
-      <a:defRPr b="0" i="0" sz="1400" u="none" cap="none" strike="noStrike">
+      <a:defRPr sz="1400" b="0" i="0" u="none" strike="noStrike" cap="none">
         <a:solidFill>
           <a:srgbClr val="000000"/>
         </a:solidFill>
@@ -229,7 +236,7 @@
         <a:sym typeface="Arial"/>
       </a:defRPr>
     </a:lvl7pPr>
-    <a:lvl8pPr lvl="7" marR="0" rtl="0" algn="l">
+    <a:lvl8pPr marR="0" lvl="7" algn="l" rtl="0">
       <a:lnSpc>
         <a:spcPct val="100000"/>
       </a:lnSpc>
@@ -243,7 +250,7 @@
         <a:srgbClr val="000000"/>
       </a:buClr>
       <a:buFont typeface="Arial"/>
-      <a:defRPr b="0" i="0" sz="1400" u="none" cap="none" strike="noStrike">
+      <a:defRPr sz="1400" b="0" i="0" u="none" strike="noStrike" cap="none">
         <a:solidFill>
           <a:srgbClr val="000000"/>
         </a:solidFill>
@@ -253,7 +260,7 @@
         <a:sym typeface="Arial"/>
       </a:defRPr>
     </a:lvl8pPr>
-    <a:lvl9pPr lvl="8" marR="0" rtl="0" algn="l">
+    <a:lvl9pPr marR="0" lvl="8" algn="l" rtl="0">
       <a:lnSpc>
         <a:spcPct val="100000"/>
       </a:lnSpc>
@@ -267,7 +274,7 @@
         <a:srgbClr val="000000"/>
       </a:buClr>
       <a:buFont typeface="Arial"/>
-      <a:defRPr b="0" i="0" sz="1400" u="none" cap="none" strike="noStrike">
+      <a:defRPr sz="1400" b="0" i="0" u="none" strike="noStrike" cap="none">
         <a:solidFill>
           <a:srgbClr val="000000"/>
         </a:solidFill>
@@ -280,7 +287,7 @@
   </p:defaultTextStyle>
   <p:extLst>
     <p:ext uri="{EFAFB233-063F-42B5-8137-9DF3F51BA10A}">
-      <p15:sldGuideLst>
+      <p15:sldGuideLst xmlns:p15="http://schemas.microsoft.com/office/powerpoint/2012/main">
         <p15:guide id="1" orient="horz" pos="1620">
           <p15:clr>
             <a:srgbClr val="A4A3A4"/>
@@ -298,11 +305,16 @@
 </file>
 
 <file path=ppt/notesMasters/notesMaster1.xml><?xml version="1.0" encoding="utf-8"?>
-<p:notesMaster xmlns:a="http://schemas.openxmlformats.org/drawingml/2006/main" xmlns:r="http://schemas.openxmlformats.org/officeDocument/2006/relationships" xmlns:mc="http://schemas.openxmlformats.org/markup-compatibility/2006" xmlns:mv="urn:schemas-microsoft-com:mac:vml" xmlns:p="http://schemas.openxmlformats.org/presentationml/2006/main" xmlns:c="http://schemas.openxmlformats.org/drawingml/2006/chart" xmlns:dgm="http://schemas.openxmlformats.org/drawingml/2006/diagram" xmlns:o="urn:schemas-microsoft-com:office:office" xmlns:v="urn:schemas-microsoft-com:vml" xmlns:pvml="urn:schemas-microsoft-com:office:powerpoint" xmlns:com="http://schemas.openxmlformats.org/drawingml/2006/compatibility" xmlns:p14="http://schemas.microsoft.com/office/powerpoint/2010/main" xmlns:p15="http://schemas.microsoft.com/office/powerpoint/2012/main" xmlns:ahyp="http://schemas.microsoft.com/office/drawing/2018/hyperlinkcolor">
+<p:notesMaster xmlns:a="http://schemas.openxmlformats.org/drawingml/2006/main" xmlns:r="http://schemas.openxmlformats.org/officeDocument/2006/relationships" xmlns:p="http://schemas.openxmlformats.org/presentationml/2006/main">
   <p:cSld>
+    <p:bg>
+      <p:bgRef idx="1001">
+        <a:schemeClr val="bg1"/>
+      </p:bgRef>
+    </p:bg>
     <p:spTree>
       <p:nvGrpSpPr>
-        <p:cNvPr id="2" name="Shape 2"/>
+        <p:cNvPr id="1" name="Shape 2"/>
         <p:cNvGrpSpPr/>
         <p:nvPr/>
       </p:nvGrpSpPr>
@@ -317,9 +329,11 @@
       <p:sp>
         <p:nvSpPr>
           <p:cNvPr id="3" name="Google Shape;3;n"/>
-          <p:cNvSpPr/>
+          <p:cNvSpPr>
+            <a:spLocks noGrp="1" noRot="1" noChangeAspect="1"/>
+          </p:cNvSpPr>
           <p:nvPr>
-            <p:ph idx="2" type="sldImg"/>
+            <p:ph type="sldImg" idx="2"/>
           </p:nvPr>
         </p:nvSpPr>
         <p:spPr>
@@ -328,9 +342,13 @@
             <a:ext cx="6096075" cy="3429000"/>
           </a:xfrm>
           <a:custGeom>
-            <a:rect b="b" l="l" r="r" t="t"/>
+            <a:avLst/>
+            <a:gdLst/>
+            <a:ahLst/>
+            <a:cxnLst/>
+            <a:rect l="l" t="t" r="r" b="b"/>
             <a:pathLst>
-              <a:path extrusionOk="0" h="120000" w="120000">
+              <a:path w="120000" h="120000" extrusionOk="0">
                 <a:moveTo>
                   <a:pt x="0" y="0"/>
                 </a:moveTo>
@@ -348,23 +366,25 @@
             </a:pathLst>
           </a:custGeom>
           <a:noFill/>
-          <a:ln cap="flat" cmpd="sng" w="9525">
+          <a:ln w="9525" cap="flat" cmpd="sng">
             <a:solidFill>
               <a:srgbClr val="000000"/>
             </a:solidFill>
             <a:prstDash val="solid"/>
             <a:round/>
-            <a:headEnd len="sm" w="sm" type="none"/>
-            <a:tailEnd len="sm" w="sm" type="none"/>
+            <a:headEnd type="none" w="sm" len="sm"/>
+            <a:tailEnd type="none" w="sm" len="sm"/>
           </a:ln>
         </p:spPr>
       </p:sp>
       <p:sp>
         <p:nvSpPr>
           <p:cNvPr id="4" name="Google Shape;4;n"/>
-          <p:cNvSpPr txBox="1"/>
+          <p:cNvSpPr txBox="1">
+            <a:spLocks noGrp="1"/>
+          </p:cNvSpPr>
           <p:nvPr>
-            <p:ph idx="1" type="body"/>
+            <p:ph type="body" idx="1"/>
           </p:nvPr>
         </p:nvSpPr>
         <p:spPr>
@@ -381,11 +401,11 @@
           </a:ln>
         </p:spPr>
         <p:txBody>
-          <a:bodyPr anchorCtr="0" anchor="t" bIns="91425" lIns="91425" spcFirstLastPara="1" rIns="91425" wrap="square" tIns="91425">
+          <a:bodyPr spcFirstLastPara="1" wrap="square" lIns="91425" tIns="91425" rIns="91425" bIns="91425" anchor="t" anchorCtr="0">
             <a:noAutofit/>
           </a:bodyPr>
           <a:lstStyle>
-            <a:lvl1pPr indent="-298450" lvl="0" marL="457200">
+            <a:lvl1pPr marL="457200" lvl="0" indent="-298450">
               <a:spcBef>
                 <a:spcPts val="0"/>
               </a:spcBef>
@@ -396,7 +416,7 @@
               <a:buChar char="●"/>
               <a:defRPr sz="1100"/>
             </a:lvl1pPr>
-            <a:lvl2pPr indent="-298450" lvl="1" marL="914400">
+            <a:lvl2pPr marL="914400" lvl="1" indent="-298450">
               <a:spcBef>
                 <a:spcPts val="0"/>
               </a:spcBef>
@@ -407,7 +427,7 @@
               <a:buChar char="○"/>
               <a:defRPr sz="1100"/>
             </a:lvl2pPr>
-            <a:lvl3pPr indent="-298450" lvl="2" marL="1371600">
+            <a:lvl3pPr marL="1371600" lvl="2" indent="-298450">
               <a:spcBef>
                 <a:spcPts val="0"/>
               </a:spcBef>
@@ -418,7 +438,7 @@
               <a:buChar char="■"/>
               <a:defRPr sz="1100"/>
             </a:lvl3pPr>
-            <a:lvl4pPr indent="-298450" lvl="3" marL="1828800">
+            <a:lvl4pPr marL="1828800" lvl="3" indent="-298450">
               <a:spcBef>
                 <a:spcPts val="0"/>
               </a:spcBef>
@@ -429,7 +449,7 @@
               <a:buChar char="●"/>
               <a:defRPr sz="1100"/>
             </a:lvl4pPr>
-            <a:lvl5pPr indent="-298450" lvl="4" marL="2286000">
+            <a:lvl5pPr marL="2286000" lvl="4" indent="-298450">
               <a:spcBef>
                 <a:spcPts val="0"/>
               </a:spcBef>
@@ -440,7 +460,7 @@
               <a:buChar char="○"/>
               <a:defRPr sz="1100"/>
             </a:lvl5pPr>
-            <a:lvl6pPr indent="-298450" lvl="5" marL="2743200">
+            <a:lvl6pPr marL="2743200" lvl="5" indent="-298450">
               <a:spcBef>
                 <a:spcPts val="0"/>
               </a:spcBef>
@@ -451,7 +471,7 @@
               <a:buChar char="■"/>
               <a:defRPr sz="1100"/>
             </a:lvl6pPr>
-            <a:lvl7pPr indent="-298450" lvl="6" marL="3200400">
+            <a:lvl7pPr marL="3200400" lvl="6" indent="-298450">
               <a:spcBef>
                 <a:spcPts val="0"/>
               </a:spcBef>
@@ -462,7 +482,7 @@
               <a:buChar char="●"/>
               <a:defRPr sz="1100"/>
             </a:lvl7pPr>
-            <a:lvl8pPr indent="-298450" lvl="7" marL="3657600">
+            <a:lvl8pPr marL="3657600" lvl="7" indent="-298450">
               <a:spcBef>
                 <a:spcPts val="0"/>
               </a:spcBef>
@@ -473,7 +493,7 @@
               <a:buChar char="○"/>
               <a:defRPr sz="1100"/>
             </a:lvl8pPr>
-            <a:lvl9pPr indent="-298450" lvl="8" marL="4114800">
+            <a:lvl9pPr marL="4114800" lvl="8" indent="-298450">
               <a:spcBef>
                 <a:spcPts val="0"/>
               </a:spcBef>
@@ -485,14 +505,16 @@
               <a:defRPr sz="1100"/>
             </a:lvl9pPr>
           </a:lstStyle>
-          <a:p/>
+          <a:p>
+            <a:endParaRPr/>
+          </a:p>
         </p:txBody>
       </p:sp>
     </p:spTree>
   </p:cSld>
-  <p:clrMap accent1="accent1" accent2="accent2" accent3="accent3" accent4="accent4" accent5="accent5" accent6="accent6" bg1="lt1" bg2="dk2" tx1="dk1" tx2="lt2" folHlink="folHlink" hlink="hlink"/>
+  <p:clrMap bg1="lt1" tx1="dk1" bg2="dk2" tx2="lt2" accent1="accent1" accent2="accent2" accent3="accent3" accent4="accent4" accent5="accent5" accent6="accent6" hlink="hlink" folHlink="folHlink"/>
   <p:notesStyle>
-    <a:defPPr lvl="0" marR="0" rtl="0" algn="l">
+    <a:defPPr marR="0" lvl="0" algn="l" rtl="0">
       <a:lnSpc>
         <a:spcPct val="100000"/>
       </a:lnSpc>
@@ -503,7 +525,7 @@
         <a:spcPts val="0"/>
       </a:spcAft>
     </a:defPPr>
-    <a:lvl1pPr lvl="0" marR="0" rtl="0" algn="l">
+    <a:lvl1pPr marR="0" lvl="0" algn="l" rtl="0">
       <a:lnSpc>
         <a:spcPct val="100000"/>
       </a:lnSpc>
@@ -517,7 +539,7 @@
         <a:srgbClr val="000000"/>
       </a:buClr>
       <a:buFont typeface="Arial"/>
-      <a:defRPr b="0" i="0" sz="1400" u="none" cap="none" strike="noStrike">
+      <a:defRPr sz="1400" b="0" i="0" u="none" strike="noStrike" cap="none">
         <a:solidFill>
           <a:srgbClr val="000000"/>
         </a:solidFill>
@@ -527,7 +549,7 @@
         <a:sym typeface="Arial"/>
       </a:defRPr>
     </a:lvl1pPr>
-    <a:lvl2pPr lvl="1" marR="0" rtl="0" algn="l">
+    <a:lvl2pPr marR="0" lvl="1" algn="l" rtl="0">
       <a:lnSpc>
         <a:spcPct val="100000"/>
       </a:lnSpc>
@@ -541,7 +563,7 @@
         <a:srgbClr val="000000"/>
       </a:buClr>
       <a:buFont typeface="Arial"/>
-      <a:defRPr b="0" i="0" sz="1400" u="none" cap="none" strike="noStrike">
+      <a:defRPr sz="1400" b="0" i="0" u="none" strike="noStrike" cap="none">
         <a:solidFill>
           <a:srgbClr val="000000"/>
         </a:solidFill>
@@ -551,7 +573,7 @@
         <a:sym typeface="Arial"/>
       </a:defRPr>
     </a:lvl2pPr>
-    <a:lvl3pPr lvl="2" marR="0" rtl="0" algn="l">
+    <a:lvl3pPr marR="0" lvl="2" algn="l" rtl="0">
       <a:lnSpc>
         <a:spcPct val="100000"/>
       </a:lnSpc>
@@ -565,7 +587,7 @@
         <a:srgbClr val="000000"/>
       </a:buClr>
       <a:buFont typeface="Arial"/>
-      <a:defRPr b="0" i="0" sz="1400" u="none" cap="none" strike="noStrike">
+      <a:defRPr sz="1400" b="0" i="0" u="none" strike="noStrike" cap="none">
         <a:solidFill>
           <a:srgbClr val="000000"/>
         </a:solidFill>
@@ -575,7 +597,7 @@
         <a:sym typeface="Arial"/>
       </a:defRPr>
     </a:lvl3pPr>
-    <a:lvl4pPr lvl="3" marR="0" rtl="0" algn="l">
+    <a:lvl4pPr marR="0" lvl="3" algn="l" rtl="0">
       <a:lnSpc>
         <a:spcPct val="100000"/>
       </a:lnSpc>
@@ -589,7 +611,7 @@
         <a:srgbClr val="000000"/>
       </a:buClr>
       <a:buFont typeface="Arial"/>
-      <a:defRPr b="0" i="0" sz="1400" u="none" cap="none" strike="noStrike">
+      <a:defRPr sz="1400" b="0" i="0" u="none" strike="noStrike" cap="none">
         <a:solidFill>
           <a:srgbClr val="000000"/>
         </a:solidFill>
@@ -599,7 +621,7 @@
         <a:sym typeface="Arial"/>
       </a:defRPr>
     </a:lvl4pPr>
-    <a:lvl5pPr lvl="4" marR="0" rtl="0" algn="l">
+    <a:lvl5pPr marR="0" lvl="4" algn="l" rtl="0">
       <a:lnSpc>
         <a:spcPct val="100000"/>
       </a:lnSpc>
@@ -613,7 +635,7 @@
         <a:srgbClr val="000000"/>
       </a:buClr>
       <a:buFont typeface="Arial"/>
-      <a:defRPr b="0" i="0" sz="1400" u="none" cap="none" strike="noStrike">
+      <a:defRPr sz="1400" b="0" i="0" u="none" strike="noStrike" cap="none">
         <a:solidFill>
           <a:srgbClr val="000000"/>
         </a:solidFill>
@@ -623,7 +645,7 @@
         <a:sym typeface="Arial"/>
       </a:defRPr>
     </a:lvl5pPr>
-    <a:lvl6pPr lvl="5" marR="0" rtl="0" algn="l">
+    <a:lvl6pPr marR="0" lvl="5" algn="l" rtl="0">
       <a:lnSpc>
         <a:spcPct val="100000"/>
       </a:lnSpc>
@@ -637,7 +659,7 @@
         <a:srgbClr val="000000"/>
       </a:buClr>
       <a:buFont typeface="Arial"/>
-      <a:defRPr b="0" i="0" sz="1400" u="none" cap="none" strike="noStrike">
+      <a:defRPr sz="1400" b="0" i="0" u="none" strike="noStrike" cap="none">
         <a:solidFill>
           <a:srgbClr val="000000"/>
         </a:solidFill>
@@ -647,7 +669,7 @@
         <a:sym typeface="Arial"/>
       </a:defRPr>
     </a:lvl6pPr>
-    <a:lvl7pPr lvl="6" marR="0" rtl="0" algn="l">
+    <a:lvl7pPr marR="0" lvl="6" algn="l" rtl="0">
       <a:lnSpc>
         <a:spcPct val="100000"/>
       </a:lnSpc>
@@ -661,7 +683,7 @@
         <a:srgbClr val="000000"/>
       </a:buClr>
       <a:buFont typeface="Arial"/>
-      <a:defRPr b="0" i="0" sz="1400" u="none" cap="none" strike="noStrike">
+      <a:defRPr sz="1400" b="0" i="0" u="none" strike="noStrike" cap="none">
         <a:solidFill>
           <a:srgbClr val="000000"/>
         </a:solidFill>
@@ -671,7 +693,7 @@
         <a:sym typeface="Arial"/>
       </a:defRPr>
     </a:lvl7pPr>
-    <a:lvl8pPr lvl="7" marR="0" rtl="0" algn="l">
+    <a:lvl8pPr marR="0" lvl="7" algn="l" rtl="0">
       <a:lnSpc>
         <a:spcPct val="100000"/>
       </a:lnSpc>
@@ -685,7 +707,7 @@
         <a:srgbClr val="000000"/>
       </a:buClr>
       <a:buFont typeface="Arial"/>
-      <a:defRPr b="0" i="0" sz="1400" u="none" cap="none" strike="noStrike">
+      <a:defRPr sz="1400" b="0" i="0" u="none" strike="noStrike" cap="none">
         <a:solidFill>
           <a:srgbClr val="000000"/>
         </a:solidFill>
@@ -695,7 +717,7 @@
         <a:sym typeface="Arial"/>
       </a:defRPr>
     </a:lvl8pPr>
-    <a:lvl9pPr lvl="8" marR="0" rtl="0" algn="l">
+    <a:lvl9pPr marR="0" lvl="8" algn="l" rtl="0">
       <a:lnSpc>
         <a:spcPct val="100000"/>
       </a:lnSpc>
@@ -709,7 +731,7 @@
         <a:srgbClr val="000000"/>
       </a:buClr>
       <a:buFont typeface="Arial"/>
-      <a:defRPr b="0" i="0" sz="1400" u="none" cap="none" strike="noStrike">
+      <a:defRPr sz="1400" b="0" i="0" u="none" strike="noStrike" cap="none">
         <a:solidFill>
           <a:srgbClr val="000000"/>
         </a:solidFill>
@@ -724,11 +746,11 @@
 </file>
 
 <file path=ppt/notesSlides/notesSlide1.xml><?xml version="1.0" encoding="utf-8"?>
-<p:notes xmlns:a="http://schemas.openxmlformats.org/drawingml/2006/main" xmlns:r="http://schemas.openxmlformats.org/officeDocument/2006/relationships" xmlns:mc="http://schemas.openxmlformats.org/markup-compatibility/2006" xmlns:mv="urn:schemas-microsoft-com:mac:vml" xmlns:p="http://schemas.openxmlformats.org/presentationml/2006/main" xmlns:c="http://schemas.openxmlformats.org/drawingml/2006/chart" xmlns:dgm="http://schemas.openxmlformats.org/drawingml/2006/diagram" xmlns:o="urn:schemas-microsoft-com:office:office" xmlns:v="urn:schemas-microsoft-com:vml" xmlns:pvml="urn:schemas-microsoft-com:office:powerpoint" xmlns:com="http://schemas.openxmlformats.org/drawingml/2006/compatibility" xmlns:p14="http://schemas.microsoft.com/office/powerpoint/2010/main" xmlns:p15="http://schemas.microsoft.com/office/powerpoint/2012/main" xmlns:ahyp="http://schemas.microsoft.com/office/drawing/2018/hyperlinkcolor" showMasterPhAnim="0" showMasterSp="0">
+<p:notes xmlns:a="http://schemas.openxmlformats.org/drawingml/2006/main" xmlns:r="http://schemas.openxmlformats.org/officeDocument/2006/relationships" xmlns:p="http://schemas.openxmlformats.org/presentationml/2006/main" showMasterSp="0" showMasterPhAnim="0">
   <p:cSld>
     <p:spTree>
       <p:nvGrpSpPr>
-        <p:cNvPr id="62" name="Shape 62"/>
+        <p:cNvPr id="1" name="Shape 62"/>
         <p:cNvGrpSpPr/>
         <p:nvPr/>
       </p:nvGrpSpPr>
@@ -743,20 +765,26 @@
       <p:sp>
         <p:nvSpPr>
           <p:cNvPr id="63" name="Google Shape;63;p:notes"/>
-          <p:cNvSpPr/>
+          <p:cNvSpPr>
+            <a:spLocks noGrp="1" noRot="1" noChangeAspect="1"/>
+          </p:cNvSpPr>
           <p:nvPr>
-            <p:ph idx="2" type="sldImg"/>
+            <p:ph type="sldImg" idx="2"/>
           </p:nvPr>
         </p:nvSpPr>
         <p:spPr>
           <a:xfrm>
-            <a:off x="381300" y="685800"/>
-            <a:ext cx="6096075" cy="3429000"/>
+            <a:off x="381000" y="685800"/>
+            <a:ext cx="6096000" cy="3429000"/>
           </a:xfrm>
           <a:custGeom>
-            <a:rect b="b" l="l" r="r" t="t"/>
+            <a:avLst/>
+            <a:gdLst/>
+            <a:ahLst/>
+            <a:cxnLst/>
+            <a:rect l="l" t="t" r="r" b="b"/>
             <a:pathLst>
-              <a:path extrusionOk="0" h="120000" w="120000">
+              <a:path w="120000" h="120000" extrusionOk="0">
                 <a:moveTo>
                   <a:pt x="0" y="0"/>
                 </a:moveTo>
@@ -778,9 +806,11 @@
       <p:sp>
         <p:nvSpPr>
           <p:cNvPr id="64" name="Google Shape;64;p:notes"/>
-          <p:cNvSpPr txBox="1"/>
+          <p:cNvSpPr txBox="1">
+            <a:spLocks noGrp="1"/>
+          </p:cNvSpPr>
           <p:nvPr>
-            <p:ph idx="1" type="body"/>
+            <p:ph type="body" idx="1"/>
           </p:nvPr>
         </p:nvSpPr>
         <p:spPr>
@@ -793,12 +823,12 @@
           </a:prstGeom>
         </p:spPr>
         <p:txBody>
-          <a:bodyPr anchorCtr="0" anchor="t" bIns="91425" lIns="91425" spcFirstLastPara="1" rIns="91425" wrap="square" tIns="91425">
+          <a:bodyPr spcFirstLastPara="1" wrap="square" lIns="91425" tIns="91425" rIns="91425" bIns="91425" anchor="t" anchorCtr="0">
             <a:noAutofit/>
           </a:bodyPr>
           <a:lstStyle/>
           <a:p>
-            <a:pPr indent="0" lvl="0" marL="0" rtl="0" algn="l">
+            <a:pPr marL="0" lvl="0" indent="0" algn="l" rtl="0">
               <a:spcBef>
                 <a:spcPts val="0"/>
               </a:spcBef>
@@ -824,11 +854,11 @@
 </file>
 
 <file path=ppt/notesSlides/notesSlide10.xml><?xml version="1.0" encoding="utf-8"?>
-<p:notes xmlns:a="http://schemas.openxmlformats.org/drawingml/2006/main" xmlns:r="http://schemas.openxmlformats.org/officeDocument/2006/relationships" xmlns:mc="http://schemas.openxmlformats.org/markup-compatibility/2006" xmlns:mv="urn:schemas-microsoft-com:mac:vml" xmlns:p="http://schemas.openxmlformats.org/presentationml/2006/main" xmlns:c="http://schemas.openxmlformats.org/drawingml/2006/chart" xmlns:dgm="http://schemas.openxmlformats.org/drawingml/2006/diagram" xmlns:o="urn:schemas-microsoft-com:office:office" xmlns:v="urn:schemas-microsoft-com:vml" xmlns:pvml="urn:schemas-microsoft-com:office:powerpoint" xmlns:com="http://schemas.openxmlformats.org/drawingml/2006/compatibility" xmlns:p14="http://schemas.microsoft.com/office/powerpoint/2010/main" xmlns:p15="http://schemas.microsoft.com/office/powerpoint/2012/main" xmlns:ahyp="http://schemas.microsoft.com/office/drawing/2018/hyperlinkcolor" showMasterPhAnim="0" showMasterSp="0">
+<p:notes xmlns:a="http://schemas.openxmlformats.org/drawingml/2006/main" xmlns:r="http://schemas.openxmlformats.org/officeDocument/2006/relationships" xmlns:p="http://schemas.openxmlformats.org/presentationml/2006/main" showMasterSp="0" showMasterPhAnim="0">
   <p:cSld>
     <p:spTree>
       <p:nvGrpSpPr>
-        <p:cNvPr id="124" name="Shape 124"/>
+        <p:cNvPr id="1" name="Shape 124"/>
         <p:cNvGrpSpPr/>
         <p:nvPr/>
       </p:nvGrpSpPr>
@@ -843,9 +873,11 @@
       <p:sp>
         <p:nvSpPr>
           <p:cNvPr id="125" name="Google Shape;125;g7ba9eb548f_0_151:notes"/>
-          <p:cNvSpPr/>
+          <p:cNvSpPr>
+            <a:spLocks noGrp="1" noRot="1" noChangeAspect="1"/>
+          </p:cNvSpPr>
           <p:nvPr>
-            <p:ph idx="2" type="sldImg"/>
+            <p:ph type="sldImg" idx="2"/>
           </p:nvPr>
         </p:nvSpPr>
         <p:spPr>
@@ -854,9 +886,13 @@
             <a:ext cx="6096000" cy="3429000"/>
           </a:xfrm>
           <a:custGeom>
-            <a:rect b="b" l="l" r="r" t="t"/>
+            <a:avLst/>
+            <a:gdLst/>
+            <a:ahLst/>
+            <a:cxnLst/>
+            <a:rect l="l" t="t" r="r" b="b"/>
             <a:pathLst>
-              <a:path extrusionOk="0" h="120000" w="120000">
+              <a:path w="120000" h="120000" extrusionOk="0">
                 <a:moveTo>
                   <a:pt x="0" y="0"/>
                 </a:moveTo>
@@ -878,9 +914,11 @@
       <p:sp>
         <p:nvSpPr>
           <p:cNvPr id="126" name="Google Shape;126;g7ba9eb548f_0_151:notes"/>
-          <p:cNvSpPr txBox="1"/>
+          <p:cNvSpPr txBox="1">
+            <a:spLocks noGrp="1"/>
+          </p:cNvSpPr>
           <p:nvPr>
-            <p:ph idx="1" type="body"/>
+            <p:ph type="body" idx="1"/>
           </p:nvPr>
         </p:nvSpPr>
         <p:spPr>
@@ -893,12 +931,12 @@
           </a:prstGeom>
         </p:spPr>
         <p:txBody>
-          <a:bodyPr anchorCtr="0" anchor="t" bIns="91425" lIns="91425" spcFirstLastPara="1" rIns="91425" wrap="square" tIns="91425">
+          <a:bodyPr spcFirstLastPara="1" wrap="square" lIns="91425" tIns="91425" rIns="91425" bIns="91425" anchor="t" anchorCtr="0">
             <a:noAutofit/>
           </a:bodyPr>
           <a:lstStyle/>
           <a:p>
-            <a:pPr indent="0" lvl="0" marL="0" rtl="0" algn="l">
+            <a:pPr marL="0" lvl="0" indent="0" algn="l" rtl="0">
               <a:spcBef>
                 <a:spcPts val="0"/>
               </a:spcBef>
@@ -922,7 +960,7 @@
             </a:endParaRPr>
           </a:p>
           <a:p>
-            <a:pPr indent="0" lvl="0" marL="0" rtl="0" algn="l">
+            <a:pPr marL="0" lvl="0" indent="0" algn="l" rtl="0">
               <a:spcBef>
                 <a:spcPts val="0"/>
               </a:spcBef>
@@ -946,7 +984,7 @@
             </a:endParaRPr>
           </a:p>
           <a:p>
-            <a:pPr indent="0" lvl="0" marL="0" rtl="0" algn="l">
+            <a:pPr marL="0" lvl="0" indent="0" algn="l" rtl="0">
               <a:spcBef>
                 <a:spcPts val="0"/>
               </a:spcBef>
@@ -970,18 +1008,15 @@
             </a:endParaRPr>
           </a:p>
           <a:p>
-            <a:pPr indent="0" lvl="0" marL="0" rtl="0" algn="l">
-              <a:spcBef>
-                <a:spcPts val="0"/>
-              </a:spcBef>
-              <a:spcAft>
-                <a:spcPts val="0"/>
-              </a:spcAft>
-              <a:buNone/>
-            </a:pPr>
-            <a:r>
-              <a:t/>
-            </a:r>
+            <a:pPr marL="0" lvl="0" indent="0" algn="l" rtl="0">
+              <a:spcBef>
+                <a:spcPts val="0"/>
+              </a:spcBef>
+              <a:spcAft>
+                <a:spcPts val="0"/>
+              </a:spcAft>
+              <a:buNone/>
+            </a:pPr>
             <a:endParaRPr sz="1050">
               <a:highlight>
                 <a:srgbClr val="FFFFFF"/>
@@ -999,11 +1034,11 @@
 </file>
 
 <file path=ppt/notesSlides/notesSlide11.xml><?xml version="1.0" encoding="utf-8"?>
-<p:notes xmlns:a="http://schemas.openxmlformats.org/drawingml/2006/main" xmlns:r="http://schemas.openxmlformats.org/officeDocument/2006/relationships" xmlns:mc="http://schemas.openxmlformats.org/markup-compatibility/2006" xmlns:mv="urn:schemas-microsoft-com:mac:vml" xmlns:p="http://schemas.openxmlformats.org/presentationml/2006/main" xmlns:c="http://schemas.openxmlformats.org/drawingml/2006/chart" xmlns:dgm="http://schemas.openxmlformats.org/drawingml/2006/diagram" xmlns:o="urn:schemas-microsoft-com:office:office" xmlns:v="urn:schemas-microsoft-com:vml" xmlns:pvml="urn:schemas-microsoft-com:office:powerpoint" xmlns:com="http://schemas.openxmlformats.org/drawingml/2006/compatibility" xmlns:p14="http://schemas.microsoft.com/office/powerpoint/2010/main" xmlns:p15="http://schemas.microsoft.com/office/powerpoint/2012/main" xmlns:ahyp="http://schemas.microsoft.com/office/drawing/2018/hyperlinkcolor" showMasterPhAnim="0" showMasterSp="0">
+<p:notes xmlns:a="http://schemas.openxmlformats.org/drawingml/2006/main" xmlns:r="http://schemas.openxmlformats.org/officeDocument/2006/relationships" xmlns:p="http://schemas.openxmlformats.org/presentationml/2006/main" showMasterSp="0" showMasterPhAnim="0">
   <p:cSld>
     <p:spTree>
       <p:nvGrpSpPr>
-        <p:cNvPr id="130" name="Shape 130"/>
+        <p:cNvPr id="1" name="Shape 130"/>
         <p:cNvGrpSpPr/>
         <p:nvPr/>
       </p:nvGrpSpPr>
@@ -1018,9 +1053,11 @@
       <p:sp>
         <p:nvSpPr>
           <p:cNvPr id="131" name="Google Shape;131;g7bc002680c_0_21:notes"/>
-          <p:cNvSpPr/>
+          <p:cNvSpPr>
+            <a:spLocks noGrp="1" noRot="1" noChangeAspect="1"/>
+          </p:cNvSpPr>
           <p:nvPr>
-            <p:ph idx="2" type="sldImg"/>
+            <p:ph type="sldImg" idx="2"/>
           </p:nvPr>
         </p:nvSpPr>
         <p:spPr>
@@ -1029,9 +1066,13 @@
             <a:ext cx="6096000" cy="3429000"/>
           </a:xfrm>
           <a:custGeom>
-            <a:rect b="b" l="l" r="r" t="t"/>
+            <a:avLst/>
+            <a:gdLst/>
+            <a:ahLst/>
+            <a:cxnLst/>
+            <a:rect l="l" t="t" r="r" b="b"/>
             <a:pathLst>
-              <a:path extrusionOk="0" h="120000" w="120000">
+              <a:path w="120000" h="120000" extrusionOk="0">
                 <a:moveTo>
                   <a:pt x="0" y="0"/>
                 </a:moveTo>
@@ -1053,9 +1094,11 @@
       <p:sp>
         <p:nvSpPr>
           <p:cNvPr id="132" name="Google Shape;132;g7bc002680c_0_21:notes"/>
-          <p:cNvSpPr txBox="1"/>
+          <p:cNvSpPr txBox="1">
+            <a:spLocks noGrp="1"/>
+          </p:cNvSpPr>
           <p:nvPr>
-            <p:ph idx="1" type="body"/>
+            <p:ph type="body" idx="1"/>
           </p:nvPr>
         </p:nvSpPr>
         <p:spPr>
@@ -1068,12 +1111,12 @@
           </a:prstGeom>
         </p:spPr>
         <p:txBody>
-          <a:bodyPr anchorCtr="0" anchor="t" bIns="91425" lIns="91425" spcFirstLastPara="1" rIns="91425" wrap="square" tIns="91425">
+          <a:bodyPr spcFirstLastPara="1" wrap="square" lIns="91425" tIns="91425" rIns="91425" bIns="91425" anchor="t" anchorCtr="0">
             <a:noAutofit/>
           </a:bodyPr>
           <a:lstStyle/>
           <a:p>
-            <a:pPr indent="0" lvl="0" marL="0" rtl="0" algn="l">
+            <a:pPr marL="0" lvl="0" indent="0" algn="l" rtl="0">
               <a:spcBef>
                 <a:spcPts val="0"/>
               </a:spcBef>
@@ -1089,7 +1132,7 @@
             <a:endParaRPr/>
           </a:p>
           <a:p>
-            <a:pPr indent="0" lvl="0" marL="0" rtl="0" algn="l">
+            <a:pPr marL="0" lvl="0" indent="0" algn="l" rtl="0">
               <a:spcBef>
                 <a:spcPts val="0"/>
               </a:spcBef>
@@ -1100,16 +1143,12 @@
             </a:pPr>
             <a:r>
               <a:rPr lang="en"/>
-              <a:t>The trend of accuracy for </a:t>
+              <a:t>The trend of accuracy for both the training and validation are going up first and then going down.But the loss is generally decreasing and interact and spreading further apart later.</a:t>
             </a:r>
-            <a:r>
-              <a:rPr lang="en"/>
-              <a:t>both the training and validation are going up first and then going down.But the loss is generally decreasing and interact and spreading further apart later.</a:t>
-            </a:r>
-            <a:endParaRPr/>
-          </a:p>
-          <a:p>
-            <a:pPr indent="0" lvl="0" marL="0" rtl="0" algn="l">
+            <a:endParaRPr/>
+          </a:p>
+          <a:p>
+            <a:pPr marL="0" lvl="0" indent="0" algn="l" rtl="0">
               <a:spcBef>
                 <a:spcPts val="0"/>
               </a:spcBef>
@@ -1125,18 +1164,15 @@
             <a:endParaRPr/>
           </a:p>
           <a:p>
-            <a:pPr indent="0" lvl="0" marL="0" rtl="0" algn="l">
-              <a:spcBef>
-                <a:spcPts val="0"/>
-              </a:spcBef>
-              <a:spcAft>
-                <a:spcPts val="0"/>
-              </a:spcAft>
-              <a:buNone/>
-            </a:pPr>
-            <a:r>
-              <a:t/>
-            </a:r>
+            <a:pPr marL="0" lvl="0" indent="0" algn="l" rtl="0">
+              <a:spcBef>
+                <a:spcPts val="0"/>
+              </a:spcBef>
+              <a:spcAft>
+                <a:spcPts val="0"/>
+              </a:spcAft>
+              <a:buNone/>
+            </a:pPr>
             <a:endParaRPr/>
           </a:p>
         </p:txBody>
@@ -1150,11 +1186,11 @@
 </file>
 
 <file path=ppt/notesSlides/notesSlide12.xml><?xml version="1.0" encoding="utf-8"?>
-<p:notes xmlns:a="http://schemas.openxmlformats.org/drawingml/2006/main" xmlns:r="http://schemas.openxmlformats.org/officeDocument/2006/relationships" xmlns:mc="http://schemas.openxmlformats.org/markup-compatibility/2006" xmlns:mv="urn:schemas-microsoft-com:mac:vml" xmlns:p="http://schemas.openxmlformats.org/presentationml/2006/main" xmlns:c="http://schemas.openxmlformats.org/drawingml/2006/chart" xmlns:dgm="http://schemas.openxmlformats.org/drawingml/2006/diagram" xmlns:o="urn:schemas-microsoft-com:office:office" xmlns:v="urn:schemas-microsoft-com:vml" xmlns:pvml="urn:schemas-microsoft-com:office:powerpoint" xmlns:com="http://schemas.openxmlformats.org/drawingml/2006/compatibility" xmlns:p14="http://schemas.microsoft.com/office/powerpoint/2010/main" xmlns:p15="http://schemas.microsoft.com/office/powerpoint/2012/main" xmlns:ahyp="http://schemas.microsoft.com/office/drawing/2018/hyperlinkcolor" showMasterPhAnim="0" showMasterSp="0">
+<p:notes xmlns:a="http://schemas.openxmlformats.org/drawingml/2006/main" xmlns:r="http://schemas.openxmlformats.org/officeDocument/2006/relationships" xmlns:p="http://schemas.openxmlformats.org/presentationml/2006/main" showMasterSp="0" showMasterPhAnim="0">
   <p:cSld>
     <p:spTree>
       <p:nvGrpSpPr>
-        <p:cNvPr id="137" name="Shape 137"/>
+        <p:cNvPr id="1" name="Shape 137"/>
         <p:cNvGrpSpPr/>
         <p:nvPr/>
       </p:nvGrpSpPr>
@@ -1169,9 +1205,11 @@
       <p:sp>
         <p:nvSpPr>
           <p:cNvPr id="138" name="Google Shape;138;g7bac3f8ae7_0_0:notes"/>
-          <p:cNvSpPr/>
+          <p:cNvSpPr>
+            <a:spLocks noGrp="1" noRot="1" noChangeAspect="1"/>
+          </p:cNvSpPr>
           <p:nvPr>
-            <p:ph idx="2" type="sldImg"/>
+            <p:ph type="sldImg" idx="2"/>
           </p:nvPr>
         </p:nvSpPr>
         <p:spPr>
@@ -1180,9 +1218,13 @@
             <a:ext cx="6096000" cy="3429000"/>
           </a:xfrm>
           <a:custGeom>
-            <a:rect b="b" l="l" r="r" t="t"/>
+            <a:avLst/>
+            <a:gdLst/>
+            <a:ahLst/>
+            <a:cxnLst/>
+            <a:rect l="l" t="t" r="r" b="b"/>
             <a:pathLst>
-              <a:path extrusionOk="0" h="120000" w="120000">
+              <a:path w="120000" h="120000" extrusionOk="0">
                 <a:moveTo>
                   <a:pt x="0" y="0"/>
                 </a:moveTo>
@@ -1204,9 +1246,11 @@
       <p:sp>
         <p:nvSpPr>
           <p:cNvPr id="139" name="Google Shape;139;g7bac3f8ae7_0_0:notes"/>
-          <p:cNvSpPr txBox="1"/>
+          <p:cNvSpPr txBox="1">
+            <a:spLocks noGrp="1"/>
+          </p:cNvSpPr>
           <p:nvPr>
-            <p:ph idx="1" type="body"/>
+            <p:ph type="body" idx="1"/>
           </p:nvPr>
         </p:nvSpPr>
         <p:spPr>
@@ -1219,12 +1263,12 @@
           </a:prstGeom>
         </p:spPr>
         <p:txBody>
-          <a:bodyPr anchorCtr="0" anchor="t" bIns="91425" lIns="91425" spcFirstLastPara="1" rIns="91425" wrap="square" tIns="91425">
+          <a:bodyPr spcFirstLastPara="1" wrap="square" lIns="91425" tIns="91425" rIns="91425" bIns="91425" anchor="t" anchorCtr="0">
             <a:noAutofit/>
           </a:bodyPr>
           <a:lstStyle/>
           <a:p>
-            <a:pPr indent="0" lvl="0" marL="0" rtl="0" algn="l">
+            <a:pPr marL="0" lvl="0" indent="0" algn="l" rtl="0">
               <a:spcBef>
                 <a:spcPts val="0"/>
               </a:spcBef>
@@ -1235,16 +1279,12 @@
             </a:pPr>
             <a:r>
               <a:rPr lang="en"/>
-              <a:t>To fix the problem, we first a</a:t>
+              <a:t>To fix the problem, we first apply horizontal flip.</a:t>
             </a:r>
-            <a:r>
-              <a:rPr lang="en"/>
-              <a:t>pply horizontal flip.</a:t>
-            </a:r>
-            <a:endParaRPr/>
-          </a:p>
-          <a:p>
-            <a:pPr indent="0" lvl="0" marL="0" rtl="0" algn="l">
+            <a:endParaRPr/>
+          </a:p>
+          <a:p>
+            <a:pPr marL="0" lvl="0" indent="0" algn="l" rtl="0">
               <a:spcBef>
                 <a:spcPts val="0"/>
               </a:spcBef>
@@ -1260,7 +1300,7 @@
             <a:endParaRPr/>
           </a:p>
           <a:p>
-            <a:pPr indent="0" lvl="0" marL="0" rtl="0" algn="l">
+            <a:pPr marL="0" lvl="0" indent="0" algn="l" rtl="0">
               <a:lnSpc>
                 <a:spcPct val="115000"/>
               </a:lnSpc>
@@ -1273,7 +1313,7 @@
               <a:buNone/>
             </a:pPr>
             <a:r>
-              <a:rPr b="1" lang="en" sz="1200">
+              <a:rPr lang="en" sz="1200" b="1">
                 <a:solidFill>
                   <a:srgbClr val="222222"/>
                 </a:solidFill>
@@ -1315,11 +1355,11 @@
 </file>
 
 <file path=ppt/notesSlides/notesSlide13.xml><?xml version="1.0" encoding="utf-8"?>
-<p:notes xmlns:a="http://schemas.openxmlformats.org/drawingml/2006/main" xmlns:r="http://schemas.openxmlformats.org/officeDocument/2006/relationships" xmlns:mc="http://schemas.openxmlformats.org/markup-compatibility/2006" xmlns:mv="urn:schemas-microsoft-com:mac:vml" xmlns:p="http://schemas.openxmlformats.org/presentationml/2006/main" xmlns:c="http://schemas.openxmlformats.org/drawingml/2006/chart" xmlns:dgm="http://schemas.openxmlformats.org/drawingml/2006/diagram" xmlns:o="urn:schemas-microsoft-com:office:office" xmlns:v="urn:schemas-microsoft-com:vml" xmlns:pvml="urn:schemas-microsoft-com:office:powerpoint" xmlns:com="http://schemas.openxmlformats.org/drawingml/2006/compatibility" xmlns:p14="http://schemas.microsoft.com/office/powerpoint/2010/main" xmlns:p15="http://schemas.microsoft.com/office/powerpoint/2012/main" xmlns:ahyp="http://schemas.microsoft.com/office/drawing/2018/hyperlinkcolor" showMasterPhAnim="0" showMasterSp="0">
+<p:notes xmlns:a="http://schemas.openxmlformats.org/drawingml/2006/main" xmlns:r="http://schemas.openxmlformats.org/officeDocument/2006/relationships" xmlns:p="http://schemas.openxmlformats.org/presentationml/2006/main" showMasterSp="0" showMasterPhAnim="0">
   <p:cSld>
     <p:spTree>
       <p:nvGrpSpPr>
-        <p:cNvPr id="144" name="Shape 144"/>
+        <p:cNvPr id="1" name="Shape 144"/>
         <p:cNvGrpSpPr/>
         <p:nvPr/>
       </p:nvGrpSpPr>
@@ -1334,9 +1374,11 @@
       <p:sp>
         <p:nvSpPr>
           <p:cNvPr id="145" name="Google Shape;145;g7babdcacdc_0_0:notes"/>
-          <p:cNvSpPr/>
+          <p:cNvSpPr>
+            <a:spLocks noGrp="1" noRot="1" noChangeAspect="1"/>
+          </p:cNvSpPr>
           <p:nvPr>
-            <p:ph idx="2" type="sldImg"/>
+            <p:ph type="sldImg" idx="2"/>
           </p:nvPr>
         </p:nvSpPr>
         <p:spPr>
@@ -1345,9 +1387,13 @@
             <a:ext cx="6096000" cy="3429000"/>
           </a:xfrm>
           <a:custGeom>
-            <a:rect b="b" l="l" r="r" t="t"/>
+            <a:avLst/>
+            <a:gdLst/>
+            <a:ahLst/>
+            <a:cxnLst/>
+            <a:rect l="l" t="t" r="r" b="b"/>
             <a:pathLst>
-              <a:path extrusionOk="0" h="120000" w="120000">
+              <a:path w="120000" h="120000" extrusionOk="0">
                 <a:moveTo>
                   <a:pt x="0" y="0"/>
                 </a:moveTo>
@@ -1369,9 +1415,11 @@
       <p:sp>
         <p:nvSpPr>
           <p:cNvPr id="146" name="Google Shape;146;g7babdcacdc_0_0:notes"/>
-          <p:cNvSpPr txBox="1"/>
+          <p:cNvSpPr txBox="1">
+            <a:spLocks noGrp="1"/>
+          </p:cNvSpPr>
           <p:nvPr>
-            <p:ph idx="1" type="body"/>
+            <p:ph type="body" idx="1"/>
           </p:nvPr>
         </p:nvSpPr>
         <p:spPr>
@@ -1384,12 +1432,12 @@
           </a:prstGeom>
         </p:spPr>
         <p:txBody>
-          <a:bodyPr anchorCtr="0" anchor="t" bIns="91425" lIns="91425" spcFirstLastPara="1" rIns="91425" wrap="square" tIns="91425">
+          <a:bodyPr spcFirstLastPara="1" wrap="square" lIns="91425" tIns="91425" rIns="91425" bIns="91425" anchor="t" anchorCtr="0">
             <a:noAutofit/>
           </a:bodyPr>
           <a:lstStyle/>
           <a:p>
-            <a:pPr indent="0" lvl="0" marL="0" rtl="0" algn="l">
+            <a:pPr marL="0" lvl="0" indent="0" algn="l" rtl="0">
               <a:spcBef>
                 <a:spcPts val="0"/>
               </a:spcBef>
@@ -1400,16 +1448,12 @@
             </a:pPr>
             <a:r>
               <a:rPr lang="en"/>
-              <a:t>We apply more transformation such as horizontal flip ,</a:t>
+              <a:t>We apply more transformation such as horizontal flip , 45 degrees of rotation randomly, Apply a zoom augmentation to the dataset to zoom images up to 50% randomly and put it together.</a:t>
             </a:r>
-            <a:r>
-              <a:rPr lang="en"/>
-              <a:t> 45 degrees of rotation randomly, Apply a zoom augmentation to the dataset to zoom images up to 50% randomly and put it together.</a:t>
-            </a:r>
-            <a:endParaRPr/>
-          </a:p>
-          <a:p>
-            <a:pPr indent="0" lvl="0" marL="0" rtl="0" algn="l">
+            <a:endParaRPr/>
+          </a:p>
+          <a:p>
+            <a:pPr marL="0" lvl="0" indent="0" algn="l" rtl="0">
               <a:spcBef>
                 <a:spcPts val="0"/>
               </a:spcBef>
@@ -1425,33 +1469,27 @@
             <a:endParaRPr/>
           </a:p>
           <a:p>
-            <a:pPr indent="0" lvl="0" marL="0" rtl="0" algn="l">
-              <a:spcBef>
-                <a:spcPts val="0"/>
-              </a:spcBef>
-              <a:spcAft>
-                <a:spcPts val="0"/>
-              </a:spcAft>
-              <a:buNone/>
-            </a:pPr>
-            <a:r>
-              <a:t/>
-            </a:r>
-            <a:endParaRPr/>
-          </a:p>
-          <a:p>
-            <a:pPr indent="0" lvl="0" marL="0" rtl="0" algn="l">
-              <a:spcBef>
-                <a:spcPts val="0"/>
-              </a:spcBef>
-              <a:spcAft>
-                <a:spcPts val="0"/>
-              </a:spcAft>
-              <a:buNone/>
-            </a:pPr>
-            <a:r>
-              <a:t/>
-            </a:r>
+            <a:pPr marL="0" lvl="0" indent="0" algn="l" rtl="0">
+              <a:spcBef>
+                <a:spcPts val="0"/>
+              </a:spcBef>
+              <a:spcAft>
+                <a:spcPts val="0"/>
+              </a:spcAft>
+              <a:buNone/>
+            </a:pPr>
+            <a:endParaRPr/>
+          </a:p>
+          <a:p>
+            <a:pPr marL="0" lvl="0" indent="0" algn="l" rtl="0">
+              <a:spcBef>
+                <a:spcPts val="0"/>
+              </a:spcBef>
+              <a:spcAft>
+                <a:spcPts val="0"/>
+              </a:spcAft>
+              <a:buNone/>
+            </a:pPr>
             <a:endParaRPr/>
           </a:p>
         </p:txBody>
@@ -1465,11 +1503,11 @@
 </file>
 
 <file path=ppt/notesSlides/notesSlide14.xml><?xml version="1.0" encoding="utf-8"?>
-<p:notes xmlns:a="http://schemas.openxmlformats.org/drawingml/2006/main" xmlns:r="http://schemas.openxmlformats.org/officeDocument/2006/relationships" xmlns:mc="http://schemas.openxmlformats.org/markup-compatibility/2006" xmlns:mv="urn:schemas-microsoft-com:mac:vml" xmlns:p="http://schemas.openxmlformats.org/presentationml/2006/main" xmlns:c="http://schemas.openxmlformats.org/drawingml/2006/chart" xmlns:dgm="http://schemas.openxmlformats.org/drawingml/2006/diagram" xmlns:o="urn:schemas-microsoft-com:office:office" xmlns:v="urn:schemas-microsoft-com:vml" xmlns:pvml="urn:schemas-microsoft-com:office:powerpoint" xmlns:com="http://schemas.openxmlformats.org/drawingml/2006/compatibility" xmlns:p14="http://schemas.microsoft.com/office/powerpoint/2010/main" xmlns:p15="http://schemas.microsoft.com/office/powerpoint/2012/main" xmlns:ahyp="http://schemas.microsoft.com/office/drawing/2018/hyperlinkcolor" showMasterPhAnim="0" showMasterSp="0">
+<p:notes xmlns:a="http://schemas.openxmlformats.org/drawingml/2006/main" xmlns:r="http://schemas.openxmlformats.org/officeDocument/2006/relationships" xmlns:p="http://schemas.openxmlformats.org/presentationml/2006/main" showMasterSp="0" showMasterPhAnim="0">
   <p:cSld>
     <p:spTree>
       <p:nvGrpSpPr>
-        <p:cNvPr id="151" name="Shape 151"/>
+        <p:cNvPr id="1" name="Shape 151"/>
         <p:cNvGrpSpPr/>
         <p:nvPr/>
       </p:nvGrpSpPr>
@@ -1484,9 +1522,11 @@
       <p:sp>
         <p:nvSpPr>
           <p:cNvPr id="152" name="Google Shape;152;g7ba9eb548f_0_82:notes"/>
-          <p:cNvSpPr/>
+          <p:cNvSpPr>
+            <a:spLocks noGrp="1" noRot="1" noChangeAspect="1"/>
+          </p:cNvSpPr>
           <p:nvPr>
-            <p:ph idx="2" type="sldImg"/>
+            <p:ph type="sldImg" idx="2"/>
           </p:nvPr>
         </p:nvSpPr>
         <p:spPr>
@@ -1495,9 +1535,13 @@
             <a:ext cx="6096000" cy="3429000"/>
           </a:xfrm>
           <a:custGeom>
-            <a:rect b="b" l="l" r="r" t="t"/>
+            <a:avLst/>
+            <a:gdLst/>
+            <a:ahLst/>
+            <a:cxnLst/>
+            <a:rect l="l" t="t" r="r" b="b"/>
             <a:pathLst>
-              <a:path extrusionOk="0" h="120000" w="120000">
+              <a:path w="120000" h="120000" extrusionOk="0">
                 <a:moveTo>
                   <a:pt x="0" y="0"/>
                 </a:moveTo>
@@ -1519,9 +1563,11 @@
       <p:sp>
         <p:nvSpPr>
           <p:cNvPr id="153" name="Google Shape;153;g7ba9eb548f_0_82:notes"/>
-          <p:cNvSpPr txBox="1"/>
+          <p:cNvSpPr txBox="1">
+            <a:spLocks noGrp="1"/>
+          </p:cNvSpPr>
           <p:nvPr>
-            <p:ph idx="1" type="body"/>
+            <p:ph type="body" idx="1"/>
           </p:nvPr>
         </p:nvSpPr>
         <p:spPr>
@@ -1534,12 +1580,12 @@
           </a:prstGeom>
         </p:spPr>
         <p:txBody>
-          <a:bodyPr anchorCtr="0" anchor="t" bIns="91425" lIns="91425" spcFirstLastPara="1" rIns="91425" wrap="square" tIns="91425">
+          <a:bodyPr spcFirstLastPara="1" wrap="square" lIns="91425" tIns="91425" rIns="91425" bIns="91425" anchor="t" anchorCtr="0">
             <a:noAutofit/>
           </a:bodyPr>
           <a:lstStyle/>
           <a:p>
-            <a:pPr indent="0" lvl="0" marL="0" rtl="0" algn="l">
+            <a:pPr marL="0" lvl="0" indent="0" algn="l" rtl="0">
               <a:spcBef>
                 <a:spcPts val="0"/>
               </a:spcBef>
@@ -1555,7 +1601,7 @@
             <a:endParaRPr/>
           </a:p>
           <a:p>
-            <a:pPr indent="0" lvl="0" marL="0" rtl="0" algn="l">
+            <a:pPr marL="0" lvl="0" indent="0" algn="l" rtl="0">
               <a:spcBef>
                 <a:spcPts val="0"/>
               </a:spcBef>
@@ -1566,16 +1612,12 @@
             </a:pPr>
             <a:r>
               <a:rPr lang="en"/>
-              <a:t>we import a very powerful model called VGG 16 model to apply on our dataset.we </a:t>
+              <a:t>we import a very powerful model called VGG 16 model to apply on our dataset.we Freeze all layers besides `predictions`</a:t>
             </a:r>
-            <a:r>
-              <a:rPr lang="en"/>
-              <a:t>Freeze all layers besides `predictions`</a:t>
-            </a:r>
-            <a:endParaRPr/>
-          </a:p>
-          <a:p>
-            <a:pPr indent="0" lvl="0" marL="0" rtl="0" algn="l">
+            <a:endParaRPr/>
+          </a:p>
+          <a:p>
+            <a:pPr marL="0" lvl="0" indent="0" algn="l" rtl="0">
               <a:spcBef>
                 <a:spcPts val="0"/>
               </a:spcBef>
@@ -1601,11 +1643,11 @@
 </file>
 
 <file path=ppt/notesSlides/notesSlide15.xml><?xml version="1.0" encoding="utf-8"?>
-<p:notes xmlns:a="http://schemas.openxmlformats.org/drawingml/2006/main" xmlns:r="http://schemas.openxmlformats.org/officeDocument/2006/relationships" xmlns:mc="http://schemas.openxmlformats.org/markup-compatibility/2006" xmlns:mv="urn:schemas-microsoft-com:mac:vml" xmlns:p="http://schemas.openxmlformats.org/presentationml/2006/main" xmlns:c="http://schemas.openxmlformats.org/drawingml/2006/chart" xmlns:dgm="http://schemas.openxmlformats.org/drawingml/2006/diagram" xmlns:o="urn:schemas-microsoft-com:office:office" xmlns:v="urn:schemas-microsoft-com:vml" xmlns:pvml="urn:schemas-microsoft-com:office:powerpoint" xmlns:com="http://schemas.openxmlformats.org/drawingml/2006/compatibility" xmlns:p14="http://schemas.microsoft.com/office/powerpoint/2010/main" xmlns:p15="http://schemas.microsoft.com/office/powerpoint/2012/main" xmlns:ahyp="http://schemas.microsoft.com/office/drawing/2018/hyperlinkcolor" showMasterPhAnim="0" showMasterSp="0">
+<p:notes xmlns:a="http://schemas.openxmlformats.org/drawingml/2006/main" xmlns:r="http://schemas.openxmlformats.org/officeDocument/2006/relationships" xmlns:p="http://schemas.openxmlformats.org/presentationml/2006/main" showMasterSp="0" showMasterPhAnim="0">
   <p:cSld>
     <p:spTree>
       <p:nvGrpSpPr>
-        <p:cNvPr id="160" name="Shape 160"/>
+        <p:cNvPr id="1" name="Shape 160"/>
         <p:cNvGrpSpPr/>
         <p:nvPr/>
       </p:nvGrpSpPr>
@@ -1620,9 +1662,11 @@
       <p:sp>
         <p:nvSpPr>
           <p:cNvPr id="161" name="Google Shape;161;g7ba9eb548f_0_139:notes"/>
-          <p:cNvSpPr/>
+          <p:cNvSpPr>
+            <a:spLocks noGrp="1" noRot="1" noChangeAspect="1"/>
+          </p:cNvSpPr>
           <p:nvPr>
-            <p:ph idx="2" type="sldImg"/>
+            <p:ph type="sldImg" idx="2"/>
           </p:nvPr>
         </p:nvSpPr>
         <p:spPr>
@@ -1631,9 +1675,13 @@
             <a:ext cx="6096000" cy="3429000"/>
           </a:xfrm>
           <a:custGeom>
-            <a:rect b="b" l="l" r="r" t="t"/>
+            <a:avLst/>
+            <a:gdLst/>
+            <a:ahLst/>
+            <a:cxnLst/>
+            <a:rect l="l" t="t" r="r" b="b"/>
             <a:pathLst>
-              <a:path extrusionOk="0" h="120000" w="120000">
+              <a:path w="120000" h="120000" extrusionOk="0">
                 <a:moveTo>
                   <a:pt x="0" y="0"/>
                 </a:moveTo>
@@ -1655,9 +1703,11 @@
       <p:sp>
         <p:nvSpPr>
           <p:cNvPr id="162" name="Google Shape;162;g7ba9eb548f_0_139:notes"/>
-          <p:cNvSpPr txBox="1"/>
+          <p:cNvSpPr txBox="1">
+            <a:spLocks noGrp="1"/>
+          </p:cNvSpPr>
           <p:nvPr>
-            <p:ph idx="1" type="body"/>
+            <p:ph type="body" idx="1"/>
           </p:nvPr>
         </p:nvSpPr>
         <p:spPr>
@@ -1670,12 +1720,12 @@
           </a:prstGeom>
         </p:spPr>
         <p:txBody>
-          <a:bodyPr anchorCtr="0" anchor="t" bIns="91425" lIns="91425" spcFirstLastPara="1" rIns="91425" wrap="square" tIns="91425">
+          <a:bodyPr spcFirstLastPara="1" wrap="square" lIns="91425" tIns="91425" rIns="91425" bIns="91425" anchor="t" anchorCtr="0">
             <a:noAutofit/>
           </a:bodyPr>
           <a:lstStyle/>
           <a:p>
-            <a:pPr indent="0" lvl="0" marL="0" rtl="0" algn="l">
+            <a:pPr marL="0" lvl="0" indent="0" algn="l" rtl="0">
               <a:spcBef>
                 <a:spcPts val="0"/>
               </a:spcBef>
@@ -1691,7 +1741,7 @@
             <a:endParaRPr/>
           </a:p>
           <a:p>
-            <a:pPr indent="0" lvl="0" marL="0" rtl="0" algn="l">
+            <a:pPr marL="0" lvl="0" indent="0" algn="l" rtl="0">
               <a:spcBef>
                 <a:spcPts val="0"/>
               </a:spcBef>
@@ -1717,11 +1767,11 @@
 </file>
 
 <file path=ppt/notesSlides/notesSlide16.xml><?xml version="1.0" encoding="utf-8"?>
-<p:notes xmlns:a="http://schemas.openxmlformats.org/drawingml/2006/main" xmlns:r="http://schemas.openxmlformats.org/officeDocument/2006/relationships" xmlns:mc="http://schemas.openxmlformats.org/markup-compatibility/2006" xmlns:mv="urn:schemas-microsoft-com:mac:vml" xmlns:p="http://schemas.openxmlformats.org/presentationml/2006/main" xmlns:c="http://schemas.openxmlformats.org/drawingml/2006/chart" xmlns:dgm="http://schemas.openxmlformats.org/drawingml/2006/diagram" xmlns:o="urn:schemas-microsoft-com:office:office" xmlns:v="urn:schemas-microsoft-com:vml" xmlns:pvml="urn:schemas-microsoft-com:office:powerpoint" xmlns:com="http://schemas.openxmlformats.org/drawingml/2006/compatibility" xmlns:p14="http://schemas.microsoft.com/office/powerpoint/2010/main" xmlns:p15="http://schemas.microsoft.com/office/powerpoint/2012/main" xmlns:ahyp="http://schemas.microsoft.com/office/drawing/2018/hyperlinkcolor" showMasterPhAnim="0" showMasterSp="0">
+<p:notes xmlns:a="http://schemas.openxmlformats.org/drawingml/2006/main" xmlns:r="http://schemas.openxmlformats.org/officeDocument/2006/relationships" xmlns:p="http://schemas.openxmlformats.org/presentationml/2006/main" showMasterSp="0" showMasterPhAnim="0">
   <p:cSld>
     <p:spTree>
       <p:nvGrpSpPr>
-        <p:cNvPr id="167" name="Shape 167"/>
+        <p:cNvPr id="1" name="Shape 167"/>
         <p:cNvGrpSpPr/>
         <p:nvPr/>
       </p:nvGrpSpPr>
@@ -1736,9 +1786,11 @@
       <p:sp>
         <p:nvSpPr>
           <p:cNvPr id="168" name="Google Shape;168;g7bac3f8ae7_0_7:notes"/>
-          <p:cNvSpPr/>
+          <p:cNvSpPr>
+            <a:spLocks noGrp="1" noRot="1" noChangeAspect="1"/>
+          </p:cNvSpPr>
           <p:nvPr>
-            <p:ph idx="2" type="sldImg"/>
+            <p:ph type="sldImg" idx="2"/>
           </p:nvPr>
         </p:nvSpPr>
         <p:spPr>
@@ -1747,9 +1799,13 @@
             <a:ext cx="6096000" cy="3429000"/>
           </a:xfrm>
           <a:custGeom>
-            <a:rect b="b" l="l" r="r" t="t"/>
+            <a:avLst/>
+            <a:gdLst/>
+            <a:ahLst/>
+            <a:cxnLst/>
+            <a:rect l="l" t="t" r="r" b="b"/>
             <a:pathLst>
-              <a:path extrusionOk="0" h="120000" w="120000">
+              <a:path w="120000" h="120000" extrusionOk="0">
                 <a:moveTo>
                   <a:pt x="0" y="0"/>
                 </a:moveTo>
@@ -1771,9 +1827,11 @@
       <p:sp>
         <p:nvSpPr>
           <p:cNvPr id="169" name="Google Shape;169;g7bac3f8ae7_0_7:notes"/>
-          <p:cNvSpPr txBox="1"/>
+          <p:cNvSpPr txBox="1">
+            <a:spLocks noGrp="1"/>
+          </p:cNvSpPr>
           <p:nvPr>
-            <p:ph idx="1" type="body"/>
+            <p:ph type="body" idx="1"/>
           </p:nvPr>
         </p:nvSpPr>
         <p:spPr>
@@ -1786,12 +1844,12 @@
           </a:prstGeom>
         </p:spPr>
         <p:txBody>
-          <a:bodyPr anchorCtr="0" anchor="t" bIns="91425" lIns="91425" spcFirstLastPara="1" rIns="91425" wrap="square" tIns="91425">
+          <a:bodyPr spcFirstLastPara="1" wrap="square" lIns="91425" tIns="91425" rIns="91425" bIns="91425" anchor="t" anchorCtr="0">
             <a:noAutofit/>
           </a:bodyPr>
           <a:lstStyle/>
           <a:p>
-            <a:pPr indent="0" lvl="0" marL="0" rtl="0" algn="l">
+            <a:pPr marL="0" lvl="0" indent="0" algn="l" rtl="0">
               <a:spcBef>
                 <a:spcPts val="0"/>
               </a:spcBef>
@@ -1817,11 +1875,11 @@
 </file>
 
 <file path=ppt/notesSlides/notesSlide17.xml><?xml version="1.0" encoding="utf-8"?>
-<p:notes xmlns:a="http://schemas.openxmlformats.org/drawingml/2006/main" xmlns:r="http://schemas.openxmlformats.org/officeDocument/2006/relationships" xmlns:mc="http://schemas.openxmlformats.org/markup-compatibility/2006" xmlns:mv="urn:schemas-microsoft-com:mac:vml" xmlns:p="http://schemas.openxmlformats.org/presentationml/2006/main" xmlns:c="http://schemas.openxmlformats.org/drawingml/2006/chart" xmlns:dgm="http://schemas.openxmlformats.org/drawingml/2006/diagram" xmlns:o="urn:schemas-microsoft-com:office:office" xmlns:v="urn:schemas-microsoft-com:vml" xmlns:pvml="urn:schemas-microsoft-com:office:powerpoint" xmlns:com="http://schemas.openxmlformats.org/drawingml/2006/compatibility" xmlns:p14="http://schemas.microsoft.com/office/powerpoint/2010/main" xmlns:p15="http://schemas.microsoft.com/office/powerpoint/2012/main" xmlns:ahyp="http://schemas.microsoft.com/office/drawing/2018/hyperlinkcolor" showMasterPhAnim="0" showMasterSp="0">
+<p:notes xmlns:a="http://schemas.openxmlformats.org/drawingml/2006/main" xmlns:r="http://schemas.openxmlformats.org/officeDocument/2006/relationships" xmlns:p="http://schemas.openxmlformats.org/presentationml/2006/main" showMasterSp="0" showMasterPhAnim="0">
   <p:cSld>
     <p:spTree>
       <p:nvGrpSpPr>
-        <p:cNvPr id="174" name="Shape 174"/>
+        <p:cNvPr id="1" name="Shape 174"/>
         <p:cNvGrpSpPr/>
         <p:nvPr/>
       </p:nvGrpSpPr>
@@ -1836,9 +1894,11 @@
       <p:sp>
         <p:nvSpPr>
           <p:cNvPr id="175" name="Google Shape;175;g7ba9eb548f_0_87:notes"/>
-          <p:cNvSpPr/>
+          <p:cNvSpPr>
+            <a:spLocks noGrp="1" noRot="1" noChangeAspect="1"/>
+          </p:cNvSpPr>
           <p:nvPr>
-            <p:ph idx="2" type="sldImg"/>
+            <p:ph type="sldImg" idx="2"/>
           </p:nvPr>
         </p:nvSpPr>
         <p:spPr>
@@ -1847,9 +1907,13 @@
             <a:ext cx="6096000" cy="3429000"/>
           </a:xfrm>
           <a:custGeom>
-            <a:rect b="b" l="l" r="r" t="t"/>
+            <a:avLst/>
+            <a:gdLst/>
+            <a:ahLst/>
+            <a:cxnLst/>
+            <a:rect l="l" t="t" r="r" b="b"/>
             <a:pathLst>
-              <a:path extrusionOk="0" h="120000" w="120000">
+              <a:path w="120000" h="120000" extrusionOk="0">
                 <a:moveTo>
                   <a:pt x="0" y="0"/>
                 </a:moveTo>
@@ -1871,9 +1935,11 @@
       <p:sp>
         <p:nvSpPr>
           <p:cNvPr id="176" name="Google Shape;176;g7ba9eb548f_0_87:notes"/>
-          <p:cNvSpPr txBox="1"/>
+          <p:cNvSpPr txBox="1">
+            <a:spLocks noGrp="1"/>
+          </p:cNvSpPr>
           <p:nvPr>
-            <p:ph idx="1" type="body"/>
+            <p:ph type="body" idx="1"/>
           </p:nvPr>
         </p:nvSpPr>
         <p:spPr>
@@ -1886,12 +1952,12 @@
           </a:prstGeom>
         </p:spPr>
         <p:txBody>
-          <a:bodyPr anchorCtr="0" anchor="t" bIns="91425" lIns="91425" spcFirstLastPara="1" rIns="91425" wrap="square" tIns="91425">
+          <a:bodyPr spcFirstLastPara="1" wrap="square" lIns="91425" tIns="91425" rIns="91425" bIns="91425" anchor="t" anchorCtr="0">
             <a:noAutofit/>
           </a:bodyPr>
           <a:lstStyle/>
           <a:p>
-            <a:pPr indent="0" lvl="0" marL="0" rtl="0" algn="l">
+            <a:pPr marL="0" lvl="0" indent="0" algn="l" rtl="0">
               <a:spcBef>
                 <a:spcPts val="0"/>
               </a:spcBef>
@@ -1907,7 +1973,7 @@
             <a:endParaRPr/>
           </a:p>
           <a:p>
-            <a:pPr indent="0" lvl="0" marL="0" rtl="0" algn="l">
+            <a:pPr marL="0" lvl="0" indent="0" algn="l" rtl="0">
               <a:spcBef>
                 <a:spcPts val="0"/>
               </a:spcBef>
@@ -1918,11 +1984,7 @@
             </a:pPr>
             <a:r>
               <a:rPr lang="en"/>
-              <a:t>we upload an addition image from the testset and resize it as the same size to 224 x 224 pixel image with depth = 3. So the probability of  showing image to be homer is 91% and </a:t>
-            </a:r>
-            <a:r>
-              <a:rPr lang="en"/>
-              <a:t>the probability of  showing image to be lisa is 9.8%, which is pretty good.</a:t>
+              <a:t>we upload an addition image from the testset and resize it as the same size to 224 x 224 pixel image with depth = 3. So the probability of  showing image to be homer is 91% and the probability of  showing image to be lisa is 9.8%, which is pretty good.</a:t>
             </a:r>
             <a:endParaRPr/>
           </a:p>
@@ -1937,11 +1999,11 @@
 </file>
 
 <file path=ppt/notesSlides/notesSlide2.xml><?xml version="1.0" encoding="utf-8"?>
-<p:notes xmlns:a="http://schemas.openxmlformats.org/drawingml/2006/main" xmlns:r="http://schemas.openxmlformats.org/officeDocument/2006/relationships" xmlns:mc="http://schemas.openxmlformats.org/markup-compatibility/2006" xmlns:mv="urn:schemas-microsoft-com:mac:vml" xmlns:p="http://schemas.openxmlformats.org/presentationml/2006/main" xmlns:c="http://schemas.openxmlformats.org/drawingml/2006/chart" xmlns:dgm="http://schemas.openxmlformats.org/drawingml/2006/diagram" xmlns:o="urn:schemas-microsoft-com:office:office" xmlns:v="urn:schemas-microsoft-com:vml" xmlns:pvml="urn:schemas-microsoft-com:office:powerpoint" xmlns:com="http://schemas.openxmlformats.org/drawingml/2006/compatibility" xmlns:p14="http://schemas.microsoft.com/office/powerpoint/2010/main" xmlns:p15="http://schemas.microsoft.com/office/powerpoint/2012/main" xmlns:ahyp="http://schemas.microsoft.com/office/drawing/2018/hyperlinkcolor" showMasterPhAnim="0" showMasterSp="0">
+<p:notes xmlns:a="http://schemas.openxmlformats.org/drawingml/2006/main" xmlns:r="http://schemas.openxmlformats.org/officeDocument/2006/relationships" xmlns:p="http://schemas.openxmlformats.org/presentationml/2006/main" showMasterSp="0" showMasterPhAnim="0">
   <p:cSld>
     <p:spTree>
       <p:nvGrpSpPr>
-        <p:cNvPr id="68" name="Shape 68"/>
+        <p:cNvPr id="1" name="Shape 68"/>
         <p:cNvGrpSpPr/>
         <p:nvPr/>
       </p:nvGrpSpPr>
@@ -1956,9 +2018,11 @@
       <p:sp>
         <p:nvSpPr>
           <p:cNvPr id="69" name="Google Shape;69;g7ba9eb548f_0_57:notes"/>
-          <p:cNvSpPr/>
+          <p:cNvSpPr>
+            <a:spLocks noGrp="1" noRot="1" noChangeAspect="1"/>
+          </p:cNvSpPr>
           <p:nvPr>
-            <p:ph idx="2" type="sldImg"/>
+            <p:ph type="sldImg" idx="2"/>
           </p:nvPr>
         </p:nvSpPr>
         <p:spPr>
@@ -1967,9 +2031,13 @@
             <a:ext cx="6096000" cy="3429000"/>
           </a:xfrm>
           <a:custGeom>
-            <a:rect b="b" l="l" r="r" t="t"/>
+            <a:avLst/>
+            <a:gdLst/>
+            <a:ahLst/>
+            <a:cxnLst/>
+            <a:rect l="l" t="t" r="r" b="b"/>
             <a:pathLst>
-              <a:path extrusionOk="0" h="120000" w="120000">
+              <a:path w="120000" h="120000" extrusionOk="0">
                 <a:moveTo>
                   <a:pt x="0" y="0"/>
                 </a:moveTo>
@@ -1991,9 +2059,11 @@
       <p:sp>
         <p:nvSpPr>
           <p:cNvPr id="70" name="Google Shape;70;g7ba9eb548f_0_57:notes"/>
-          <p:cNvSpPr txBox="1"/>
+          <p:cNvSpPr txBox="1">
+            <a:spLocks noGrp="1"/>
+          </p:cNvSpPr>
           <p:nvPr>
-            <p:ph idx="1" type="body"/>
+            <p:ph type="body" idx="1"/>
           </p:nvPr>
         </p:nvSpPr>
         <p:spPr>
@@ -2006,23 +2076,20 @@
           </a:prstGeom>
         </p:spPr>
         <p:txBody>
-          <a:bodyPr anchorCtr="0" anchor="t" bIns="91425" lIns="91425" spcFirstLastPara="1" rIns="91425" wrap="square" tIns="91425">
+          <a:bodyPr spcFirstLastPara="1" wrap="square" lIns="91425" tIns="91425" rIns="91425" bIns="91425" anchor="t" anchorCtr="0">
             <a:noAutofit/>
           </a:bodyPr>
           <a:lstStyle/>
           <a:p>
-            <a:pPr indent="0" lvl="0" marL="0" rtl="0" algn="l">
-              <a:spcBef>
-                <a:spcPts val="0"/>
-              </a:spcBef>
-              <a:spcAft>
-                <a:spcPts val="0"/>
-              </a:spcAft>
-              <a:buNone/>
-            </a:pPr>
-            <a:r>
-              <a:t/>
-            </a:r>
+            <a:pPr marL="0" lvl="0" indent="0" algn="l" rtl="0">
+              <a:spcBef>
+                <a:spcPts val="0"/>
+              </a:spcBef>
+              <a:spcAft>
+                <a:spcPts val="0"/>
+              </a:spcAft>
+              <a:buNone/>
+            </a:pPr>
             <a:endParaRPr/>
           </a:p>
         </p:txBody>
@@ -2036,11 +2103,11 @@
 </file>
 
 <file path=ppt/notesSlides/notesSlide3.xml><?xml version="1.0" encoding="utf-8"?>
-<p:notes xmlns:a="http://schemas.openxmlformats.org/drawingml/2006/main" xmlns:r="http://schemas.openxmlformats.org/officeDocument/2006/relationships" xmlns:mc="http://schemas.openxmlformats.org/markup-compatibility/2006" xmlns:mv="urn:schemas-microsoft-com:mac:vml" xmlns:p="http://schemas.openxmlformats.org/presentationml/2006/main" xmlns:c="http://schemas.openxmlformats.org/drawingml/2006/chart" xmlns:dgm="http://schemas.openxmlformats.org/drawingml/2006/diagram" xmlns:o="urn:schemas-microsoft-com:office:office" xmlns:v="urn:schemas-microsoft-com:vml" xmlns:pvml="urn:schemas-microsoft-com:office:powerpoint" xmlns:com="http://schemas.openxmlformats.org/drawingml/2006/compatibility" xmlns:p14="http://schemas.microsoft.com/office/powerpoint/2010/main" xmlns:p15="http://schemas.microsoft.com/office/powerpoint/2012/main" xmlns:ahyp="http://schemas.microsoft.com/office/drawing/2018/hyperlinkcolor" showMasterPhAnim="0" showMasterSp="0">
+<p:notes xmlns:a="http://schemas.openxmlformats.org/drawingml/2006/main" xmlns:r="http://schemas.openxmlformats.org/officeDocument/2006/relationships" xmlns:p="http://schemas.openxmlformats.org/presentationml/2006/main" showMasterSp="0" showMasterPhAnim="0">
   <p:cSld>
     <p:spTree>
       <p:nvGrpSpPr>
-        <p:cNvPr id="75" name="Shape 75"/>
+        <p:cNvPr id="1" name="Shape 75"/>
         <p:cNvGrpSpPr/>
         <p:nvPr/>
       </p:nvGrpSpPr>
@@ -2055,9 +2122,11 @@
       <p:sp>
         <p:nvSpPr>
           <p:cNvPr id="76" name="Google Shape;76;g7ba9eb548f_0_62:notes"/>
-          <p:cNvSpPr/>
+          <p:cNvSpPr>
+            <a:spLocks noGrp="1" noRot="1" noChangeAspect="1"/>
+          </p:cNvSpPr>
           <p:nvPr>
-            <p:ph idx="2" type="sldImg"/>
+            <p:ph type="sldImg" idx="2"/>
           </p:nvPr>
         </p:nvSpPr>
         <p:spPr>
@@ -2066,9 +2135,13 @@
             <a:ext cx="6096000" cy="3429000"/>
           </a:xfrm>
           <a:custGeom>
-            <a:rect b="b" l="l" r="r" t="t"/>
+            <a:avLst/>
+            <a:gdLst/>
+            <a:ahLst/>
+            <a:cxnLst/>
+            <a:rect l="l" t="t" r="r" b="b"/>
             <a:pathLst>
-              <a:path extrusionOk="0" h="120000" w="120000">
+              <a:path w="120000" h="120000" extrusionOk="0">
                 <a:moveTo>
                   <a:pt x="0" y="0"/>
                 </a:moveTo>
@@ -2090,9 +2163,11 @@
       <p:sp>
         <p:nvSpPr>
           <p:cNvPr id="77" name="Google Shape;77;g7ba9eb548f_0_62:notes"/>
-          <p:cNvSpPr txBox="1"/>
+          <p:cNvSpPr txBox="1">
+            <a:spLocks noGrp="1"/>
+          </p:cNvSpPr>
           <p:nvPr>
-            <p:ph idx="1" type="body"/>
+            <p:ph type="body" idx="1"/>
           </p:nvPr>
         </p:nvSpPr>
         <p:spPr>
@@ -2105,23 +2180,20 @@
           </a:prstGeom>
         </p:spPr>
         <p:txBody>
-          <a:bodyPr anchorCtr="0" anchor="t" bIns="91425" lIns="91425" spcFirstLastPara="1" rIns="91425" wrap="square" tIns="91425">
+          <a:bodyPr spcFirstLastPara="1" wrap="square" lIns="91425" tIns="91425" rIns="91425" bIns="91425" anchor="t" anchorCtr="0">
             <a:noAutofit/>
           </a:bodyPr>
           <a:lstStyle/>
           <a:p>
-            <a:pPr indent="0" lvl="0" marL="0" rtl="0" algn="l">
-              <a:spcBef>
-                <a:spcPts val="0"/>
-              </a:spcBef>
-              <a:spcAft>
-                <a:spcPts val="0"/>
-              </a:spcAft>
-              <a:buNone/>
-            </a:pPr>
-            <a:r>
-              <a:t/>
-            </a:r>
+            <a:pPr marL="0" lvl="0" indent="0" algn="l" rtl="0">
+              <a:spcBef>
+                <a:spcPts val="0"/>
+              </a:spcBef>
+              <a:spcAft>
+                <a:spcPts val="0"/>
+              </a:spcAft>
+              <a:buNone/>
+            </a:pPr>
             <a:endParaRPr/>
           </a:p>
         </p:txBody>
@@ -2135,11 +2207,11 @@
 </file>
 
 <file path=ppt/notesSlides/notesSlide4.xml><?xml version="1.0" encoding="utf-8"?>
-<p:notes xmlns:a="http://schemas.openxmlformats.org/drawingml/2006/main" xmlns:r="http://schemas.openxmlformats.org/officeDocument/2006/relationships" xmlns:mc="http://schemas.openxmlformats.org/markup-compatibility/2006" xmlns:mv="urn:schemas-microsoft-com:mac:vml" xmlns:p="http://schemas.openxmlformats.org/presentationml/2006/main" xmlns:c="http://schemas.openxmlformats.org/drawingml/2006/chart" xmlns:dgm="http://schemas.openxmlformats.org/drawingml/2006/diagram" xmlns:o="urn:schemas-microsoft-com:office:office" xmlns:v="urn:schemas-microsoft-com:vml" xmlns:pvml="urn:schemas-microsoft-com:office:powerpoint" xmlns:com="http://schemas.openxmlformats.org/drawingml/2006/compatibility" xmlns:p14="http://schemas.microsoft.com/office/powerpoint/2010/main" xmlns:p15="http://schemas.microsoft.com/office/powerpoint/2012/main" xmlns:ahyp="http://schemas.microsoft.com/office/drawing/2018/hyperlinkcolor" showMasterPhAnim="0" showMasterSp="0">
+<p:notes xmlns:a="http://schemas.openxmlformats.org/drawingml/2006/main" xmlns:r="http://schemas.openxmlformats.org/officeDocument/2006/relationships" xmlns:p="http://schemas.openxmlformats.org/presentationml/2006/main" showMasterSp="0" showMasterPhAnim="0">
   <p:cSld>
     <p:spTree>
       <p:nvGrpSpPr>
-        <p:cNvPr id="81" name="Shape 81"/>
+        <p:cNvPr id="1" name="Shape 81"/>
         <p:cNvGrpSpPr/>
         <p:nvPr/>
       </p:nvGrpSpPr>
@@ -2154,9 +2226,11 @@
       <p:sp>
         <p:nvSpPr>
           <p:cNvPr id="82" name="Google Shape;82;g7ba9eb548f_0_67:notes"/>
-          <p:cNvSpPr/>
+          <p:cNvSpPr>
+            <a:spLocks noGrp="1" noRot="1" noChangeAspect="1"/>
+          </p:cNvSpPr>
           <p:nvPr>
-            <p:ph idx="2" type="sldImg"/>
+            <p:ph type="sldImg" idx="2"/>
           </p:nvPr>
         </p:nvSpPr>
         <p:spPr>
@@ -2165,9 +2239,13 @@
             <a:ext cx="6096000" cy="3429000"/>
           </a:xfrm>
           <a:custGeom>
-            <a:rect b="b" l="l" r="r" t="t"/>
+            <a:avLst/>
+            <a:gdLst/>
+            <a:ahLst/>
+            <a:cxnLst/>
+            <a:rect l="l" t="t" r="r" b="b"/>
             <a:pathLst>
-              <a:path extrusionOk="0" h="120000" w="120000">
+              <a:path w="120000" h="120000" extrusionOk="0">
                 <a:moveTo>
                   <a:pt x="0" y="0"/>
                 </a:moveTo>
@@ -2189,9 +2267,11 @@
       <p:sp>
         <p:nvSpPr>
           <p:cNvPr id="83" name="Google Shape;83;g7ba9eb548f_0_67:notes"/>
-          <p:cNvSpPr txBox="1"/>
+          <p:cNvSpPr txBox="1">
+            <a:spLocks noGrp="1"/>
+          </p:cNvSpPr>
           <p:nvPr>
-            <p:ph idx="1" type="body"/>
+            <p:ph type="body" idx="1"/>
           </p:nvPr>
         </p:nvSpPr>
         <p:spPr>
@@ -2204,23 +2284,20 @@
           </a:prstGeom>
         </p:spPr>
         <p:txBody>
-          <a:bodyPr anchorCtr="0" anchor="t" bIns="91425" lIns="91425" spcFirstLastPara="1" rIns="91425" wrap="square" tIns="91425">
+          <a:bodyPr spcFirstLastPara="1" wrap="square" lIns="91425" tIns="91425" rIns="91425" bIns="91425" anchor="t" anchorCtr="0">
             <a:noAutofit/>
           </a:bodyPr>
           <a:lstStyle/>
           <a:p>
-            <a:pPr indent="0" lvl="0" marL="0" rtl="0" algn="l">
-              <a:spcBef>
-                <a:spcPts val="0"/>
-              </a:spcBef>
-              <a:spcAft>
-                <a:spcPts val="0"/>
-              </a:spcAft>
-              <a:buNone/>
-            </a:pPr>
-            <a:r>
-              <a:t/>
-            </a:r>
+            <a:pPr marL="0" lvl="0" indent="0" algn="l" rtl="0">
+              <a:spcBef>
+                <a:spcPts val="0"/>
+              </a:spcBef>
+              <a:spcAft>
+                <a:spcPts val="0"/>
+              </a:spcAft>
+              <a:buNone/>
+            </a:pPr>
             <a:endParaRPr/>
           </a:p>
         </p:txBody>
@@ -2234,11 +2311,11 @@
 </file>
 
 <file path=ppt/notesSlides/notesSlide5.xml><?xml version="1.0" encoding="utf-8"?>
-<p:notes xmlns:a="http://schemas.openxmlformats.org/drawingml/2006/main" xmlns:r="http://schemas.openxmlformats.org/officeDocument/2006/relationships" xmlns:mc="http://schemas.openxmlformats.org/markup-compatibility/2006" xmlns:mv="urn:schemas-microsoft-com:mac:vml" xmlns:p="http://schemas.openxmlformats.org/presentationml/2006/main" xmlns:c="http://schemas.openxmlformats.org/drawingml/2006/chart" xmlns:dgm="http://schemas.openxmlformats.org/drawingml/2006/diagram" xmlns:o="urn:schemas-microsoft-com:office:office" xmlns:v="urn:schemas-microsoft-com:vml" xmlns:pvml="urn:schemas-microsoft-com:office:powerpoint" xmlns:com="http://schemas.openxmlformats.org/drawingml/2006/compatibility" xmlns:p14="http://schemas.microsoft.com/office/powerpoint/2010/main" xmlns:p15="http://schemas.microsoft.com/office/powerpoint/2012/main" xmlns:ahyp="http://schemas.microsoft.com/office/drawing/2018/hyperlinkcolor" showMasterPhAnim="0" showMasterSp="0">
+<p:notes xmlns:a="http://schemas.openxmlformats.org/drawingml/2006/main" xmlns:r="http://schemas.openxmlformats.org/officeDocument/2006/relationships" xmlns:p="http://schemas.openxmlformats.org/presentationml/2006/main" showMasterSp="0" showMasterPhAnim="0">
   <p:cSld>
     <p:spTree>
       <p:nvGrpSpPr>
-        <p:cNvPr id="88" name="Shape 88"/>
+        <p:cNvPr id="1" name="Shape 88"/>
         <p:cNvGrpSpPr/>
         <p:nvPr/>
       </p:nvGrpSpPr>
@@ -2253,9 +2330,11 @@
       <p:sp>
         <p:nvSpPr>
           <p:cNvPr id="89" name="Google Shape;89;g7ba9eb548f_0_72:notes"/>
-          <p:cNvSpPr/>
+          <p:cNvSpPr>
+            <a:spLocks noGrp="1" noRot="1" noChangeAspect="1"/>
+          </p:cNvSpPr>
           <p:nvPr>
-            <p:ph idx="2" type="sldImg"/>
+            <p:ph type="sldImg" idx="2"/>
           </p:nvPr>
         </p:nvSpPr>
         <p:spPr>
@@ -2264,9 +2343,13 @@
             <a:ext cx="6096000" cy="3429000"/>
           </a:xfrm>
           <a:custGeom>
-            <a:rect b="b" l="l" r="r" t="t"/>
+            <a:avLst/>
+            <a:gdLst/>
+            <a:ahLst/>
+            <a:cxnLst/>
+            <a:rect l="l" t="t" r="r" b="b"/>
             <a:pathLst>
-              <a:path extrusionOk="0" h="120000" w="120000">
+              <a:path w="120000" h="120000" extrusionOk="0">
                 <a:moveTo>
                   <a:pt x="0" y="0"/>
                 </a:moveTo>
@@ -2288,9 +2371,11 @@
       <p:sp>
         <p:nvSpPr>
           <p:cNvPr id="90" name="Google Shape;90;g7ba9eb548f_0_72:notes"/>
-          <p:cNvSpPr txBox="1"/>
+          <p:cNvSpPr txBox="1">
+            <a:spLocks noGrp="1"/>
+          </p:cNvSpPr>
           <p:nvPr>
-            <p:ph idx="1" type="body"/>
+            <p:ph type="body" idx="1"/>
           </p:nvPr>
         </p:nvSpPr>
         <p:spPr>
@@ -2303,12 +2388,12 @@
           </a:prstGeom>
         </p:spPr>
         <p:txBody>
-          <a:bodyPr anchorCtr="0" anchor="t" bIns="91425" lIns="91425" spcFirstLastPara="1" rIns="91425" wrap="square" tIns="91425">
+          <a:bodyPr spcFirstLastPara="1" wrap="square" lIns="91425" tIns="91425" rIns="91425" bIns="91425" anchor="t" anchorCtr="0">
             <a:noAutofit/>
           </a:bodyPr>
           <a:lstStyle/>
           <a:p>
-            <a:pPr indent="0" lvl="0" marL="0" rtl="0" algn="l">
+            <a:pPr marL="0" lvl="0" indent="0" algn="l" rtl="0">
               <a:spcBef>
                 <a:spcPts val="0"/>
               </a:spcBef>
@@ -2333,7 +2418,7 @@
               <a:t>The main idea of </a:t>
             </a:r>
             <a:r>
-              <a:rPr b="1" lang="en" sz="1200">
+              <a:rPr lang="en" sz="1200" b="1">
                 <a:solidFill>
                   <a:srgbClr val="222222"/>
                 </a:solidFill>
@@ -2363,7 +2448,7 @@
               <a:t> (</a:t>
             </a:r>
             <a:r>
-              <a:rPr b="1" lang="en" sz="1200">
+              <a:rPr lang="en" sz="1200" b="1">
                 <a:solidFill>
                   <a:srgbClr val="222222"/>
                 </a:solidFill>
@@ -2406,7 +2491,30 @@
             </a:endParaRPr>
           </a:p>
           <a:p>
-            <a:pPr indent="0" lvl="0" marL="0" rtl="0" algn="l">
+            <a:pPr marL="0" lvl="0" indent="0" algn="l" rtl="0">
+              <a:spcBef>
+                <a:spcPts val="0"/>
+              </a:spcBef>
+              <a:spcAft>
+                <a:spcPts val="0"/>
+              </a:spcAft>
+              <a:buNone/>
+            </a:pPr>
+            <a:endParaRPr sz="1200">
+              <a:solidFill>
+                <a:srgbClr val="222222"/>
+              </a:solidFill>
+              <a:highlight>
+                <a:srgbClr val="FFFFFF"/>
+              </a:highlight>
+              <a:latin typeface="Roboto"/>
+              <a:ea typeface="Roboto"/>
+              <a:cs typeface="Roboto"/>
+              <a:sym typeface="Roboto"/>
+            </a:endParaRPr>
+          </a:p>
+          <a:p>
+            <a:pPr marL="0" lvl="0" indent="0" algn="l" rtl="0">
               <a:spcBef>
                 <a:spcPts val="0"/>
               </a:spcBef>
@@ -2416,7 +2524,19 @@
               <a:buNone/>
             </a:pPr>
             <a:r>
-              <a:t/>
+              <a:rPr lang="en" sz="1200">
+                <a:solidFill>
+                  <a:srgbClr val="222222"/>
+                </a:solidFill>
+                <a:highlight>
+                  <a:srgbClr val="FFFFFF"/>
+                </a:highlight>
+                <a:latin typeface="Roboto"/>
+                <a:ea typeface="Roboto"/>
+                <a:cs typeface="Roboto"/>
+                <a:sym typeface="Roboto"/>
+              </a:rPr>
+              <a:t>Also used StandardScaler is to transform the data</a:t>
             </a:r>
             <a:endParaRPr sz="1200">
               <a:solidFill>
@@ -2431,59 +2551,6 @@
               <a:sym typeface="Roboto"/>
             </a:endParaRPr>
           </a:p>
-          <a:p>
-            <a:pPr indent="0" lvl="0" marL="0" rtl="0" algn="l">
-              <a:spcBef>
-                <a:spcPts val="0"/>
-              </a:spcBef>
-              <a:spcAft>
-                <a:spcPts val="0"/>
-              </a:spcAft>
-              <a:buNone/>
-            </a:pPr>
-            <a:r>
-              <a:rPr lang="en" sz="1200">
-                <a:solidFill>
-                  <a:srgbClr val="222222"/>
-                </a:solidFill>
-                <a:highlight>
-                  <a:srgbClr val="FFFFFF"/>
-                </a:highlight>
-                <a:latin typeface="Roboto"/>
-                <a:ea typeface="Roboto"/>
-                <a:cs typeface="Roboto"/>
-                <a:sym typeface="Roboto"/>
-              </a:rPr>
-              <a:t>Also used S</a:t>
-            </a:r>
-            <a:r>
-              <a:rPr lang="en" sz="1200">
-                <a:solidFill>
-                  <a:srgbClr val="222222"/>
-                </a:solidFill>
-                <a:highlight>
-                  <a:srgbClr val="FFFFFF"/>
-                </a:highlight>
-                <a:latin typeface="Roboto"/>
-                <a:ea typeface="Roboto"/>
-                <a:cs typeface="Roboto"/>
-                <a:sym typeface="Roboto"/>
-              </a:rPr>
-              <a:t>tandardScaler is to transform the data</a:t>
-            </a:r>
-            <a:endParaRPr sz="1200">
-              <a:solidFill>
-                <a:srgbClr val="222222"/>
-              </a:solidFill>
-              <a:highlight>
-                <a:srgbClr val="FFFFFF"/>
-              </a:highlight>
-              <a:latin typeface="Roboto"/>
-              <a:ea typeface="Roboto"/>
-              <a:cs typeface="Roboto"/>
-              <a:sym typeface="Roboto"/>
-            </a:endParaRPr>
-          </a:p>
         </p:txBody>
       </p:sp>
     </p:spTree>
@@ -2495,11 +2562,11 @@
 </file>
 
 <file path=ppt/notesSlides/notesSlide6.xml><?xml version="1.0" encoding="utf-8"?>
-<p:notes xmlns:a="http://schemas.openxmlformats.org/drawingml/2006/main" xmlns:r="http://schemas.openxmlformats.org/officeDocument/2006/relationships" xmlns:mc="http://schemas.openxmlformats.org/markup-compatibility/2006" xmlns:mv="urn:schemas-microsoft-com:mac:vml" xmlns:p="http://schemas.openxmlformats.org/presentationml/2006/main" xmlns:c="http://schemas.openxmlformats.org/drawingml/2006/chart" xmlns:dgm="http://schemas.openxmlformats.org/drawingml/2006/diagram" xmlns:o="urn:schemas-microsoft-com:office:office" xmlns:v="urn:schemas-microsoft-com:vml" xmlns:pvml="urn:schemas-microsoft-com:office:powerpoint" xmlns:com="http://schemas.openxmlformats.org/drawingml/2006/compatibility" xmlns:p14="http://schemas.microsoft.com/office/powerpoint/2010/main" xmlns:p15="http://schemas.microsoft.com/office/powerpoint/2012/main" xmlns:ahyp="http://schemas.microsoft.com/office/drawing/2018/hyperlinkcolor" showMasterPhAnim="0" showMasterSp="0">
+<p:notes xmlns:a="http://schemas.openxmlformats.org/drawingml/2006/main" xmlns:r="http://schemas.openxmlformats.org/officeDocument/2006/relationships" xmlns:p="http://schemas.openxmlformats.org/presentationml/2006/main" showMasterSp="0" showMasterPhAnim="0">
   <p:cSld>
     <p:spTree>
       <p:nvGrpSpPr>
-        <p:cNvPr id="94" name="Shape 94"/>
+        <p:cNvPr id="1" name="Shape 94"/>
         <p:cNvGrpSpPr/>
         <p:nvPr/>
       </p:nvGrpSpPr>
@@ -2514,9 +2581,11 @@
       <p:sp>
         <p:nvSpPr>
           <p:cNvPr id="95" name="Google Shape;95;g7ba9eb548f_0_77:notes"/>
-          <p:cNvSpPr/>
+          <p:cNvSpPr>
+            <a:spLocks noGrp="1" noRot="1" noChangeAspect="1"/>
+          </p:cNvSpPr>
           <p:nvPr>
-            <p:ph idx="2" type="sldImg"/>
+            <p:ph type="sldImg" idx="2"/>
           </p:nvPr>
         </p:nvSpPr>
         <p:spPr>
@@ -2525,9 +2594,13 @@
             <a:ext cx="6096000" cy="3429000"/>
           </a:xfrm>
           <a:custGeom>
-            <a:rect b="b" l="l" r="r" t="t"/>
+            <a:avLst/>
+            <a:gdLst/>
+            <a:ahLst/>
+            <a:cxnLst/>
+            <a:rect l="l" t="t" r="r" b="b"/>
             <a:pathLst>
-              <a:path extrusionOk="0" h="120000" w="120000">
+              <a:path w="120000" h="120000" extrusionOk="0">
                 <a:moveTo>
                   <a:pt x="0" y="0"/>
                 </a:moveTo>
@@ -2549,9 +2622,11 @@
       <p:sp>
         <p:nvSpPr>
           <p:cNvPr id="96" name="Google Shape;96;g7ba9eb548f_0_77:notes"/>
-          <p:cNvSpPr txBox="1"/>
+          <p:cNvSpPr txBox="1">
+            <a:spLocks noGrp="1"/>
+          </p:cNvSpPr>
           <p:nvPr>
-            <p:ph idx="1" type="body"/>
+            <p:ph type="body" idx="1"/>
           </p:nvPr>
         </p:nvSpPr>
         <p:spPr>
@@ -2564,12 +2639,12 @@
           </a:prstGeom>
         </p:spPr>
         <p:txBody>
-          <a:bodyPr anchorCtr="0" anchor="t" bIns="91425" lIns="91425" spcFirstLastPara="1" rIns="91425" wrap="square" tIns="91425">
+          <a:bodyPr spcFirstLastPara="1" wrap="square" lIns="91425" tIns="91425" rIns="91425" bIns="91425" anchor="t" anchorCtr="0">
             <a:noAutofit/>
           </a:bodyPr>
           <a:lstStyle/>
           <a:p>
-            <a:pPr indent="0" lvl="0" marL="0" rtl="0" algn="l">
+            <a:pPr marL="0" lvl="0" indent="0" algn="l" rtl="0">
               <a:spcBef>
                 <a:spcPts val="0"/>
               </a:spcBef>
@@ -2607,18 +2682,15 @@
             </a:endParaRPr>
           </a:p>
           <a:p>
-            <a:pPr indent="0" lvl="0" marL="0" rtl="0" algn="l">
-              <a:spcBef>
-                <a:spcPts val="0"/>
-              </a:spcBef>
-              <a:spcAft>
-                <a:spcPts val="0"/>
-              </a:spcAft>
-              <a:buNone/>
-            </a:pPr>
-            <a:r>
-              <a:t/>
-            </a:r>
+            <a:pPr marL="0" lvl="0" indent="0" algn="l" rtl="0">
+              <a:spcBef>
+                <a:spcPts val="0"/>
+              </a:spcBef>
+              <a:spcAft>
+                <a:spcPts val="0"/>
+              </a:spcAft>
+              <a:buNone/>
+            </a:pPr>
             <a:endParaRPr sz="1200">
               <a:solidFill>
                 <a:srgbClr val="222222"/>
@@ -2633,7 +2705,7 @@
             </a:endParaRPr>
           </a:p>
           <a:p>
-            <a:pPr indent="0" lvl="0" marL="0" rtl="0" algn="l">
+            <a:pPr marL="0" lvl="0" indent="0" algn="l" rtl="0">
               <a:spcBef>
                 <a:spcPts val="0"/>
               </a:spcBef>
@@ -2658,7 +2730,7 @@
               <a:t>SVM is given labeled training data (supervised </a:t>
             </a:r>
             <a:r>
-              <a:rPr b="1" lang="en" sz="1200">
+              <a:rPr lang="en" sz="1200" b="1">
                 <a:solidFill>
                   <a:srgbClr val="222222"/>
                 </a:solidFill>
@@ -2701,18 +2773,15 @@
             </a:endParaRPr>
           </a:p>
           <a:p>
-            <a:pPr indent="0" lvl="0" marL="0" rtl="0" algn="l">
-              <a:spcBef>
-                <a:spcPts val="0"/>
-              </a:spcBef>
-              <a:spcAft>
-                <a:spcPts val="0"/>
-              </a:spcAft>
-              <a:buNone/>
-            </a:pPr>
-            <a:r>
-              <a:t/>
-            </a:r>
+            <a:pPr marL="0" lvl="0" indent="0" algn="l" rtl="0">
+              <a:spcBef>
+                <a:spcPts val="0"/>
+              </a:spcBef>
+              <a:spcAft>
+                <a:spcPts val="0"/>
+              </a:spcAft>
+              <a:buNone/>
+            </a:pPr>
             <a:endParaRPr sz="1200">
               <a:solidFill>
                 <a:srgbClr val="222222"/>
@@ -2727,7 +2796,7 @@
             </a:endParaRPr>
           </a:p>
           <a:p>
-            <a:pPr indent="0" lvl="0" marL="0" rtl="0" algn="l">
+            <a:pPr marL="0" lvl="0" indent="0" algn="l" rtl="0">
               <a:spcBef>
                 <a:spcPts val="0"/>
               </a:spcBef>
@@ -2765,18 +2834,15 @@
             </a:endParaRPr>
           </a:p>
           <a:p>
-            <a:pPr indent="0" lvl="0" marL="0" rtl="0" algn="l">
-              <a:spcBef>
-                <a:spcPts val="0"/>
-              </a:spcBef>
-              <a:spcAft>
-                <a:spcPts val="0"/>
-              </a:spcAft>
-              <a:buNone/>
-            </a:pPr>
-            <a:r>
-              <a:t/>
-            </a:r>
+            <a:pPr marL="0" lvl="0" indent="0" algn="l" rtl="0">
+              <a:spcBef>
+                <a:spcPts val="0"/>
+              </a:spcBef>
+              <a:spcAft>
+                <a:spcPts val="0"/>
+              </a:spcAft>
+              <a:buNone/>
+            </a:pPr>
             <a:endParaRPr sz="1200">
               <a:solidFill>
                 <a:srgbClr val="222222"/>
@@ -2791,7 +2857,7 @@
             </a:endParaRPr>
           </a:p>
           <a:p>
-            <a:pPr indent="0" lvl="0" marL="0" rtl="0" algn="l">
+            <a:pPr marL="0" lvl="0" indent="0" algn="l" rtl="0">
               <a:spcBef>
                 <a:spcPts val="0"/>
               </a:spcBef>
@@ -2839,11 +2905,11 @@
 </file>
 
 <file path=ppt/notesSlides/notesSlide7.xml><?xml version="1.0" encoding="utf-8"?>
-<p:notes xmlns:a="http://schemas.openxmlformats.org/drawingml/2006/main" xmlns:r="http://schemas.openxmlformats.org/officeDocument/2006/relationships" xmlns:mc="http://schemas.openxmlformats.org/markup-compatibility/2006" xmlns:mv="urn:schemas-microsoft-com:mac:vml" xmlns:p="http://schemas.openxmlformats.org/presentationml/2006/main" xmlns:c="http://schemas.openxmlformats.org/drawingml/2006/chart" xmlns:dgm="http://schemas.openxmlformats.org/drawingml/2006/diagram" xmlns:o="urn:schemas-microsoft-com:office:office" xmlns:v="urn:schemas-microsoft-com:vml" xmlns:pvml="urn:schemas-microsoft-com:office:powerpoint" xmlns:com="http://schemas.openxmlformats.org/drawingml/2006/compatibility" xmlns:p14="http://schemas.microsoft.com/office/powerpoint/2010/main" xmlns:p15="http://schemas.microsoft.com/office/powerpoint/2012/main" xmlns:ahyp="http://schemas.microsoft.com/office/drawing/2018/hyperlinkcolor" showMasterPhAnim="0" showMasterSp="0">
+<p:notes xmlns:a="http://schemas.openxmlformats.org/drawingml/2006/main" xmlns:r="http://schemas.openxmlformats.org/officeDocument/2006/relationships" xmlns:p="http://schemas.openxmlformats.org/presentationml/2006/main" showMasterSp="0" showMasterPhAnim="0">
   <p:cSld>
     <p:spTree>
       <p:nvGrpSpPr>
-        <p:cNvPr id="100" name="Shape 100"/>
+        <p:cNvPr id="1" name="Shape 100"/>
         <p:cNvGrpSpPr/>
         <p:nvPr/>
       </p:nvGrpSpPr>
@@ -2858,9 +2924,11 @@
       <p:sp>
         <p:nvSpPr>
           <p:cNvPr id="101" name="Google Shape;101;g7ba9eb548f_0_110:notes"/>
-          <p:cNvSpPr/>
+          <p:cNvSpPr>
+            <a:spLocks noGrp="1" noRot="1" noChangeAspect="1"/>
+          </p:cNvSpPr>
           <p:nvPr>
-            <p:ph idx="2" type="sldImg"/>
+            <p:ph type="sldImg" idx="2"/>
           </p:nvPr>
         </p:nvSpPr>
         <p:spPr>
@@ -2869,9 +2937,13 @@
             <a:ext cx="6096000" cy="3429000"/>
           </a:xfrm>
           <a:custGeom>
-            <a:rect b="b" l="l" r="r" t="t"/>
+            <a:avLst/>
+            <a:gdLst/>
+            <a:ahLst/>
+            <a:cxnLst/>
+            <a:rect l="l" t="t" r="r" b="b"/>
             <a:pathLst>
-              <a:path extrusionOk="0" h="120000" w="120000">
+              <a:path w="120000" h="120000" extrusionOk="0">
                 <a:moveTo>
                   <a:pt x="0" y="0"/>
                 </a:moveTo>
@@ -2893,9 +2965,11 @@
       <p:sp>
         <p:nvSpPr>
           <p:cNvPr id="102" name="Google Shape;102;g7ba9eb548f_0_110:notes"/>
-          <p:cNvSpPr txBox="1"/>
+          <p:cNvSpPr txBox="1">
+            <a:spLocks noGrp="1"/>
+          </p:cNvSpPr>
           <p:nvPr>
-            <p:ph idx="1" type="body"/>
+            <p:ph type="body" idx="1"/>
           </p:nvPr>
         </p:nvSpPr>
         <p:spPr>
@@ -2908,12 +2982,12 @@
           </a:prstGeom>
         </p:spPr>
         <p:txBody>
-          <a:bodyPr anchorCtr="0" anchor="t" bIns="91425" lIns="91425" spcFirstLastPara="1" rIns="91425" wrap="square" tIns="91425">
+          <a:bodyPr spcFirstLastPara="1" wrap="square" lIns="91425" tIns="91425" rIns="91425" bIns="91425" anchor="t" anchorCtr="0">
             <a:noAutofit/>
           </a:bodyPr>
           <a:lstStyle/>
           <a:p>
-            <a:pPr indent="0" lvl="0" marL="0" rtl="0" algn="l">
+            <a:pPr marL="0" lvl="0" indent="0" algn="l" rtl="0">
               <a:spcBef>
                 <a:spcPts val="0"/>
               </a:spcBef>
@@ -2956,7 +3030,7 @@
             </a:endParaRPr>
           </a:p>
           <a:p>
-            <a:pPr indent="0" lvl="0" marL="0" rtl="0" algn="l">
+            <a:pPr marL="0" lvl="0" indent="0" algn="l" rtl="0">
               <a:spcBef>
                 <a:spcPts val="0"/>
               </a:spcBef>
@@ -2988,7 +3062,7 @@
             </a:endParaRPr>
           </a:p>
           <a:p>
-            <a:pPr indent="0" lvl="0" marL="0" rtl="0" algn="l">
+            <a:pPr marL="0" lvl="0" indent="0" algn="l" rtl="0">
               <a:spcBef>
                 <a:spcPts val="0"/>
               </a:spcBef>
@@ -3035,18 +3109,15 @@
             </a:endParaRPr>
           </a:p>
           <a:p>
-            <a:pPr indent="0" lvl="0" marL="0" rtl="0" algn="l">
-              <a:spcBef>
-                <a:spcPts val="0"/>
-              </a:spcBef>
-              <a:spcAft>
-                <a:spcPts val="0"/>
-              </a:spcAft>
-              <a:buNone/>
-            </a:pPr>
-            <a:r>
-              <a:t/>
-            </a:r>
+            <a:pPr marL="0" lvl="0" indent="0" algn="l" rtl="0">
+              <a:spcBef>
+                <a:spcPts val="0"/>
+              </a:spcBef>
+              <a:spcAft>
+                <a:spcPts val="0"/>
+              </a:spcAft>
+              <a:buNone/>
+            </a:pPr>
             <a:endParaRPr sz="1400">
               <a:highlight>
                 <a:srgbClr val="FFFFFF"/>
@@ -3068,11 +3139,11 @@
 </file>
 
 <file path=ppt/notesSlides/notesSlide8.xml><?xml version="1.0" encoding="utf-8"?>
-<p:notes xmlns:a="http://schemas.openxmlformats.org/drawingml/2006/main" xmlns:r="http://schemas.openxmlformats.org/officeDocument/2006/relationships" xmlns:mc="http://schemas.openxmlformats.org/markup-compatibility/2006" xmlns:mv="urn:schemas-microsoft-com:mac:vml" xmlns:p="http://schemas.openxmlformats.org/presentationml/2006/main" xmlns:c="http://schemas.openxmlformats.org/drawingml/2006/chart" xmlns:dgm="http://schemas.openxmlformats.org/drawingml/2006/diagram" xmlns:o="urn:schemas-microsoft-com:office:office" xmlns:v="urn:schemas-microsoft-com:vml" xmlns:pvml="urn:schemas-microsoft-com:office:powerpoint" xmlns:com="http://schemas.openxmlformats.org/drawingml/2006/compatibility" xmlns:p14="http://schemas.microsoft.com/office/powerpoint/2010/main" xmlns:p15="http://schemas.microsoft.com/office/powerpoint/2012/main" xmlns:ahyp="http://schemas.microsoft.com/office/drawing/2018/hyperlinkcolor" showMasterPhAnim="0" showMasterSp="0">
+<p:notes xmlns:a="http://schemas.openxmlformats.org/drawingml/2006/main" xmlns:r="http://schemas.openxmlformats.org/officeDocument/2006/relationships" xmlns:p="http://schemas.openxmlformats.org/presentationml/2006/main" showMasterSp="0" showMasterPhAnim="0">
   <p:cSld>
     <p:spTree>
       <p:nvGrpSpPr>
-        <p:cNvPr id="109" name="Shape 109"/>
+        <p:cNvPr id="1" name="Shape 109"/>
         <p:cNvGrpSpPr/>
         <p:nvPr/>
       </p:nvGrpSpPr>
@@ -3087,9 +3158,11 @@
       <p:sp>
         <p:nvSpPr>
           <p:cNvPr id="110" name="Google Shape;110;g7ba9eb548f_0_117:notes"/>
-          <p:cNvSpPr/>
+          <p:cNvSpPr>
+            <a:spLocks noGrp="1" noRot="1" noChangeAspect="1"/>
+          </p:cNvSpPr>
           <p:nvPr>
-            <p:ph idx="2" type="sldImg"/>
+            <p:ph type="sldImg" idx="2"/>
           </p:nvPr>
         </p:nvSpPr>
         <p:spPr>
@@ -3098,9 +3171,13 @@
             <a:ext cx="6096000" cy="3429000"/>
           </a:xfrm>
           <a:custGeom>
-            <a:rect b="b" l="l" r="r" t="t"/>
+            <a:avLst/>
+            <a:gdLst/>
+            <a:ahLst/>
+            <a:cxnLst/>
+            <a:rect l="l" t="t" r="r" b="b"/>
             <a:pathLst>
-              <a:path extrusionOk="0" h="120000" w="120000">
+              <a:path w="120000" h="120000" extrusionOk="0">
                 <a:moveTo>
                   <a:pt x="0" y="0"/>
                 </a:moveTo>
@@ -3122,9 +3199,11 @@
       <p:sp>
         <p:nvSpPr>
           <p:cNvPr id="111" name="Google Shape;111;g7ba9eb548f_0_117:notes"/>
-          <p:cNvSpPr txBox="1"/>
+          <p:cNvSpPr txBox="1">
+            <a:spLocks noGrp="1"/>
+          </p:cNvSpPr>
           <p:nvPr>
-            <p:ph idx="1" type="body"/>
+            <p:ph type="body" idx="1"/>
           </p:nvPr>
         </p:nvSpPr>
         <p:spPr>
@@ -3137,12 +3216,12 @@
           </a:prstGeom>
         </p:spPr>
         <p:txBody>
-          <a:bodyPr anchorCtr="0" anchor="t" bIns="91425" lIns="91425" spcFirstLastPara="1" rIns="91425" wrap="square" tIns="91425">
+          <a:bodyPr spcFirstLastPara="1" wrap="square" lIns="91425" tIns="91425" rIns="91425" bIns="91425" anchor="t" anchorCtr="0">
             <a:noAutofit/>
           </a:bodyPr>
           <a:lstStyle/>
           <a:p>
-            <a:pPr indent="0" lvl="0" marL="0" rtl="0" algn="l">
+            <a:pPr marL="0" lvl="0" indent="0" algn="l" rtl="0">
               <a:spcBef>
                 <a:spcPts val="0"/>
               </a:spcBef>
@@ -3174,18 +3253,15 @@
             </a:endParaRPr>
           </a:p>
           <a:p>
-            <a:pPr indent="0" lvl="0" marL="0" rtl="0" algn="l">
-              <a:spcBef>
-                <a:spcPts val="0"/>
-              </a:spcBef>
-              <a:spcAft>
-                <a:spcPts val="0"/>
-              </a:spcAft>
-              <a:buNone/>
-            </a:pPr>
-            <a:r>
-              <a:t/>
-            </a:r>
+            <a:pPr marL="0" lvl="0" indent="0" algn="l" rtl="0">
+              <a:spcBef>
+                <a:spcPts val="0"/>
+              </a:spcBef>
+              <a:spcAft>
+                <a:spcPts val="0"/>
+              </a:spcAft>
+              <a:buNone/>
+            </a:pPr>
             <a:endParaRPr sz="1600">
               <a:highlight>
                 <a:srgbClr val="FFFFFF"/>
@@ -3197,7 +3273,7 @@
             </a:endParaRPr>
           </a:p>
           <a:p>
-            <a:pPr indent="0" lvl="0" marL="0" rtl="0" algn="l">
+            <a:pPr marL="0" lvl="0" indent="0" algn="l" rtl="0">
               <a:spcBef>
                 <a:spcPts val="0"/>
               </a:spcBef>
@@ -3239,11 +3315,11 @@
 </file>
 
 <file path=ppt/notesSlides/notesSlide9.xml><?xml version="1.0" encoding="utf-8"?>
-<p:notes xmlns:a="http://schemas.openxmlformats.org/drawingml/2006/main" xmlns:r="http://schemas.openxmlformats.org/officeDocument/2006/relationships" xmlns:mc="http://schemas.openxmlformats.org/markup-compatibility/2006" xmlns:mv="urn:schemas-microsoft-com:mac:vml" xmlns:p="http://schemas.openxmlformats.org/presentationml/2006/main" xmlns:c="http://schemas.openxmlformats.org/drawingml/2006/chart" xmlns:dgm="http://schemas.openxmlformats.org/drawingml/2006/diagram" xmlns:o="urn:schemas-microsoft-com:office:office" xmlns:v="urn:schemas-microsoft-com:vml" xmlns:pvml="urn:schemas-microsoft-com:office:powerpoint" xmlns:com="http://schemas.openxmlformats.org/drawingml/2006/compatibility" xmlns:p14="http://schemas.microsoft.com/office/powerpoint/2010/main" xmlns:p15="http://schemas.microsoft.com/office/powerpoint/2012/main" xmlns:ahyp="http://schemas.microsoft.com/office/drawing/2018/hyperlinkcolor" showMasterPhAnim="0" showMasterSp="0">
+<p:notes xmlns:a="http://schemas.openxmlformats.org/drawingml/2006/main" xmlns:r="http://schemas.openxmlformats.org/officeDocument/2006/relationships" xmlns:p="http://schemas.openxmlformats.org/presentationml/2006/main" showMasterSp="0" showMasterPhAnim="0">
   <p:cSld>
     <p:spTree>
       <p:nvGrpSpPr>
-        <p:cNvPr id="118" name="Shape 118"/>
+        <p:cNvPr id="1" name="Shape 118"/>
         <p:cNvGrpSpPr/>
         <p:nvPr/>
       </p:nvGrpSpPr>
@@ -3258,9 +3334,11 @@
       <p:sp>
         <p:nvSpPr>
           <p:cNvPr id="119" name="Google Shape;119;g7ba9eb548f_0_129:notes"/>
-          <p:cNvSpPr/>
+          <p:cNvSpPr>
+            <a:spLocks noGrp="1" noRot="1" noChangeAspect="1"/>
+          </p:cNvSpPr>
           <p:nvPr>
-            <p:ph idx="2" type="sldImg"/>
+            <p:ph type="sldImg" idx="2"/>
           </p:nvPr>
         </p:nvSpPr>
         <p:spPr>
@@ -3269,9 +3347,13 @@
             <a:ext cx="6096000" cy="3429000"/>
           </a:xfrm>
           <a:custGeom>
-            <a:rect b="b" l="l" r="r" t="t"/>
+            <a:avLst/>
+            <a:gdLst/>
+            <a:ahLst/>
+            <a:cxnLst/>
+            <a:rect l="l" t="t" r="r" b="b"/>
             <a:pathLst>
-              <a:path extrusionOk="0" h="120000" w="120000">
+              <a:path w="120000" h="120000" extrusionOk="0">
                 <a:moveTo>
                   <a:pt x="0" y="0"/>
                 </a:moveTo>
@@ -3293,9 +3375,11 @@
       <p:sp>
         <p:nvSpPr>
           <p:cNvPr id="120" name="Google Shape;120;g7ba9eb548f_0_129:notes"/>
-          <p:cNvSpPr txBox="1"/>
+          <p:cNvSpPr txBox="1">
+            <a:spLocks noGrp="1"/>
+          </p:cNvSpPr>
           <p:nvPr>
-            <p:ph idx="1" type="body"/>
+            <p:ph type="body" idx="1"/>
           </p:nvPr>
         </p:nvSpPr>
         <p:spPr>
@@ -3308,12 +3392,12 @@
           </a:prstGeom>
         </p:spPr>
         <p:txBody>
-          <a:bodyPr anchorCtr="0" anchor="t" bIns="91425" lIns="91425" spcFirstLastPara="1" rIns="91425" wrap="square" tIns="91425">
+          <a:bodyPr spcFirstLastPara="1" wrap="square" lIns="91425" tIns="91425" rIns="91425" bIns="91425" anchor="t" anchorCtr="0">
             <a:noAutofit/>
           </a:bodyPr>
           <a:lstStyle/>
           <a:p>
-            <a:pPr indent="0" lvl="0" marL="0" rtl="0" algn="l">
+            <a:pPr marL="0" lvl="0" indent="0" algn="l" rtl="0">
               <a:lnSpc>
                 <a:spcPct val="115000"/>
               </a:lnSpc>
@@ -3354,7 +3438,7 @@
             </a:endParaRPr>
           </a:p>
           <a:p>
-            <a:pPr indent="0" lvl="0" marL="0" rtl="0" algn="l">
+            <a:pPr marL="0" lvl="0" indent="0" algn="l" rtl="0">
               <a:spcBef>
                 <a:spcPts val="300"/>
               </a:spcBef>
@@ -3370,7 +3454,7 @@
             <a:endParaRPr/>
           </a:p>
           <a:p>
-            <a:pPr indent="0" lvl="0" marL="0" rtl="0" algn="l">
+            <a:pPr marL="0" lvl="0" indent="0" algn="l" rtl="0">
               <a:spcBef>
                 <a:spcPts val="0"/>
               </a:spcBef>
@@ -3386,7 +3470,7 @@
             <a:endParaRPr/>
           </a:p>
           <a:p>
-            <a:pPr indent="0" lvl="0" marL="0" rtl="0" algn="l">
+            <a:pPr marL="0" lvl="0" indent="0" algn="l" rtl="0">
               <a:spcBef>
                 <a:spcPts val="0"/>
               </a:spcBef>
@@ -3402,7 +3486,7 @@
             <a:endParaRPr/>
           </a:p>
           <a:p>
-            <a:pPr indent="0" lvl="0" marL="0" rtl="0" algn="l">
+            <a:pPr marL="0" lvl="0" indent="0" algn="l" rtl="0">
               <a:spcBef>
                 <a:spcPts val="0"/>
               </a:spcBef>
@@ -3418,7 +3502,7 @@
             <a:endParaRPr/>
           </a:p>
           <a:p>
-            <a:pPr indent="0" lvl="0" marL="0" rtl="0" algn="l">
+            <a:pPr marL="0" lvl="0" indent="0" algn="l" rtl="0">
               <a:spcBef>
                 <a:spcPts val="0"/>
               </a:spcBef>
@@ -3434,7 +3518,7 @@
             <a:endParaRPr/>
           </a:p>
           <a:p>
-            <a:pPr indent="0" lvl="0" marL="0" rtl="0" algn="l">
+            <a:pPr marL="0" lvl="0" indent="0" algn="l" rtl="0">
               <a:spcBef>
                 <a:spcPts val="0"/>
               </a:spcBef>
@@ -3450,7 +3534,7 @@
             <a:endParaRPr/>
           </a:p>
           <a:p>
-            <a:pPr indent="0" lvl="0" marL="0" rtl="0" algn="l">
+            <a:pPr marL="0" lvl="0" indent="0" algn="l" rtl="0">
               <a:spcBef>
                 <a:spcPts val="0"/>
               </a:spcBef>
@@ -3466,7 +3550,7 @@
             <a:endParaRPr/>
           </a:p>
           <a:p>
-            <a:pPr indent="0" lvl="0" marL="0" rtl="0" algn="l">
+            <a:pPr marL="0" lvl="0" indent="0" algn="l" rtl="0">
               <a:spcBef>
                 <a:spcPts val="0"/>
               </a:spcBef>
@@ -3482,7 +3566,7 @@
             <a:endParaRPr/>
           </a:p>
           <a:p>
-            <a:pPr indent="0" lvl="0" marL="0" rtl="0" algn="l">
+            <a:pPr marL="0" lvl="0" indent="0" algn="l" rtl="0">
               <a:spcBef>
                 <a:spcPts val="0"/>
               </a:spcBef>
@@ -3508,11 +3592,11 @@
 </file>
 
 <file path=ppt/slideLayouts/slideLayout1.xml><?xml version="1.0" encoding="utf-8"?>
-<p:sldLayout xmlns:a="http://schemas.openxmlformats.org/drawingml/2006/main" xmlns:r="http://schemas.openxmlformats.org/officeDocument/2006/relationships" xmlns:mc="http://schemas.openxmlformats.org/markup-compatibility/2006" xmlns:mv="urn:schemas-microsoft-com:mac:vml" xmlns:p="http://schemas.openxmlformats.org/presentationml/2006/main" xmlns:c="http://schemas.openxmlformats.org/drawingml/2006/chart" xmlns:dgm="http://schemas.openxmlformats.org/drawingml/2006/diagram" xmlns:o="urn:schemas-microsoft-com:office:office" xmlns:v="urn:schemas-microsoft-com:vml" xmlns:pvml="urn:schemas-microsoft-com:office:powerpoint" xmlns:com="http://schemas.openxmlformats.org/drawingml/2006/compatibility" xmlns:p14="http://schemas.microsoft.com/office/powerpoint/2010/main" xmlns:p15="http://schemas.microsoft.com/office/powerpoint/2012/main" xmlns:ahyp="http://schemas.microsoft.com/office/drawing/2018/hyperlinkcolor" matchingName="Title slide" type="title">
+<p:sldLayout xmlns:a="http://schemas.openxmlformats.org/drawingml/2006/main" xmlns:r="http://schemas.openxmlformats.org/officeDocument/2006/relationships" xmlns:p="http://schemas.openxmlformats.org/presentationml/2006/main" matchingName="Title slide" type="title">
   <p:cSld name="TITLE">
     <p:spTree>
       <p:nvGrpSpPr>
-        <p:cNvPr id="9" name="Shape 9"/>
+        <p:cNvPr id="1" name="Shape 9"/>
         <p:cNvGrpSpPr/>
         <p:nvPr/>
       </p:nvGrpSpPr>
@@ -3539,14 +3623,14 @@
             <a:avLst/>
           </a:prstGeom>
           <a:noFill/>
-          <a:ln cap="flat" cmpd="sng" w="76200">
+          <a:ln w="76200" cap="flat" cmpd="sng">
             <a:solidFill>
               <a:schemeClr val="lt2"/>
             </a:solidFill>
             <a:prstDash val="solid"/>
             <a:round/>
-            <a:headEnd len="sm" w="sm" type="none"/>
-            <a:tailEnd len="sm" w="sm" type="none"/>
+            <a:headEnd type="none" w="sm" len="sm"/>
+            <a:tailEnd type="none" w="sm" len="sm"/>
           </a:ln>
         </p:spPr>
       </p:cxnSp>
@@ -3565,14 +3649,14 @@
             <a:avLst/>
           </a:prstGeom>
           <a:noFill/>
-          <a:ln cap="flat" cmpd="sng" w="76200">
+          <a:ln w="76200" cap="flat" cmpd="sng">
             <a:solidFill>
               <a:schemeClr val="lt2"/>
             </a:solidFill>
             <a:prstDash val="solid"/>
             <a:round/>
-            <a:headEnd len="sm" w="sm" type="none"/>
-            <a:tailEnd len="sm" w="sm" type="none"/>
+            <a:headEnd type="none" w="sm" len="sm"/>
+            <a:tailEnd type="none" w="sm" len="sm"/>
           </a:ln>
         </p:spPr>
       </p:cxnSp>
@@ -3605,14 +3689,14 @@
               <a:avLst/>
             </a:prstGeom>
             <a:noFill/>
-            <a:ln cap="flat" cmpd="sng" w="76200">
+            <a:ln w="76200" cap="flat" cmpd="sng">
               <a:solidFill>
                 <a:schemeClr val="accent3"/>
               </a:solidFill>
               <a:prstDash val="solid"/>
               <a:round/>
-              <a:headEnd len="sm" w="sm" type="none"/>
-              <a:tailEnd len="sm" w="sm" type="none"/>
+              <a:headEnd type="none" w="sm" len="sm"/>
+              <a:tailEnd type="none" w="sm" len="sm"/>
             </a:ln>
           </p:spPr>
         </p:cxnSp>
@@ -3631,14 +3715,14 @@
               <a:avLst/>
             </a:prstGeom>
             <a:noFill/>
-            <a:ln cap="flat" cmpd="sng" w="9525">
+            <a:ln w="9525" cap="flat" cmpd="sng">
               <a:solidFill>
                 <a:schemeClr val="accent3"/>
               </a:solidFill>
               <a:prstDash val="solid"/>
               <a:round/>
-              <a:headEnd len="sm" w="sm" type="none"/>
-              <a:tailEnd len="sm" w="sm" type="none"/>
+              <a:headEnd type="none" w="sm" len="sm"/>
+              <a:tailEnd type="none" w="sm" len="sm"/>
             </a:ln>
           </p:spPr>
         </p:cxnSp>
@@ -3672,14 +3756,14 @@
               <a:avLst/>
             </a:prstGeom>
             <a:noFill/>
-            <a:ln cap="flat" cmpd="sng" w="76200">
+            <a:ln w="76200" cap="flat" cmpd="sng">
               <a:solidFill>
                 <a:schemeClr val="accent3"/>
               </a:solidFill>
               <a:prstDash val="solid"/>
               <a:round/>
-              <a:headEnd len="sm" w="sm" type="none"/>
-              <a:tailEnd len="sm" w="sm" type="none"/>
+              <a:headEnd type="none" w="sm" len="sm"/>
+              <a:tailEnd type="none" w="sm" len="sm"/>
             </a:ln>
           </p:spPr>
         </p:cxnSp>
@@ -3698,14 +3782,14 @@
               <a:avLst/>
             </a:prstGeom>
             <a:noFill/>
-            <a:ln cap="flat" cmpd="sng" w="9525">
+            <a:ln w="9525" cap="flat" cmpd="sng">
               <a:solidFill>
                 <a:schemeClr val="accent3"/>
               </a:solidFill>
               <a:prstDash val="solid"/>
               <a:round/>
-              <a:headEnd len="sm" w="sm" type="none"/>
-              <a:tailEnd len="sm" w="sm" type="none"/>
+              <a:headEnd type="none" w="sm" len="sm"/>
+              <a:tailEnd type="none" w="sm" len="sm"/>
             </a:ln>
           </p:spPr>
         </p:cxnSp>
@@ -3713,7 +3797,9 @@
       <p:sp>
         <p:nvSpPr>
           <p:cNvPr id="18" name="Google Shape;18;p2"/>
-          <p:cNvSpPr txBox="1"/>
+          <p:cNvSpPr txBox="1">
+            <a:spLocks noGrp="1"/>
+          </p:cNvSpPr>
           <p:nvPr>
             <p:ph type="ctrTitle"/>
           </p:nvPr>
@@ -3728,7 +3814,7 @@
           </a:prstGeom>
         </p:spPr>
         <p:txBody>
-          <a:bodyPr anchorCtr="0" anchor="b" bIns="91425" lIns="91425" spcFirstLastPara="1" rIns="91425" wrap="square" tIns="91425">
+          <a:bodyPr spcFirstLastPara="1" wrap="square" lIns="91425" tIns="91425" rIns="91425" bIns="91425" anchor="b" anchorCtr="0">
             <a:noAutofit/>
           </a:bodyPr>
           <a:lstStyle>
@@ -3832,15 +3918,19 @@
               <a:defRPr sz="5400"/>
             </a:lvl9pPr>
           </a:lstStyle>
-          <a:p/>
+          <a:p>
+            <a:endParaRPr/>
+          </a:p>
         </p:txBody>
       </p:sp>
       <p:sp>
         <p:nvSpPr>
           <p:cNvPr id="19" name="Google Shape;19;p2"/>
-          <p:cNvSpPr txBox="1"/>
+          <p:cNvSpPr txBox="1">
+            <a:spLocks noGrp="1"/>
+          </p:cNvSpPr>
           <p:nvPr>
-            <p:ph idx="1" type="subTitle"/>
+            <p:ph type="subTitle" idx="1"/>
           </p:nvPr>
         </p:nvSpPr>
         <p:spPr>
@@ -3853,7 +3943,7 @@
           </a:prstGeom>
         </p:spPr>
         <p:txBody>
-          <a:bodyPr anchorCtr="0" anchor="t" bIns="91425" lIns="91425" spcFirstLastPara="1" rIns="91425" wrap="square" tIns="91425">
+          <a:bodyPr spcFirstLastPara="1" wrap="square" lIns="91425" tIns="91425" rIns="91425" bIns="91425" anchor="t" anchorCtr="0">
             <a:noAutofit/>
           </a:bodyPr>
           <a:lstStyle>
@@ -3984,15 +4074,19 @@
               <a:defRPr sz="2400"/>
             </a:lvl9pPr>
           </a:lstStyle>
-          <a:p/>
+          <a:p>
+            <a:endParaRPr/>
+          </a:p>
         </p:txBody>
       </p:sp>
       <p:sp>
         <p:nvSpPr>
           <p:cNvPr id="20" name="Google Shape;20;p2"/>
-          <p:cNvSpPr txBox="1"/>
+          <p:cNvSpPr txBox="1">
+            <a:spLocks noGrp="1"/>
+          </p:cNvSpPr>
           <p:nvPr>
-            <p:ph idx="12" type="sldNum"/>
+            <p:ph type="sldNum" idx="12"/>
           </p:nvPr>
         </p:nvSpPr>
         <p:spPr>
@@ -4005,7 +4099,7 @@
           </a:prstGeom>
         </p:spPr>
         <p:txBody>
-          <a:bodyPr anchorCtr="0" anchor="ctr" bIns="91425" lIns="91425" spcFirstLastPara="1" rIns="91425" wrap="square" tIns="91425">
+          <a:bodyPr spcFirstLastPara="1" wrap="square" lIns="91425" tIns="91425" rIns="91425" bIns="91425" anchor="ctr" anchorCtr="0">
             <a:noAutofit/>
           </a:bodyPr>
           <a:lstStyle>
@@ -4047,7 +4141,7 @@
             </a:lvl9pPr>
           </a:lstStyle>
           <a:p>
-            <a:pPr indent="0" lvl="0" marL="0" rtl="0" algn="r">
+            <a:pPr marL="0" lvl="0" indent="0" algn="r" rtl="0">
               <a:spcBef>
                 <a:spcPts val="0"/>
               </a:spcBef>
@@ -4073,11 +4167,11 @@
 </file>
 
 <file path=ppt/slideLayouts/slideLayout10.xml><?xml version="1.0" encoding="utf-8"?>
-<p:sldLayout xmlns:a="http://schemas.openxmlformats.org/drawingml/2006/main" xmlns:r="http://schemas.openxmlformats.org/officeDocument/2006/relationships" xmlns:mc="http://schemas.openxmlformats.org/markup-compatibility/2006" xmlns:mv="urn:schemas-microsoft-com:mac:vml" xmlns:p="http://schemas.openxmlformats.org/presentationml/2006/main" xmlns:c="http://schemas.openxmlformats.org/drawingml/2006/chart" xmlns:dgm="http://schemas.openxmlformats.org/drawingml/2006/diagram" xmlns:o="urn:schemas-microsoft-com:office:office" xmlns:v="urn:schemas-microsoft-com:vml" xmlns:pvml="urn:schemas-microsoft-com:office:powerpoint" xmlns:com="http://schemas.openxmlformats.org/drawingml/2006/compatibility" xmlns:p14="http://schemas.microsoft.com/office/powerpoint/2010/main" xmlns:p15="http://schemas.microsoft.com/office/powerpoint/2012/main" xmlns:ahyp="http://schemas.microsoft.com/office/drawing/2018/hyperlinkcolor" matchingName="Big number">
+<p:sldLayout xmlns:a="http://schemas.openxmlformats.org/drawingml/2006/main" xmlns:r="http://schemas.openxmlformats.org/officeDocument/2006/relationships" xmlns:p="http://schemas.openxmlformats.org/presentationml/2006/main" matchingName="Big number">
   <p:cSld name="BIG_NUMBER">
     <p:spTree>
       <p:nvGrpSpPr>
-        <p:cNvPr id="55" name="Shape 55"/>
+        <p:cNvPr id="1" name="Shape 55"/>
         <p:cNvGrpSpPr/>
         <p:nvPr/>
       </p:nvGrpSpPr>
@@ -4111,23 +4205,20 @@
           </a:ln>
         </p:spPr>
         <p:txBody>
-          <a:bodyPr anchorCtr="0" anchor="ctr" bIns="91425" lIns="91425" spcFirstLastPara="1" rIns="91425" wrap="square" tIns="91425">
+          <a:bodyPr spcFirstLastPara="1" wrap="square" lIns="91425" tIns="91425" rIns="91425" bIns="91425" anchor="ctr" anchorCtr="0">
             <a:noAutofit/>
           </a:bodyPr>
           <a:lstStyle/>
           <a:p>
-            <a:pPr indent="0" lvl="0" marL="0" rtl="0" algn="l">
-              <a:spcBef>
-                <a:spcPts val="0"/>
-              </a:spcBef>
-              <a:spcAft>
-                <a:spcPts val="0"/>
-              </a:spcAft>
-              <a:buNone/>
-            </a:pPr>
-            <a:r>
-              <a:t/>
-            </a:r>
+            <a:pPr marL="0" lvl="0" indent="0" algn="l" rtl="0">
+              <a:spcBef>
+                <a:spcPts val="0"/>
+              </a:spcBef>
+              <a:spcAft>
+                <a:spcPts val="0"/>
+              </a:spcAft>
+              <a:buNone/>
+            </a:pPr>
             <a:endParaRPr/>
           </a:p>
         </p:txBody>
@@ -4135,9 +4226,11 @@
       <p:sp>
         <p:nvSpPr>
           <p:cNvPr id="57" name="Google Shape;57;p11"/>
-          <p:cNvSpPr txBox="1"/>
+          <p:cNvSpPr txBox="1">
+            <a:spLocks noGrp="1"/>
+          </p:cNvSpPr>
           <p:nvPr>
-            <p:ph hasCustomPrompt="1" type="title"/>
+            <p:ph type="title" hasCustomPrompt="1"/>
           </p:nvPr>
         </p:nvSpPr>
         <p:spPr>
@@ -4150,7 +4243,7 @@
           </a:prstGeom>
         </p:spPr>
         <p:txBody>
-          <a:bodyPr anchorCtr="0" anchor="ctr" bIns="91425" lIns="91425" spcFirstLastPara="1" rIns="91425" wrap="square" tIns="91425">
+          <a:bodyPr spcFirstLastPara="1" wrap="square" lIns="91425" tIns="91425" rIns="91425" bIns="91425" anchor="ctr" anchorCtr="0">
             <a:noAutofit/>
           </a:bodyPr>
           <a:lstStyle>
@@ -4327,9 +4420,11 @@
       <p:sp>
         <p:nvSpPr>
           <p:cNvPr id="58" name="Google Shape;58;p11"/>
-          <p:cNvSpPr txBox="1"/>
+          <p:cNvSpPr txBox="1">
+            <a:spLocks noGrp="1"/>
+          </p:cNvSpPr>
           <p:nvPr>
-            <p:ph idx="1" type="body"/>
+            <p:ph type="body" idx="1"/>
           </p:nvPr>
         </p:nvSpPr>
         <p:spPr>
@@ -4342,11 +4437,11 @@
           </a:prstGeom>
         </p:spPr>
         <p:txBody>
-          <a:bodyPr anchorCtr="0" anchor="t" bIns="91425" lIns="91425" spcFirstLastPara="1" rIns="91425" wrap="square" tIns="91425">
+          <a:bodyPr spcFirstLastPara="1" wrap="square" lIns="91425" tIns="91425" rIns="91425" bIns="91425" anchor="t" anchorCtr="0">
             <a:noAutofit/>
           </a:bodyPr>
           <a:lstStyle>
-            <a:lvl1pPr indent="-342900" lvl="0" marL="457200" algn="ctr">
+            <a:lvl1pPr marL="457200" lvl="0" indent="-342900" algn="ctr">
               <a:spcBef>
                 <a:spcPts val="0"/>
               </a:spcBef>
@@ -4357,7 +4452,7 @@
               <a:buChar char="●"/>
               <a:defRPr/>
             </a:lvl1pPr>
-            <a:lvl2pPr indent="-317500" lvl="1" marL="914400" algn="ctr">
+            <a:lvl2pPr marL="914400" lvl="1" indent="-317500" algn="ctr">
               <a:spcBef>
                 <a:spcPts val="1600"/>
               </a:spcBef>
@@ -4368,7 +4463,7 @@
               <a:buChar char="○"/>
               <a:defRPr/>
             </a:lvl2pPr>
-            <a:lvl3pPr indent="-317500" lvl="2" marL="1371600" algn="ctr">
+            <a:lvl3pPr marL="1371600" lvl="2" indent="-317500" algn="ctr">
               <a:spcBef>
                 <a:spcPts val="1600"/>
               </a:spcBef>
@@ -4379,7 +4474,7 @@
               <a:buChar char="■"/>
               <a:defRPr/>
             </a:lvl3pPr>
-            <a:lvl4pPr indent="-317500" lvl="3" marL="1828800" algn="ctr">
+            <a:lvl4pPr marL="1828800" lvl="3" indent="-317500" algn="ctr">
               <a:spcBef>
                 <a:spcPts val="1600"/>
               </a:spcBef>
@@ -4390,7 +4485,7 @@
               <a:buChar char="●"/>
               <a:defRPr/>
             </a:lvl4pPr>
-            <a:lvl5pPr indent="-317500" lvl="4" marL="2286000" algn="ctr">
+            <a:lvl5pPr marL="2286000" lvl="4" indent="-317500" algn="ctr">
               <a:spcBef>
                 <a:spcPts val="1600"/>
               </a:spcBef>
@@ -4401,7 +4496,7 @@
               <a:buChar char="○"/>
               <a:defRPr/>
             </a:lvl5pPr>
-            <a:lvl6pPr indent="-317500" lvl="5" marL="2743200" algn="ctr">
+            <a:lvl6pPr marL="2743200" lvl="5" indent="-317500" algn="ctr">
               <a:spcBef>
                 <a:spcPts val="1600"/>
               </a:spcBef>
@@ -4412,7 +4507,7 @@
               <a:buChar char="■"/>
               <a:defRPr/>
             </a:lvl6pPr>
-            <a:lvl7pPr indent="-317500" lvl="6" marL="3200400" algn="ctr">
+            <a:lvl7pPr marL="3200400" lvl="6" indent="-317500" algn="ctr">
               <a:spcBef>
                 <a:spcPts val="1600"/>
               </a:spcBef>
@@ -4423,7 +4518,7 @@
               <a:buChar char="●"/>
               <a:defRPr/>
             </a:lvl7pPr>
-            <a:lvl8pPr indent="-317500" lvl="7" marL="3657600" algn="ctr">
+            <a:lvl8pPr marL="3657600" lvl="7" indent="-317500" algn="ctr">
               <a:spcBef>
                 <a:spcPts val="1600"/>
               </a:spcBef>
@@ -4434,7 +4529,7 @@
               <a:buChar char="○"/>
               <a:defRPr/>
             </a:lvl8pPr>
-            <a:lvl9pPr indent="-317500" lvl="8" marL="4114800" algn="ctr">
+            <a:lvl9pPr marL="4114800" lvl="8" indent="-317500" algn="ctr">
               <a:spcBef>
                 <a:spcPts val="1600"/>
               </a:spcBef>
@@ -4446,15 +4541,19 @@
               <a:defRPr/>
             </a:lvl9pPr>
           </a:lstStyle>
-          <a:p/>
+          <a:p>
+            <a:endParaRPr/>
+          </a:p>
         </p:txBody>
       </p:sp>
       <p:sp>
         <p:nvSpPr>
           <p:cNvPr id="59" name="Google Shape;59;p11"/>
-          <p:cNvSpPr txBox="1"/>
+          <p:cNvSpPr txBox="1">
+            <a:spLocks noGrp="1"/>
+          </p:cNvSpPr>
           <p:nvPr>
-            <p:ph idx="12" type="sldNum"/>
+            <p:ph type="sldNum" idx="12"/>
           </p:nvPr>
         </p:nvSpPr>
         <p:spPr>
@@ -4467,7 +4566,7 @@
           </a:prstGeom>
         </p:spPr>
         <p:txBody>
-          <a:bodyPr anchorCtr="0" anchor="ctr" bIns="91425" lIns="91425" spcFirstLastPara="1" rIns="91425" wrap="square" tIns="91425">
+          <a:bodyPr spcFirstLastPara="1" wrap="square" lIns="91425" tIns="91425" rIns="91425" bIns="91425" anchor="ctr" anchorCtr="0">
             <a:noAutofit/>
           </a:bodyPr>
           <a:lstStyle>
@@ -4509,7 +4608,7 @@
             </a:lvl9pPr>
           </a:lstStyle>
           <a:p>
-            <a:pPr indent="0" lvl="0" marL="0" rtl="0" algn="r">
+            <a:pPr marL="0" lvl="0" indent="0" algn="r" rtl="0">
               <a:spcBef>
                 <a:spcPts val="0"/>
               </a:spcBef>
@@ -4535,11 +4634,11 @@
 </file>
 
 <file path=ppt/slideLayouts/slideLayout11.xml><?xml version="1.0" encoding="utf-8"?>
-<p:sldLayout xmlns:a="http://schemas.openxmlformats.org/drawingml/2006/main" xmlns:r="http://schemas.openxmlformats.org/officeDocument/2006/relationships" xmlns:mc="http://schemas.openxmlformats.org/markup-compatibility/2006" xmlns:mv="urn:schemas-microsoft-com:mac:vml" xmlns:p="http://schemas.openxmlformats.org/presentationml/2006/main" xmlns:c="http://schemas.openxmlformats.org/drawingml/2006/chart" xmlns:dgm="http://schemas.openxmlformats.org/drawingml/2006/diagram" xmlns:o="urn:schemas-microsoft-com:office:office" xmlns:v="urn:schemas-microsoft-com:vml" xmlns:pvml="urn:schemas-microsoft-com:office:powerpoint" xmlns:com="http://schemas.openxmlformats.org/drawingml/2006/compatibility" xmlns:p14="http://schemas.microsoft.com/office/powerpoint/2010/main" xmlns:p15="http://schemas.microsoft.com/office/powerpoint/2012/main" xmlns:ahyp="http://schemas.microsoft.com/office/drawing/2018/hyperlinkcolor" matchingName="Blank" type="blank">
+<p:sldLayout xmlns:a="http://schemas.openxmlformats.org/drawingml/2006/main" xmlns:r="http://schemas.openxmlformats.org/officeDocument/2006/relationships" xmlns:p="http://schemas.openxmlformats.org/presentationml/2006/main" matchingName="Blank" type="blank">
   <p:cSld name="BLANK">
     <p:spTree>
       <p:nvGrpSpPr>
-        <p:cNvPr id="60" name="Shape 60"/>
+        <p:cNvPr id="1" name="Shape 60"/>
         <p:cNvGrpSpPr/>
         <p:nvPr/>
       </p:nvGrpSpPr>
@@ -4554,9 +4653,11 @@
       <p:sp>
         <p:nvSpPr>
           <p:cNvPr id="61" name="Google Shape;61;p12"/>
-          <p:cNvSpPr txBox="1"/>
+          <p:cNvSpPr txBox="1">
+            <a:spLocks noGrp="1"/>
+          </p:cNvSpPr>
           <p:nvPr>
-            <p:ph idx="12" type="sldNum"/>
+            <p:ph type="sldNum" idx="12"/>
           </p:nvPr>
         </p:nvSpPr>
         <p:spPr>
@@ -4569,7 +4670,7 @@
           </a:prstGeom>
         </p:spPr>
         <p:txBody>
-          <a:bodyPr anchorCtr="0" anchor="ctr" bIns="91425" lIns="91425" spcFirstLastPara="1" rIns="91425" wrap="square" tIns="91425">
+          <a:bodyPr spcFirstLastPara="1" wrap="square" lIns="91425" tIns="91425" rIns="91425" bIns="91425" anchor="ctr" anchorCtr="0">
             <a:noAutofit/>
           </a:bodyPr>
           <a:lstStyle>
@@ -4611,7 +4712,7 @@
             </a:lvl9pPr>
           </a:lstStyle>
           <a:p>
-            <a:pPr indent="0" lvl="0" marL="0" rtl="0" algn="r">
+            <a:pPr marL="0" lvl="0" indent="0" algn="r" rtl="0">
               <a:spcBef>
                 <a:spcPts val="0"/>
               </a:spcBef>
@@ -4637,11 +4738,11 @@
 </file>
 
 <file path=ppt/slideLayouts/slideLayout2.xml><?xml version="1.0" encoding="utf-8"?>
-<p:sldLayout xmlns:a="http://schemas.openxmlformats.org/drawingml/2006/main" xmlns:r="http://schemas.openxmlformats.org/officeDocument/2006/relationships" xmlns:mc="http://schemas.openxmlformats.org/markup-compatibility/2006" xmlns:mv="urn:schemas-microsoft-com:mac:vml" xmlns:p="http://schemas.openxmlformats.org/presentationml/2006/main" xmlns:c="http://schemas.openxmlformats.org/drawingml/2006/chart" xmlns:dgm="http://schemas.openxmlformats.org/drawingml/2006/diagram" xmlns:o="urn:schemas-microsoft-com:office:office" xmlns:v="urn:schemas-microsoft-com:vml" xmlns:pvml="urn:schemas-microsoft-com:office:powerpoint" xmlns:com="http://schemas.openxmlformats.org/drawingml/2006/compatibility" xmlns:p14="http://schemas.microsoft.com/office/powerpoint/2010/main" xmlns:p15="http://schemas.microsoft.com/office/powerpoint/2012/main" xmlns:ahyp="http://schemas.microsoft.com/office/drawing/2018/hyperlinkcolor" matchingName="Section header" type="secHead">
+<p:sldLayout xmlns:a="http://schemas.openxmlformats.org/drawingml/2006/main" xmlns:r="http://schemas.openxmlformats.org/officeDocument/2006/relationships" xmlns:p="http://schemas.openxmlformats.org/presentationml/2006/main" matchingName="Section header" type="secHead">
   <p:cSld name="SECTION_HEADER">
     <p:spTree>
       <p:nvGrpSpPr>
-        <p:cNvPr id="21" name="Shape 21"/>
+        <p:cNvPr id="1" name="Shape 21"/>
         <p:cNvGrpSpPr/>
         <p:nvPr/>
       </p:nvGrpSpPr>
@@ -4675,23 +4776,20 @@
           </a:ln>
         </p:spPr>
         <p:txBody>
-          <a:bodyPr anchorCtr="0" anchor="ctr" bIns="91425" lIns="91425" spcFirstLastPara="1" rIns="91425" wrap="square" tIns="91425">
+          <a:bodyPr spcFirstLastPara="1" wrap="square" lIns="91425" tIns="91425" rIns="91425" bIns="91425" anchor="ctr" anchorCtr="0">
             <a:noAutofit/>
           </a:bodyPr>
           <a:lstStyle/>
           <a:p>
-            <a:pPr indent="0" lvl="0" marL="0" rtl="0" algn="l">
-              <a:spcBef>
-                <a:spcPts val="0"/>
-              </a:spcBef>
-              <a:spcAft>
-                <a:spcPts val="0"/>
-              </a:spcAft>
-              <a:buNone/>
-            </a:pPr>
-            <a:r>
-              <a:t/>
-            </a:r>
+            <a:pPr marL="0" lvl="0" indent="0" algn="l" rtl="0">
+              <a:spcBef>
+                <a:spcPts val="0"/>
+              </a:spcBef>
+              <a:spcAft>
+                <a:spcPts val="0"/>
+              </a:spcAft>
+              <a:buNone/>
+            </a:pPr>
             <a:endParaRPr/>
           </a:p>
         </p:txBody>
@@ -4699,7 +4797,9 @@
       <p:sp>
         <p:nvSpPr>
           <p:cNvPr id="23" name="Google Shape;23;p3"/>
-          <p:cNvSpPr txBox="1"/>
+          <p:cNvSpPr txBox="1">
+            <a:spLocks noGrp="1"/>
+          </p:cNvSpPr>
           <p:nvPr>
             <p:ph type="title"/>
           </p:nvPr>
@@ -4714,7 +4814,7 @@
           </a:prstGeom>
         </p:spPr>
         <p:txBody>
-          <a:bodyPr anchorCtr="0" anchor="ctr" bIns="91425" lIns="91425" spcFirstLastPara="1" rIns="91425" wrap="square" tIns="91425">
+          <a:bodyPr spcFirstLastPara="1" wrap="square" lIns="91425" tIns="91425" rIns="91425" bIns="91425" anchor="ctr" anchorCtr="0">
             <a:noAutofit/>
           </a:bodyPr>
           <a:lstStyle>
@@ -4818,15 +4918,19 @@
               <a:defRPr/>
             </a:lvl9pPr>
           </a:lstStyle>
-          <a:p/>
+          <a:p>
+            <a:endParaRPr/>
+          </a:p>
         </p:txBody>
       </p:sp>
       <p:sp>
         <p:nvSpPr>
           <p:cNvPr id="24" name="Google Shape;24;p3"/>
-          <p:cNvSpPr txBox="1"/>
+          <p:cNvSpPr txBox="1">
+            <a:spLocks noGrp="1"/>
+          </p:cNvSpPr>
           <p:nvPr>
-            <p:ph idx="12" type="sldNum"/>
+            <p:ph type="sldNum" idx="12"/>
           </p:nvPr>
         </p:nvSpPr>
         <p:spPr>
@@ -4839,7 +4943,7 @@
           </a:prstGeom>
         </p:spPr>
         <p:txBody>
-          <a:bodyPr anchorCtr="0" anchor="ctr" bIns="91425" lIns="91425" spcFirstLastPara="1" rIns="91425" wrap="square" tIns="91425">
+          <a:bodyPr spcFirstLastPara="1" wrap="square" lIns="91425" tIns="91425" rIns="91425" bIns="91425" anchor="ctr" anchorCtr="0">
             <a:noAutofit/>
           </a:bodyPr>
           <a:lstStyle>
@@ -4917,7 +5021,7 @@
             </a:lvl9pPr>
           </a:lstStyle>
           <a:p>
-            <a:pPr indent="0" lvl="0" marL="0" rtl="0" algn="r">
+            <a:pPr marL="0" lvl="0" indent="0" algn="r" rtl="0">
               <a:spcBef>
                 <a:spcPts val="0"/>
               </a:spcBef>
@@ -4943,11 +5047,11 @@
 </file>
 
 <file path=ppt/slideLayouts/slideLayout3.xml><?xml version="1.0" encoding="utf-8"?>
-<p:sldLayout xmlns:a="http://schemas.openxmlformats.org/drawingml/2006/main" xmlns:r="http://schemas.openxmlformats.org/officeDocument/2006/relationships" xmlns:mc="http://schemas.openxmlformats.org/markup-compatibility/2006" xmlns:mv="urn:schemas-microsoft-com:mac:vml" xmlns:p="http://schemas.openxmlformats.org/presentationml/2006/main" xmlns:c="http://schemas.openxmlformats.org/drawingml/2006/chart" xmlns:dgm="http://schemas.openxmlformats.org/drawingml/2006/diagram" xmlns:o="urn:schemas-microsoft-com:office:office" xmlns:v="urn:schemas-microsoft-com:vml" xmlns:pvml="urn:schemas-microsoft-com:office:powerpoint" xmlns:com="http://schemas.openxmlformats.org/drawingml/2006/compatibility" xmlns:p14="http://schemas.microsoft.com/office/powerpoint/2010/main" xmlns:p15="http://schemas.microsoft.com/office/powerpoint/2012/main" xmlns:ahyp="http://schemas.microsoft.com/office/drawing/2018/hyperlinkcolor" matchingName="Title and body" type="tx">
+<p:sldLayout xmlns:a="http://schemas.openxmlformats.org/drawingml/2006/main" xmlns:r="http://schemas.openxmlformats.org/officeDocument/2006/relationships" xmlns:p="http://schemas.openxmlformats.org/presentationml/2006/main" matchingName="Title and body" type="tx">
   <p:cSld name="TITLE_AND_BODY">
     <p:spTree>
       <p:nvGrpSpPr>
-        <p:cNvPr id="25" name="Shape 25"/>
+        <p:cNvPr id="1" name="Shape 25"/>
         <p:cNvGrpSpPr/>
         <p:nvPr/>
       </p:nvGrpSpPr>
@@ -4981,23 +5085,20 @@
           </a:ln>
         </p:spPr>
         <p:txBody>
-          <a:bodyPr anchorCtr="0" anchor="ctr" bIns="91425" lIns="91425" spcFirstLastPara="1" rIns="91425" wrap="square" tIns="91425">
+          <a:bodyPr spcFirstLastPara="1" wrap="square" lIns="91425" tIns="91425" rIns="91425" bIns="91425" anchor="ctr" anchorCtr="0">
             <a:noAutofit/>
           </a:bodyPr>
           <a:lstStyle/>
           <a:p>
-            <a:pPr indent="0" lvl="0" marL="0" rtl="0" algn="l">
-              <a:spcBef>
-                <a:spcPts val="0"/>
-              </a:spcBef>
-              <a:spcAft>
-                <a:spcPts val="0"/>
-              </a:spcAft>
-              <a:buNone/>
-            </a:pPr>
-            <a:r>
-              <a:t/>
-            </a:r>
+            <a:pPr marL="0" lvl="0" indent="0" algn="l" rtl="0">
+              <a:spcBef>
+                <a:spcPts val="0"/>
+              </a:spcBef>
+              <a:spcAft>
+                <a:spcPts val="0"/>
+              </a:spcAft>
+              <a:buNone/>
+            </a:pPr>
             <a:endParaRPr/>
           </a:p>
         </p:txBody>
@@ -5005,7 +5106,9 @@
       <p:sp>
         <p:nvSpPr>
           <p:cNvPr id="27" name="Google Shape;27;p4"/>
-          <p:cNvSpPr txBox="1"/>
+          <p:cNvSpPr txBox="1">
+            <a:spLocks noGrp="1"/>
+          </p:cNvSpPr>
           <p:nvPr>
             <p:ph type="title"/>
           </p:nvPr>
@@ -5020,7 +5123,7 @@
           </a:prstGeom>
         </p:spPr>
         <p:txBody>
-          <a:bodyPr anchorCtr="0" anchor="t" bIns="91425" lIns="91425" spcFirstLastPara="1" rIns="91425" wrap="square" tIns="91425">
+          <a:bodyPr spcFirstLastPara="1" wrap="square" lIns="91425" tIns="91425" rIns="91425" bIns="91425" anchor="t" anchorCtr="0">
             <a:noAutofit/>
           </a:bodyPr>
           <a:lstStyle>
@@ -5124,15 +5227,19 @@
               <a:defRPr/>
             </a:lvl9pPr>
           </a:lstStyle>
-          <a:p/>
+          <a:p>
+            <a:endParaRPr/>
+          </a:p>
         </p:txBody>
       </p:sp>
       <p:sp>
         <p:nvSpPr>
           <p:cNvPr id="28" name="Google Shape;28;p4"/>
-          <p:cNvSpPr txBox="1"/>
+          <p:cNvSpPr txBox="1">
+            <a:spLocks noGrp="1"/>
+          </p:cNvSpPr>
           <p:nvPr>
-            <p:ph idx="1" type="body"/>
+            <p:ph type="body" idx="1"/>
           </p:nvPr>
         </p:nvSpPr>
         <p:spPr>
@@ -5145,11 +5252,11 @@
           </a:prstGeom>
         </p:spPr>
         <p:txBody>
-          <a:bodyPr anchorCtr="0" anchor="t" bIns="91425" lIns="91425" spcFirstLastPara="1" rIns="91425" wrap="square" tIns="91425">
+          <a:bodyPr spcFirstLastPara="1" wrap="square" lIns="91425" tIns="91425" rIns="91425" bIns="91425" anchor="t" anchorCtr="0">
             <a:noAutofit/>
           </a:bodyPr>
           <a:lstStyle>
-            <a:lvl1pPr indent="-342900" lvl="0" marL="457200">
+            <a:lvl1pPr marL="457200" lvl="0" indent="-342900">
               <a:spcBef>
                 <a:spcPts val="0"/>
               </a:spcBef>
@@ -5160,7 +5267,7 @@
               <a:buChar char="●"/>
               <a:defRPr/>
             </a:lvl1pPr>
-            <a:lvl2pPr indent="-317500" lvl="1" marL="914400">
+            <a:lvl2pPr marL="914400" lvl="1" indent="-317500">
               <a:spcBef>
                 <a:spcPts val="1600"/>
               </a:spcBef>
@@ -5171,7 +5278,7 @@
               <a:buChar char="○"/>
               <a:defRPr/>
             </a:lvl2pPr>
-            <a:lvl3pPr indent="-317500" lvl="2" marL="1371600">
+            <a:lvl3pPr marL="1371600" lvl="2" indent="-317500">
               <a:spcBef>
                 <a:spcPts val="1600"/>
               </a:spcBef>
@@ -5182,7 +5289,7 @@
               <a:buChar char="■"/>
               <a:defRPr/>
             </a:lvl3pPr>
-            <a:lvl4pPr indent="-317500" lvl="3" marL="1828800">
+            <a:lvl4pPr marL="1828800" lvl="3" indent="-317500">
               <a:spcBef>
                 <a:spcPts val="1600"/>
               </a:spcBef>
@@ -5193,7 +5300,7 @@
               <a:buChar char="●"/>
               <a:defRPr/>
             </a:lvl4pPr>
-            <a:lvl5pPr indent="-317500" lvl="4" marL="2286000">
+            <a:lvl5pPr marL="2286000" lvl="4" indent="-317500">
               <a:spcBef>
                 <a:spcPts val="1600"/>
               </a:spcBef>
@@ -5204,7 +5311,7 @@
               <a:buChar char="○"/>
               <a:defRPr/>
             </a:lvl5pPr>
-            <a:lvl6pPr indent="-317500" lvl="5" marL="2743200">
+            <a:lvl6pPr marL="2743200" lvl="5" indent="-317500">
               <a:spcBef>
                 <a:spcPts val="1600"/>
               </a:spcBef>
@@ -5215,7 +5322,7 @@
               <a:buChar char="■"/>
               <a:defRPr/>
             </a:lvl6pPr>
-            <a:lvl7pPr indent="-317500" lvl="6" marL="3200400">
+            <a:lvl7pPr marL="3200400" lvl="6" indent="-317500">
               <a:spcBef>
                 <a:spcPts val="1600"/>
               </a:spcBef>
@@ -5226,7 +5333,7 @@
               <a:buChar char="●"/>
               <a:defRPr/>
             </a:lvl7pPr>
-            <a:lvl8pPr indent="-317500" lvl="7" marL="3657600">
+            <a:lvl8pPr marL="3657600" lvl="7" indent="-317500">
               <a:spcBef>
                 <a:spcPts val="1600"/>
               </a:spcBef>
@@ -5237,7 +5344,7 @@
               <a:buChar char="○"/>
               <a:defRPr/>
             </a:lvl8pPr>
-            <a:lvl9pPr indent="-317500" lvl="8" marL="4114800">
+            <a:lvl9pPr marL="4114800" lvl="8" indent="-317500">
               <a:spcBef>
                 <a:spcPts val="1600"/>
               </a:spcBef>
@@ -5249,15 +5356,19 @@
               <a:defRPr/>
             </a:lvl9pPr>
           </a:lstStyle>
-          <a:p/>
+          <a:p>
+            <a:endParaRPr/>
+          </a:p>
         </p:txBody>
       </p:sp>
       <p:sp>
         <p:nvSpPr>
           <p:cNvPr id="29" name="Google Shape;29;p4"/>
-          <p:cNvSpPr txBox="1"/>
+          <p:cNvSpPr txBox="1">
+            <a:spLocks noGrp="1"/>
+          </p:cNvSpPr>
           <p:nvPr>
-            <p:ph idx="12" type="sldNum"/>
+            <p:ph type="sldNum" idx="12"/>
           </p:nvPr>
         </p:nvSpPr>
         <p:spPr>
@@ -5270,7 +5381,7 @@
           </a:prstGeom>
         </p:spPr>
         <p:txBody>
-          <a:bodyPr anchorCtr="0" anchor="ctr" bIns="91425" lIns="91425" spcFirstLastPara="1" rIns="91425" wrap="square" tIns="91425">
+          <a:bodyPr spcFirstLastPara="1" wrap="square" lIns="91425" tIns="91425" rIns="91425" bIns="91425" anchor="ctr" anchorCtr="0">
             <a:noAutofit/>
           </a:bodyPr>
           <a:lstStyle>
@@ -5312,7 +5423,7 @@
             </a:lvl9pPr>
           </a:lstStyle>
           <a:p>
-            <a:pPr indent="0" lvl="0" marL="0" rtl="0" algn="r">
+            <a:pPr marL="0" lvl="0" indent="0" algn="r" rtl="0">
               <a:spcBef>
                 <a:spcPts val="0"/>
               </a:spcBef>
@@ -5338,11 +5449,11 @@
 </file>
 
 <file path=ppt/slideLayouts/slideLayout4.xml><?xml version="1.0" encoding="utf-8"?>
-<p:sldLayout xmlns:a="http://schemas.openxmlformats.org/drawingml/2006/main" xmlns:r="http://schemas.openxmlformats.org/officeDocument/2006/relationships" xmlns:mc="http://schemas.openxmlformats.org/markup-compatibility/2006" xmlns:mv="urn:schemas-microsoft-com:mac:vml" xmlns:p="http://schemas.openxmlformats.org/presentationml/2006/main" xmlns:c="http://schemas.openxmlformats.org/drawingml/2006/chart" xmlns:dgm="http://schemas.openxmlformats.org/drawingml/2006/diagram" xmlns:o="urn:schemas-microsoft-com:office:office" xmlns:v="urn:schemas-microsoft-com:vml" xmlns:pvml="urn:schemas-microsoft-com:office:powerpoint" xmlns:com="http://schemas.openxmlformats.org/drawingml/2006/compatibility" xmlns:p14="http://schemas.microsoft.com/office/powerpoint/2010/main" xmlns:p15="http://schemas.microsoft.com/office/powerpoint/2012/main" xmlns:ahyp="http://schemas.microsoft.com/office/drawing/2018/hyperlinkcolor" matchingName="Title and two columns" type="twoColTx">
+<p:sldLayout xmlns:a="http://schemas.openxmlformats.org/drawingml/2006/main" xmlns:r="http://schemas.openxmlformats.org/officeDocument/2006/relationships" xmlns:p="http://schemas.openxmlformats.org/presentationml/2006/main" matchingName="Title and two columns" type="twoColTx">
   <p:cSld name="TITLE_AND_TWO_COLUMNS">
     <p:spTree>
       <p:nvGrpSpPr>
-        <p:cNvPr id="30" name="Shape 30"/>
+        <p:cNvPr id="1" name="Shape 30"/>
         <p:cNvGrpSpPr/>
         <p:nvPr/>
       </p:nvGrpSpPr>
@@ -5357,7 +5468,9 @@
       <p:sp>
         <p:nvSpPr>
           <p:cNvPr id="31" name="Google Shape;31;p5"/>
-          <p:cNvSpPr txBox="1"/>
+          <p:cNvSpPr txBox="1">
+            <a:spLocks noGrp="1"/>
+          </p:cNvSpPr>
           <p:nvPr>
             <p:ph type="title"/>
           </p:nvPr>
@@ -5372,7 +5485,7 @@
           </a:prstGeom>
         </p:spPr>
         <p:txBody>
-          <a:bodyPr anchorCtr="0" anchor="t" bIns="91425" lIns="91425" spcFirstLastPara="1" rIns="91425" wrap="square" tIns="91425">
+          <a:bodyPr spcFirstLastPara="1" wrap="square" lIns="91425" tIns="91425" rIns="91425" bIns="91425" anchor="t" anchorCtr="0">
             <a:noAutofit/>
           </a:bodyPr>
           <a:lstStyle>
@@ -5476,15 +5589,19 @@
               <a:defRPr/>
             </a:lvl9pPr>
           </a:lstStyle>
-          <a:p/>
+          <a:p>
+            <a:endParaRPr/>
+          </a:p>
         </p:txBody>
       </p:sp>
       <p:sp>
         <p:nvSpPr>
           <p:cNvPr id="32" name="Google Shape;32;p5"/>
-          <p:cNvSpPr txBox="1"/>
+          <p:cNvSpPr txBox="1">
+            <a:spLocks noGrp="1"/>
+          </p:cNvSpPr>
           <p:nvPr>
-            <p:ph idx="1" type="body"/>
+            <p:ph type="body" idx="1"/>
           </p:nvPr>
         </p:nvSpPr>
         <p:spPr>
@@ -5497,11 +5614,11 @@
           </a:prstGeom>
         </p:spPr>
         <p:txBody>
-          <a:bodyPr anchorCtr="0" anchor="t" bIns="91425" lIns="91425" spcFirstLastPara="1" rIns="91425" wrap="square" tIns="91425">
+          <a:bodyPr spcFirstLastPara="1" wrap="square" lIns="91425" tIns="91425" rIns="91425" bIns="91425" anchor="t" anchorCtr="0">
             <a:noAutofit/>
           </a:bodyPr>
           <a:lstStyle>
-            <a:lvl1pPr indent="-317500" lvl="0" marL="457200">
+            <a:lvl1pPr marL="457200" lvl="0" indent="-317500">
               <a:spcBef>
                 <a:spcPts val="0"/>
               </a:spcBef>
@@ -5512,7 +5629,7 @@
               <a:buChar char="●"/>
               <a:defRPr sz="1400"/>
             </a:lvl1pPr>
-            <a:lvl2pPr indent="-304800" lvl="1" marL="914400">
+            <a:lvl2pPr marL="914400" lvl="1" indent="-304800">
               <a:spcBef>
                 <a:spcPts val="1600"/>
               </a:spcBef>
@@ -5523,7 +5640,7 @@
               <a:buChar char="○"/>
               <a:defRPr sz="1200"/>
             </a:lvl2pPr>
-            <a:lvl3pPr indent="-304800" lvl="2" marL="1371600">
+            <a:lvl3pPr marL="1371600" lvl="2" indent="-304800">
               <a:spcBef>
                 <a:spcPts val="1600"/>
               </a:spcBef>
@@ -5534,7 +5651,7 @@
               <a:buChar char="■"/>
               <a:defRPr sz="1200"/>
             </a:lvl3pPr>
-            <a:lvl4pPr indent="-304800" lvl="3" marL="1828800">
+            <a:lvl4pPr marL="1828800" lvl="3" indent="-304800">
               <a:spcBef>
                 <a:spcPts val="1600"/>
               </a:spcBef>
@@ -5545,7 +5662,7 @@
               <a:buChar char="●"/>
               <a:defRPr sz="1200"/>
             </a:lvl4pPr>
-            <a:lvl5pPr indent="-304800" lvl="4" marL="2286000">
+            <a:lvl5pPr marL="2286000" lvl="4" indent="-304800">
               <a:spcBef>
                 <a:spcPts val="1600"/>
               </a:spcBef>
@@ -5556,7 +5673,7 @@
               <a:buChar char="○"/>
               <a:defRPr sz="1200"/>
             </a:lvl5pPr>
-            <a:lvl6pPr indent="-304800" lvl="5" marL="2743200">
+            <a:lvl6pPr marL="2743200" lvl="5" indent="-304800">
               <a:spcBef>
                 <a:spcPts val="1600"/>
               </a:spcBef>
@@ -5567,7 +5684,7 @@
               <a:buChar char="■"/>
               <a:defRPr sz="1200"/>
             </a:lvl6pPr>
-            <a:lvl7pPr indent="-304800" lvl="6" marL="3200400">
+            <a:lvl7pPr marL="3200400" lvl="6" indent="-304800">
               <a:spcBef>
                 <a:spcPts val="1600"/>
               </a:spcBef>
@@ -5578,7 +5695,7 @@
               <a:buChar char="●"/>
               <a:defRPr sz="1200"/>
             </a:lvl7pPr>
-            <a:lvl8pPr indent="-304800" lvl="7" marL="3657600">
+            <a:lvl8pPr marL="3657600" lvl="7" indent="-304800">
               <a:spcBef>
                 <a:spcPts val="1600"/>
               </a:spcBef>
@@ -5589,7 +5706,7 @@
               <a:buChar char="○"/>
               <a:defRPr sz="1200"/>
             </a:lvl8pPr>
-            <a:lvl9pPr indent="-304800" lvl="8" marL="4114800">
+            <a:lvl9pPr marL="4114800" lvl="8" indent="-304800">
               <a:spcBef>
                 <a:spcPts val="1600"/>
               </a:spcBef>
@@ -5601,15 +5718,19 @@
               <a:defRPr sz="1200"/>
             </a:lvl9pPr>
           </a:lstStyle>
-          <a:p/>
+          <a:p>
+            <a:endParaRPr/>
+          </a:p>
         </p:txBody>
       </p:sp>
       <p:sp>
         <p:nvSpPr>
           <p:cNvPr id="33" name="Google Shape;33;p5"/>
-          <p:cNvSpPr txBox="1"/>
+          <p:cNvSpPr txBox="1">
+            <a:spLocks noGrp="1"/>
+          </p:cNvSpPr>
           <p:nvPr>
-            <p:ph idx="2" type="body"/>
+            <p:ph type="body" idx="2"/>
           </p:nvPr>
         </p:nvSpPr>
         <p:spPr>
@@ -5622,11 +5743,11 @@
           </a:prstGeom>
         </p:spPr>
         <p:txBody>
-          <a:bodyPr anchorCtr="0" anchor="t" bIns="91425" lIns="91425" spcFirstLastPara="1" rIns="91425" wrap="square" tIns="91425">
+          <a:bodyPr spcFirstLastPara="1" wrap="square" lIns="91425" tIns="91425" rIns="91425" bIns="91425" anchor="t" anchorCtr="0">
             <a:noAutofit/>
           </a:bodyPr>
           <a:lstStyle>
-            <a:lvl1pPr indent="-317500" lvl="0" marL="457200">
+            <a:lvl1pPr marL="457200" lvl="0" indent="-317500">
               <a:spcBef>
                 <a:spcPts val="0"/>
               </a:spcBef>
@@ -5637,7 +5758,7 @@
               <a:buChar char="●"/>
               <a:defRPr sz="1400"/>
             </a:lvl1pPr>
-            <a:lvl2pPr indent="-304800" lvl="1" marL="914400">
+            <a:lvl2pPr marL="914400" lvl="1" indent="-304800">
               <a:spcBef>
                 <a:spcPts val="1600"/>
               </a:spcBef>
@@ -5648,7 +5769,7 @@
               <a:buChar char="○"/>
               <a:defRPr sz="1200"/>
             </a:lvl2pPr>
-            <a:lvl3pPr indent="-304800" lvl="2" marL="1371600">
+            <a:lvl3pPr marL="1371600" lvl="2" indent="-304800">
               <a:spcBef>
                 <a:spcPts val="1600"/>
               </a:spcBef>
@@ -5659,7 +5780,7 @@
               <a:buChar char="■"/>
               <a:defRPr sz="1200"/>
             </a:lvl3pPr>
-            <a:lvl4pPr indent="-304800" lvl="3" marL="1828800">
+            <a:lvl4pPr marL="1828800" lvl="3" indent="-304800">
               <a:spcBef>
                 <a:spcPts val="1600"/>
               </a:spcBef>
@@ -5670,7 +5791,7 @@
               <a:buChar char="●"/>
               <a:defRPr sz="1200"/>
             </a:lvl4pPr>
-            <a:lvl5pPr indent="-304800" lvl="4" marL="2286000">
+            <a:lvl5pPr marL="2286000" lvl="4" indent="-304800">
               <a:spcBef>
                 <a:spcPts val="1600"/>
               </a:spcBef>
@@ -5681,7 +5802,7 @@
               <a:buChar char="○"/>
               <a:defRPr sz="1200"/>
             </a:lvl5pPr>
-            <a:lvl6pPr indent="-304800" lvl="5" marL="2743200">
+            <a:lvl6pPr marL="2743200" lvl="5" indent="-304800">
               <a:spcBef>
                 <a:spcPts val="1600"/>
               </a:spcBef>
@@ -5692,7 +5813,7 @@
               <a:buChar char="■"/>
               <a:defRPr sz="1200"/>
             </a:lvl6pPr>
-            <a:lvl7pPr indent="-304800" lvl="6" marL="3200400">
+            <a:lvl7pPr marL="3200400" lvl="6" indent="-304800">
               <a:spcBef>
                 <a:spcPts val="1600"/>
               </a:spcBef>
@@ -5703,7 +5824,7 @@
               <a:buChar char="●"/>
               <a:defRPr sz="1200"/>
             </a:lvl7pPr>
-            <a:lvl8pPr indent="-304800" lvl="7" marL="3657600">
+            <a:lvl8pPr marL="3657600" lvl="7" indent="-304800">
               <a:spcBef>
                 <a:spcPts val="1600"/>
               </a:spcBef>
@@ -5714,7 +5835,7 @@
               <a:buChar char="○"/>
               <a:defRPr sz="1200"/>
             </a:lvl8pPr>
-            <a:lvl9pPr indent="-304800" lvl="8" marL="4114800">
+            <a:lvl9pPr marL="4114800" lvl="8" indent="-304800">
               <a:spcBef>
                 <a:spcPts val="1600"/>
               </a:spcBef>
@@ -5726,15 +5847,19 @@
               <a:defRPr sz="1200"/>
             </a:lvl9pPr>
           </a:lstStyle>
-          <a:p/>
+          <a:p>
+            <a:endParaRPr/>
+          </a:p>
         </p:txBody>
       </p:sp>
       <p:sp>
         <p:nvSpPr>
           <p:cNvPr id="34" name="Google Shape;34;p5"/>
-          <p:cNvSpPr txBox="1"/>
+          <p:cNvSpPr txBox="1">
+            <a:spLocks noGrp="1"/>
+          </p:cNvSpPr>
           <p:nvPr>
-            <p:ph idx="12" type="sldNum"/>
+            <p:ph type="sldNum" idx="12"/>
           </p:nvPr>
         </p:nvSpPr>
         <p:spPr>
@@ -5747,7 +5872,7 @@
           </a:prstGeom>
         </p:spPr>
         <p:txBody>
-          <a:bodyPr anchorCtr="0" anchor="ctr" bIns="91425" lIns="91425" spcFirstLastPara="1" rIns="91425" wrap="square" tIns="91425">
+          <a:bodyPr spcFirstLastPara="1" wrap="square" lIns="91425" tIns="91425" rIns="91425" bIns="91425" anchor="ctr" anchorCtr="0">
             <a:noAutofit/>
           </a:bodyPr>
           <a:lstStyle>
@@ -5789,7 +5914,7 @@
             </a:lvl9pPr>
           </a:lstStyle>
           <a:p>
-            <a:pPr indent="0" lvl="0" marL="0" rtl="0" algn="r">
+            <a:pPr marL="0" lvl="0" indent="0" algn="r" rtl="0">
               <a:spcBef>
                 <a:spcPts val="0"/>
               </a:spcBef>
@@ -5815,11 +5940,11 @@
 </file>
 
 <file path=ppt/slideLayouts/slideLayout5.xml><?xml version="1.0" encoding="utf-8"?>
-<p:sldLayout xmlns:a="http://schemas.openxmlformats.org/drawingml/2006/main" xmlns:r="http://schemas.openxmlformats.org/officeDocument/2006/relationships" xmlns:mc="http://schemas.openxmlformats.org/markup-compatibility/2006" xmlns:mv="urn:schemas-microsoft-com:mac:vml" xmlns:p="http://schemas.openxmlformats.org/presentationml/2006/main" xmlns:c="http://schemas.openxmlformats.org/drawingml/2006/chart" xmlns:dgm="http://schemas.openxmlformats.org/drawingml/2006/diagram" xmlns:o="urn:schemas-microsoft-com:office:office" xmlns:v="urn:schemas-microsoft-com:vml" xmlns:pvml="urn:schemas-microsoft-com:office:powerpoint" xmlns:com="http://schemas.openxmlformats.org/drawingml/2006/compatibility" xmlns:p14="http://schemas.microsoft.com/office/powerpoint/2010/main" xmlns:p15="http://schemas.microsoft.com/office/powerpoint/2012/main" xmlns:ahyp="http://schemas.microsoft.com/office/drawing/2018/hyperlinkcolor" matchingName="Title only" type="titleOnly">
+<p:sldLayout xmlns:a="http://schemas.openxmlformats.org/drawingml/2006/main" xmlns:r="http://schemas.openxmlformats.org/officeDocument/2006/relationships" xmlns:p="http://schemas.openxmlformats.org/presentationml/2006/main" matchingName="Title only" type="titleOnly">
   <p:cSld name="TITLE_ONLY">
     <p:spTree>
       <p:nvGrpSpPr>
-        <p:cNvPr id="35" name="Shape 35"/>
+        <p:cNvPr id="1" name="Shape 35"/>
         <p:cNvGrpSpPr/>
         <p:nvPr/>
       </p:nvGrpSpPr>
@@ -5834,7 +5959,9 @@
       <p:sp>
         <p:nvSpPr>
           <p:cNvPr id="36" name="Google Shape;36;p6"/>
-          <p:cNvSpPr txBox="1"/>
+          <p:cNvSpPr txBox="1">
+            <a:spLocks noGrp="1"/>
+          </p:cNvSpPr>
           <p:nvPr>
             <p:ph type="title"/>
           </p:nvPr>
@@ -5849,7 +5976,7 @@
           </a:prstGeom>
         </p:spPr>
         <p:txBody>
-          <a:bodyPr anchorCtr="0" anchor="t" bIns="91425" lIns="91425" spcFirstLastPara="1" rIns="91425" wrap="square" tIns="91425">
+          <a:bodyPr spcFirstLastPara="1" wrap="square" lIns="91425" tIns="91425" rIns="91425" bIns="91425" anchor="t" anchorCtr="0">
             <a:noAutofit/>
           </a:bodyPr>
           <a:lstStyle>
@@ -5953,15 +6080,19 @@
               <a:defRPr/>
             </a:lvl9pPr>
           </a:lstStyle>
-          <a:p/>
+          <a:p>
+            <a:endParaRPr/>
+          </a:p>
         </p:txBody>
       </p:sp>
       <p:sp>
         <p:nvSpPr>
           <p:cNvPr id="37" name="Google Shape;37;p6"/>
-          <p:cNvSpPr txBox="1"/>
+          <p:cNvSpPr txBox="1">
+            <a:spLocks noGrp="1"/>
+          </p:cNvSpPr>
           <p:nvPr>
-            <p:ph idx="12" type="sldNum"/>
+            <p:ph type="sldNum" idx="12"/>
           </p:nvPr>
         </p:nvSpPr>
         <p:spPr>
@@ -5974,7 +6105,7 @@
           </a:prstGeom>
         </p:spPr>
         <p:txBody>
-          <a:bodyPr anchorCtr="0" anchor="ctr" bIns="91425" lIns="91425" spcFirstLastPara="1" rIns="91425" wrap="square" tIns="91425">
+          <a:bodyPr spcFirstLastPara="1" wrap="square" lIns="91425" tIns="91425" rIns="91425" bIns="91425" anchor="ctr" anchorCtr="0">
             <a:noAutofit/>
           </a:bodyPr>
           <a:lstStyle>
@@ -6016,7 +6147,7 @@
             </a:lvl9pPr>
           </a:lstStyle>
           <a:p>
-            <a:pPr indent="0" lvl="0" marL="0" rtl="0" algn="r">
+            <a:pPr marL="0" lvl="0" indent="0" algn="r" rtl="0">
               <a:spcBef>
                 <a:spcPts val="0"/>
               </a:spcBef>
@@ -6042,11 +6173,11 @@
 </file>
 
 <file path=ppt/slideLayouts/slideLayout6.xml><?xml version="1.0" encoding="utf-8"?>
-<p:sldLayout xmlns:a="http://schemas.openxmlformats.org/drawingml/2006/main" xmlns:r="http://schemas.openxmlformats.org/officeDocument/2006/relationships" xmlns:mc="http://schemas.openxmlformats.org/markup-compatibility/2006" xmlns:mv="urn:schemas-microsoft-com:mac:vml" xmlns:p="http://schemas.openxmlformats.org/presentationml/2006/main" xmlns:c="http://schemas.openxmlformats.org/drawingml/2006/chart" xmlns:dgm="http://schemas.openxmlformats.org/drawingml/2006/diagram" xmlns:o="urn:schemas-microsoft-com:office:office" xmlns:v="urn:schemas-microsoft-com:vml" xmlns:pvml="urn:schemas-microsoft-com:office:powerpoint" xmlns:com="http://schemas.openxmlformats.org/drawingml/2006/compatibility" xmlns:p14="http://schemas.microsoft.com/office/powerpoint/2010/main" xmlns:p15="http://schemas.microsoft.com/office/powerpoint/2012/main" xmlns:ahyp="http://schemas.microsoft.com/office/drawing/2018/hyperlinkcolor" matchingName="One column text">
+<p:sldLayout xmlns:a="http://schemas.openxmlformats.org/drawingml/2006/main" xmlns:r="http://schemas.openxmlformats.org/officeDocument/2006/relationships" xmlns:p="http://schemas.openxmlformats.org/presentationml/2006/main" matchingName="One column text">
   <p:cSld name="ONE_COLUMN_TEXT">
     <p:spTree>
       <p:nvGrpSpPr>
-        <p:cNvPr id="38" name="Shape 38"/>
+        <p:cNvPr id="1" name="Shape 38"/>
         <p:cNvGrpSpPr/>
         <p:nvPr/>
       </p:nvGrpSpPr>
@@ -6061,7 +6192,9 @@
       <p:sp>
         <p:nvSpPr>
           <p:cNvPr id="39" name="Google Shape;39;p7"/>
-          <p:cNvSpPr txBox="1"/>
+          <p:cNvSpPr txBox="1">
+            <a:spLocks noGrp="1"/>
+          </p:cNvSpPr>
           <p:nvPr>
             <p:ph type="title"/>
           </p:nvPr>
@@ -6076,7 +6209,7 @@
           </a:prstGeom>
         </p:spPr>
         <p:txBody>
-          <a:bodyPr anchorCtr="0" anchor="b" bIns="91425" lIns="91425" spcFirstLastPara="1" rIns="91425" wrap="square" tIns="91425">
+          <a:bodyPr spcFirstLastPara="1" wrap="square" lIns="91425" tIns="91425" rIns="91425" bIns="91425" anchor="b" anchorCtr="0">
             <a:noAutofit/>
           </a:bodyPr>
           <a:lstStyle>
@@ -6180,15 +6313,19 @@
               <a:defRPr sz="2400"/>
             </a:lvl9pPr>
           </a:lstStyle>
-          <a:p/>
+          <a:p>
+            <a:endParaRPr/>
+          </a:p>
         </p:txBody>
       </p:sp>
       <p:sp>
         <p:nvSpPr>
           <p:cNvPr id="40" name="Google Shape;40;p7"/>
-          <p:cNvSpPr txBox="1"/>
+          <p:cNvSpPr txBox="1">
+            <a:spLocks noGrp="1"/>
+          </p:cNvSpPr>
           <p:nvPr>
-            <p:ph idx="1" type="body"/>
+            <p:ph type="body" idx="1"/>
           </p:nvPr>
         </p:nvSpPr>
         <p:spPr>
@@ -6201,11 +6338,11 @@
           </a:prstGeom>
         </p:spPr>
         <p:txBody>
-          <a:bodyPr anchorCtr="0" anchor="t" bIns="91425" lIns="91425" spcFirstLastPara="1" rIns="91425" wrap="square" tIns="91425">
+          <a:bodyPr spcFirstLastPara="1" wrap="square" lIns="91425" tIns="91425" rIns="91425" bIns="91425" anchor="t" anchorCtr="0">
             <a:noAutofit/>
           </a:bodyPr>
           <a:lstStyle>
-            <a:lvl1pPr indent="-304800" lvl="0" marL="457200">
+            <a:lvl1pPr marL="457200" lvl="0" indent="-304800">
               <a:spcBef>
                 <a:spcPts val="0"/>
               </a:spcBef>
@@ -6216,7 +6353,7 @@
               <a:buChar char="●"/>
               <a:defRPr sz="1200"/>
             </a:lvl1pPr>
-            <a:lvl2pPr indent="-304800" lvl="1" marL="914400">
+            <a:lvl2pPr marL="914400" lvl="1" indent="-304800">
               <a:spcBef>
                 <a:spcPts val="1600"/>
               </a:spcBef>
@@ -6227,7 +6364,7 @@
               <a:buChar char="○"/>
               <a:defRPr sz="1200"/>
             </a:lvl2pPr>
-            <a:lvl3pPr indent="-304800" lvl="2" marL="1371600">
+            <a:lvl3pPr marL="1371600" lvl="2" indent="-304800">
               <a:spcBef>
                 <a:spcPts val="1600"/>
               </a:spcBef>
@@ -6238,7 +6375,7 @@
               <a:buChar char="■"/>
               <a:defRPr sz="1200"/>
             </a:lvl3pPr>
-            <a:lvl4pPr indent="-304800" lvl="3" marL="1828800">
+            <a:lvl4pPr marL="1828800" lvl="3" indent="-304800">
               <a:spcBef>
                 <a:spcPts val="1600"/>
               </a:spcBef>
@@ -6249,7 +6386,7 @@
               <a:buChar char="●"/>
               <a:defRPr sz="1200"/>
             </a:lvl4pPr>
-            <a:lvl5pPr indent="-304800" lvl="4" marL="2286000">
+            <a:lvl5pPr marL="2286000" lvl="4" indent="-304800">
               <a:spcBef>
                 <a:spcPts val="1600"/>
               </a:spcBef>
@@ -6260,7 +6397,7 @@
               <a:buChar char="○"/>
               <a:defRPr sz="1200"/>
             </a:lvl5pPr>
-            <a:lvl6pPr indent="-304800" lvl="5" marL="2743200">
+            <a:lvl6pPr marL="2743200" lvl="5" indent="-304800">
               <a:spcBef>
                 <a:spcPts val="1600"/>
               </a:spcBef>
@@ -6271,7 +6408,7 @@
               <a:buChar char="■"/>
               <a:defRPr sz="1200"/>
             </a:lvl6pPr>
-            <a:lvl7pPr indent="-304800" lvl="6" marL="3200400">
+            <a:lvl7pPr marL="3200400" lvl="6" indent="-304800">
               <a:spcBef>
                 <a:spcPts val="1600"/>
               </a:spcBef>
@@ -6282,7 +6419,7 @@
               <a:buChar char="●"/>
               <a:defRPr sz="1200"/>
             </a:lvl7pPr>
-            <a:lvl8pPr indent="-304800" lvl="7" marL="3657600">
+            <a:lvl8pPr marL="3657600" lvl="7" indent="-304800">
               <a:spcBef>
                 <a:spcPts val="1600"/>
               </a:spcBef>
@@ -6293,7 +6430,7 @@
               <a:buChar char="○"/>
               <a:defRPr sz="1200"/>
             </a:lvl8pPr>
-            <a:lvl9pPr indent="-304800" lvl="8" marL="4114800">
+            <a:lvl9pPr marL="4114800" lvl="8" indent="-304800">
               <a:spcBef>
                 <a:spcPts val="1600"/>
               </a:spcBef>
@@ -6305,15 +6442,19 @@
               <a:defRPr sz="1200"/>
             </a:lvl9pPr>
           </a:lstStyle>
-          <a:p/>
+          <a:p>
+            <a:endParaRPr/>
+          </a:p>
         </p:txBody>
       </p:sp>
       <p:sp>
         <p:nvSpPr>
           <p:cNvPr id="41" name="Google Shape;41;p7"/>
-          <p:cNvSpPr txBox="1"/>
+          <p:cNvSpPr txBox="1">
+            <a:spLocks noGrp="1"/>
+          </p:cNvSpPr>
           <p:nvPr>
-            <p:ph idx="12" type="sldNum"/>
+            <p:ph type="sldNum" idx="12"/>
           </p:nvPr>
         </p:nvSpPr>
         <p:spPr>
@@ -6326,7 +6467,7 @@
           </a:prstGeom>
         </p:spPr>
         <p:txBody>
-          <a:bodyPr anchorCtr="0" anchor="ctr" bIns="91425" lIns="91425" spcFirstLastPara="1" rIns="91425" wrap="square" tIns="91425">
+          <a:bodyPr spcFirstLastPara="1" wrap="square" lIns="91425" tIns="91425" rIns="91425" bIns="91425" anchor="ctr" anchorCtr="0">
             <a:noAutofit/>
           </a:bodyPr>
           <a:lstStyle>
@@ -6368,7 +6509,7 @@
             </a:lvl9pPr>
           </a:lstStyle>
           <a:p>
-            <a:pPr indent="0" lvl="0" marL="0" rtl="0" algn="r">
+            <a:pPr marL="0" lvl="0" indent="0" algn="r" rtl="0">
               <a:spcBef>
                 <a:spcPts val="0"/>
               </a:spcBef>
@@ -6394,18 +6535,19 @@
 </file>
 
 <file path=ppt/slideLayouts/slideLayout7.xml><?xml version="1.0" encoding="utf-8"?>
-<p:sldLayout xmlns:a="http://schemas.openxmlformats.org/drawingml/2006/main" xmlns:r="http://schemas.openxmlformats.org/officeDocument/2006/relationships" xmlns:mc="http://schemas.openxmlformats.org/markup-compatibility/2006" xmlns:mv="urn:schemas-microsoft-com:mac:vml" xmlns:p="http://schemas.openxmlformats.org/presentationml/2006/main" xmlns:c="http://schemas.openxmlformats.org/drawingml/2006/chart" xmlns:dgm="http://schemas.openxmlformats.org/drawingml/2006/diagram" xmlns:o="urn:schemas-microsoft-com:office:office" xmlns:v="urn:schemas-microsoft-com:vml" xmlns:pvml="urn:schemas-microsoft-com:office:powerpoint" xmlns:com="http://schemas.openxmlformats.org/drawingml/2006/compatibility" xmlns:p14="http://schemas.microsoft.com/office/powerpoint/2010/main" xmlns:p15="http://schemas.microsoft.com/office/powerpoint/2012/main" xmlns:ahyp="http://schemas.microsoft.com/office/drawing/2018/hyperlinkcolor" matchingName="Main point">
+<p:sldLayout xmlns:a="http://schemas.openxmlformats.org/drawingml/2006/main" xmlns:r="http://schemas.openxmlformats.org/officeDocument/2006/relationships" xmlns:p="http://schemas.openxmlformats.org/presentationml/2006/main" matchingName="Main point">
   <p:cSld name="MAIN_POINT">
     <p:bg>
       <p:bgPr>
         <a:solidFill>
           <a:schemeClr val="accent6"/>
         </a:solidFill>
+        <a:effectLst/>
       </p:bgPr>
     </p:bg>
     <p:spTree>
       <p:nvGrpSpPr>
-        <p:cNvPr id="42" name="Shape 42"/>
+        <p:cNvPr id="1" name="Shape 42"/>
         <p:cNvGrpSpPr/>
         <p:nvPr/>
       </p:nvGrpSpPr>
@@ -6420,7 +6562,9 @@
       <p:sp>
         <p:nvSpPr>
           <p:cNvPr id="43" name="Google Shape;43;p8"/>
-          <p:cNvSpPr txBox="1"/>
+          <p:cNvSpPr txBox="1">
+            <a:spLocks noGrp="1"/>
+          </p:cNvSpPr>
           <p:nvPr>
             <p:ph type="title"/>
           </p:nvPr>
@@ -6435,7 +6579,7 @@
           </a:prstGeom>
         </p:spPr>
         <p:txBody>
-          <a:bodyPr anchorCtr="0" anchor="ctr" bIns="91425" lIns="91425" spcFirstLastPara="1" rIns="91425" wrap="square" tIns="91425">
+          <a:bodyPr spcFirstLastPara="1" wrap="square" lIns="91425" tIns="91425" rIns="91425" bIns="91425" anchor="ctr" anchorCtr="0">
             <a:noAutofit/>
           </a:bodyPr>
           <a:lstStyle>
@@ -6451,7 +6595,7 @@
               </a:buClr>
               <a:buSzPts val="5400"/>
               <a:buNone/>
-              <a:defRPr b="0" sz="5400">
+              <a:defRPr sz="5400" b="0">
                 <a:solidFill>
                   <a:schemeClr val="dk2"/>
                 </a:solidFill>
@@ -6469,7 +6613,7 @@
               </a:buClr>
               <a:buSzPts val="5400"/>
               <a:buNone/>
-              <a:defRPr b="0" sz="5400">
+              <a:defRPr sz="5400" b="0">
                 <a:solidFill>
                   <a:schemeClr val="dk2"/>
                 </a:solidFill>
@@ -6487,7 +6631,7 @@
               </a:buClr>
               <a:buSzPts val="5400"/>
               <a:buNone/>
-              <a:defRPr b="0" sz="5400">
+              <a:defRPr sz="5400" b="0">
                 <a:solidFill>
                   <a:schemeClr val="dk2"/>
                 </a:solidFill>
@@ -6505,7 +6649,7 @@
               </a:buClr>
               <a:buSzPts val="5400"/>
               <a:buNone/>
-              <a:defRPr b="0" sz="5400">
+              <a:defRPr sz="5400" b="0">
                 <a:solidFill>
                   <a:schemeClr val="dk2"/>
                 </a:solidFill>
@@ -6523,7 +6667,7 @@
               </a:buClr>
               <a:buSzPts val="5400"/>
               <a:buNone/>
-              <a:defRPr b="0" sz="5400">
+              <a:defRPr sz="5400" b="0">
                 <a:solidFill>
                   <a:schemeClr val="dk2"/>
                 </a:solidFill>
@@ -6541,7 +6685,7 @@
               </a:buClr>
               <a:buSzPts val="5400"/>
               <a:buNone/>
-              <a:defRPr b="0" sz="5400">
+              <a:defRPr sz="5400" b="0">
                 <a:solidFill>
                   <a:schemeClr val="dk2"/>
                 </a:solidFill>
@@ -6559,7 +6703,7 @@
               </a:buClr>
               <a:buSzPts val="5400"/>
               <a:buNone/>
-              <a:defRPr b="0" sz="5400">
+              <a:defRPr sz="5400" b="0">
                 <a:solidFill>
                   <a:schemeClr val="dk2"/>
                 </a:solidFill>
@@ -6577,7 +6721,7 @@
               </a:buClr>
               <a:buSzPts val="5400"/>
               <a:buNone/>
-              <a:defRPr b="0" sz="5400">
+              <a:defRPr sz="5400" b="0">
                 <a:solidFill>
                   <a:schemeClr val="dk2"/>
                 </a:solidFill>
@@ -6595,22 +6739,26 @@
               </a:buClr>
               <a:buSzPts val="5400"/>
               <a:buNone/>
-              <a:defRPr b="0" sz="5400">
+              <a:defRPr sz="5400" b="0">
                 <a:solidFill>
                   <a:schemeClr val="dk2"/>
                 </a:solidFill>
               </a:defRPr>
             </a:lvl9pPr>
           </a:lstStyle>
-          <a:p/>
+          <a:p>
+            <a:endParaRPr/>
+          </a:p>
         </p:txBody>
       </p:sp>
       <p:sp>
         <p:nvSpPr>
           <p:cNvPr id="44" name="Google Shape;44;p8"/>
-          <p:cNvSpPr txBox="1"/>
+          <p:cNvSpPr txBox="1">
+            <a:spLocks noGrp="1"/>
+          </p:cNvSpPr>
           <p:nvPr>
-            <p:ph idx="12" type="sldNum"/>
+            <p:ph type="sldNum" idx="12"/>
           </p:nvPr>
         </p:nvSpPr>
         <p:spPr>
@@ -6623,7 +6771,7 @@
           </a:prstGeom>
         </p:spPr>
         <p:txBody>
-          <a:bodyPr anchorCtr="0" anchor="ctr" bIns="91425" lIns="91425" spcFirstLastPara="1" rIns="91425" wrap="square" tIns="91425">
+          <a:bodyPr spcFirstLastPara="1" wrap="square" lIns="91425" tIns="91425" rIns="91425" bIns="91425" anchor="ctr" anchorCtr="0">
             <a:noAutofit/>
           </a:bodyPr>
           <a:lstStyle>
@@ -6665,7 +6813,7 @@
             </a:lvl9pPr>
           </a:lstStyle>
           <a:p>
-            <a:pPr indent="0" lvl="0" marL="0" rtl="0" algn="r">
+            <a:pPr marL="0" lvl="0" indent="0" algn="r" rtl="0">
               <a:spcBef>
                 <a:spcPts val="0"/>
               </a:spcBef>
@@ -6691,11 +6839,11 @@
 </file>
 
 <file path=ppt/slideLayouts/slideLayout8.xml><?xml version="1.0" encoding="utf-8"?>
-<p:sldLayout xmlns:a="http://schemas.openxmlformats.org/drawingml/2006/main" xmlns:r="http://schemas.openxmlformats.org/officeDocument/2006/relationships" xmlns:mc="http://schemas.openxmlformats.org/markup-compatibility/2006" xmlns:mv="urn:schemas-microsoft-com:mac:vml" xmlns:p="http://schemas.openxmlformats.org/presentationml/2006/main" xmlns:c="http://schemas.openxmlformats.org/drawingml/2006/chart" xmlns:dgm="http://schemas.openxmlformats.org/drawingml/2006/diagram" xmlns:o="urn:schemas-microsoft-com:office:office" xmlns:v="urn:schemas-microsoft-com:vml" xmlns:pvml="urn:schemas-microsoft-com:office:powerpoint" xmlns:com="http://schemas.openxmlformats.org/drawingml/2006/compatibility" xmlns:p14="http://schemas.microsoft.com/office/powerpoint/2010/main" xmlns:p15="http://schemas.microsoft.com/office/powerpoint/2012/main" xmlns:ahyp="http://schemas.microsoft.com/office/drawing/2018/hyperlinkcolor" matchingName="Section title and description">
+<p:sldLayout xmlns:a="http://schemas.openxmlformats.org/drawingml/2006/main" xmlns:r="http://schemas.openxmlformats.org/officeDocument/2006/relationships" xmlns:p="http://schemas.openxmlformats.org/presentationml/2006/main" matchingName="Section title and description">
   <p:cSld name="SECTION_TITLE_AND_DESCRIPTION">
     <p:spTree>
       <p:nvGrpSpPr>
-        <p:cNvPr id="45" name="Shape 45"/>
+        <p:cNvPr id="1" name="Shape 45"/>
         <p:cNvGrpSpPr/>
         <p:nvPr/>
       </p:nvGrpSpPr>
@@ -6729,23 +6877,20 @@
           </a:ln>
         </p:spPr>
         <p:txBody>
-          <a:bodyPr anchorCtr="0" anchor="ctr" bIns="91425" lIns="91425" spcFirstLastPara="1" rIns="91425" wrap="square" tIns="91425">
+          <a:bodyPr spcFirstLastPara="1" wrap="square" lIns="91425" tIns="91425" rIns="91425" bIns="91425" anchor="ctr" anchorCtr="0">
             <a:noAutofit/>
           </a:bodyPr>
           <a:lstStyle/>
           <a:p>
-            <a:pPr indent="0" lvl="0" marL="0" rtl="0" algn="l">
-              <a:spcBef>
-                <a:spcPts val="0"/>
-              </a:spcBef>
-              <a:spcAft>
-                <a:spcPts val="0"/>
-              </a:spcAft>
-              <a:buNone/>
-            </a:pPr>
-            <a:r>
-              <a:t/>
-            </a:r>
+            <a:pPr marL="0" lvl="0" indent="0" algn="l" rtl="0">
+              <a:spcBef>
+                <a:spcPts val="0"/>
+              </a:spcBef>
+              <a:spcAft>
+                <a:spcPts val="0"/>
+              </a:spcAft>
+              <a:buNone/>
+            </a:pPr>
             <a:endParaRPr/>
           </a:p>
         </p:txBody>
@@ -6765,21 +6910,23 @@
             <a:avLst/>
           </a:prstGeom>
           <a:noFill/>
-          <a:ln cap="flat" cmpd="sng" w="19050">
+          <a:ln w="19050" cap="flat" cmpd="sng">
             <a:solidFill>
               <a:schemeClr val="lt1"/>
             </a:solidFill>
             <a:prstDash val="solid"/>
             <a:round/>
-            <a:headEnd len="sm" w="sm" type="none"/>
-            <a:tailEnd len="sm" w="sm" type="none"/>
+            <a:headEnd type="none" w="sm" len="sm"/>
+            <a:tailEnd type="none" w="sm" len="sm"/>
           </a:ln>
         </p:spPr>
       </p:cxnSp>
       <p:sp>
         <p:nvSpPr>
           <p:cNvPr id="48" name="Google Shape;48;p9"/>
-          <p:cNvSpPr txBox="1"/>
+          <p:cNvSpPr txBox="1">
+            <a:spLocks noGrp="1"/>
+          </p:cNvSpPr>
           <p:nvPr>
             <p:ph type="title"/>
           </p:nvPr>
@@ -6794,7 +6941,7 @@
           </a:prstGeom>
         </p:spPr>
         <p:txBody>
-          <a:bodyPr anchorCtr="0" anchor="b" bIns="91425" lIns="91425" spcFirstLastPara="1" rIns="91425" wrap="square" tIns="91425">
+          <a:bodyPr spcFirstLastPara="1" wrap="square" lIns="91425" tIns="91425" rIns="91425" bIns="91425" anchor="b" anchorCtr="0">
             <a:noAutofit/>
           </a:bodyPr>
           <a:lstStyle>
@@ -6898,15 +7045,19 @@
               <a:defRPr sz="4200"/>
             </a:lvl9pPr>
           </a:lstStyle>
-          <a:p/>
+          <a:p>
+            <a:endParaRPr/>
+          </a:p>
         </p:txBody>
       </p:sp>
       <p:sp>
         <p:nvSpPr>
           <p:cNvPr id="49" name="Google Shape;49;p9"/>
-          <p:cNvSpPr txBox="1"/>
+          <p:cNvSpPr txBox="1">
+            <a:spLocks noGrp="1"/>
+          </p:cNvSpPr>
           <p:nvPr>
-            <p:ph idx="1" type="subTitle"/>
+            <p:ph type="subTitle" idx="1"/>
           </p:nvPr>
         </p:nvSpPr>
         <p:spPr>
@@ -6919,7 +7070,7 @@
           </a:prstGeom>
         </p:spPr>
         <p:txBody>
-          <a:bodyPr anchorCtr="0" anchor="t" bIns="91425" lIns="91425" spcFirstLastPara="1" rIns="91425" wrap="square" tIns="91425">
+          <a:bodyPr spcFirstLastPara="1" wrap="square" lIns="91425" tIns="91425" rIns="91425" bIns="91425" anchor="t" anchorCtr="0">
             <a:noAutofit/>
           </a:bodyPr>
           <a:lstStyle>
@@ -7050,15 +7201,19 @@
               <a:defRPr sz="2100"/>
             </a:lvl9pPr>
           </a:lstStyle>
-          <a:p/>
+          <a:p>
+            <a:endParaRPr/>
+          </a:p>
         </p:txBody>
       </p:sp>
       <p:sp>
         <p:nvSpPr>
           <p:cNvPr id="50" name="Google Shape;50;p9"/>
-          <p:cNvSpPr txBox="1"/>
+          <p:cNvSpPr txBox="1">
+            <a:spLocks noGrp="1"/>
+          </p:cNvSpPr>
           <p:nvPr>
-            <p:ph idx="2" type="body"/>
+            <p:ph type="body" idx="2"/>
           </p:nvPr>
         </p:nvSpPr>
         <p:spPr>
@@ -7071,11 +7226,11 @@
           </a:prstGeom>
         </p:spPr>
         <p:txBody>
-          <a:bodyPr anchorCtr="0" anchor="ctr" bIns="91425" lIns="91425" spcFirstLastPara="1" rIns="91425" wrap="square" tIns="91425">
+          <a:bodyPr spcFirstLastPara="1" wrap="square" lIns="91425" tIns="91425" rIns="91425" bIns="91425" anchor="ctr" anchorCtr="0">
             <a:noAutofit/>
           </a:bodyPr>
           <a:lstStyle>
-            <a:lvl1pPr indent="-342900" lvl="0" marL="457200">
+            <a:lvl1pPr marL="457200" lvl="0" indent="-342900">
               <a:spcBef>
                 <a:spcPts val="0"/>
               </a:spcBef>
@@ -7093,7 +7248,7 @@
                 </a:solidFill>
               </a:defRPr>
             </a:lvl1pPr>
-            <a:lvl2pPr indent="-317500" lvl="1" marL="914400">
+            <a:lvl2pPr marL="914400" lvl="1" indent="-317500">
               <a:spcBef>
                 <a:spcPts val="1600"/>
               </a:spcBef>
@@ -7111,7 +7266,7 @@
                 </a:solidFill>
               </a:defRPr>
             </a:lvl2pPr>
-            <a:lvl3pPr indent="-317500" lvl="2" marL="1371600">
+            <a:lvl3pPr marL="1371600" lvl="2" indent="-317500">
               <a:spcBef>
                 <a:spcPts val="1600"/>
               </a:spcBef>
@@ -7129,7 +7284,7 @@
                 </a:solidFill>
               </a:defRPr>
             </a:lvl3pPr>
-            <a:lvl4pPr indent="-317500" lvl="3" marL="1828800">
+            <a:lvl4pPr marL="1828800" lvl="3" indent="-317500">
               <a:spcBef>
                 <a:spcPts val="1600"/>
               </a:spcBef>
@@ -7147,7 +7302,7 @@
                 </a:solidFill>
               </a:defRPr>
             </a:lvl4pPr>
-            <a:lvl5pPr indent="-317500" lvl="4" marL="2286000">
+            <a:lvl5pPr marL="2286000" lvl="4" indent="-317500">
               <a:spcBef>
                 <a:spcPts val="1600"/>
               </a:spcBef>
@@ -7165,7 +7320,7 @@
                 </a:solidFill>
               </a:defRPr>
             </a:lvl5pPr>
-            <a:lvl6pPr indent="-317500" lvl="5" marL="2743200">
+            <a:lvl6pPr marL="2743200" lvl="5" indent="-317500">
               <a:spcBef>
                 <a:spcPts val="1600"/>
               </a:spcBef>
@@ -7183,7 +7338,7 @@
                 </a:solidFill>
               </a:defRPr>
             </a:lvl6pPr>
-            <a:lvl7pPr indent="-317500" lvl="6" marL="3200400">
+            <a:lvl7pPr marL="3200400" lvl="6" indent="-317500">
               <a:spcBef>
                 <a:spcPts val="1600"/>
               </a:spcBef>
@@ -7201,7 +7356,7 @@
                 </a:solidFill>
               </a:defRPr>
             </a:lvl7pPr>
-            <a:lvl8pPr indent="-317500" lvl="7" marL="3657600">
+            <a:lvl8pPr marL="3657600" lvl="7" indent="-317500">
               <a:spcBef>
                 <a:spcPts val="1600"/>
               </a:spcBef>
@@ -7219,7 +7374,7 @@
                 </a:solidFill>
               </a:defRPr>
             </a:lvl8pPr>
-            <a:lvl9pPr indent="-317500" lvl="8" marL="4114800">
+            <a:lvl9pPr marL="4114800" lvl="8" indent="-317500">
               <a:spcBef>
                 <a:spcPts val="1600"/>
               </a:spcBef>
@@ -7238,15 +7393,19 @@
               </a:defRPr>
             </a:lvl9pPr>
           </a:lstStyle>
-          <a:p/>
+          <a:p>
+            <a:endParaRPr/>
+          </a:p>
         </p:txBody>
       </p:sp>
       <p:sp>
         <p:nvSpPr>
           <p:cNvPr id="51" name="Google Shape;51;p9"/>
-          <p:cNvSpPr txBox="1"/>
+          <p:cNvSpPr txBox="1">
+            <a:spLocks noGrp="1"/>
+          </p:cNvSpPr>
           <p:nvPr>
-            <p:ph idx="12" type="sldNum"/>
+            <p:ph type="sldNum" idx="12"/>
           </p:nvPr>
         </p:nvSpPr>
         <p:spPr>
@@ -7259,7 +7418,7 @@
           </a:prstGeom>
         </p:spPr>
         <p:txBody>
-          <a:bodyPr anchorCtr="0" anchor="ctr" bIns="91425" lIns="91425" spcFirstLastPara="1" rIns="91425" wrap="square" tIns="91425">
+          <a:bodyPr spcFirstLastPara="1" wrap="square" lIns="91425" tIns="91425" rIns="91425" bIns="91425" anchor="ctr" anchorCtr="0">
             <a:noAutofit/>
           </a:bodyPr>
           <a:lstStyle>
@@ -7337,7 +7496,7 @@
             </a:lvl9pPr>
           </a:lstStyle>
           <a:p>
-            <a:pPr indent="0" lvl="0" marL="0" rtl="0" algn="r">
+            <a:pPr marL="0" lvl="0" indent="0" algn="r" rtl="0">
               <a:spcBef>
                 <a:spcPts val="0"/>
               </a:spcBef>
@@ -7363,11 +7522,11 @@
 </file>
 
 <file path=ppt/slideLayouts/slideLayout9.xml><?xml version="1.0" encoding="utf-8"?>
-<p:sldLayout xmlns:a="http://schemas.openxmlformats.org/drawingml/2006/main" xmlns:r="http://schemas.openxmlformats.org/officeDocument/2006/relationships" xmlns:mc="http://schemas.openxmlformats.org/markup-compatibility/2006" xmlns:mv="urn:schemas-microsoft-com:mac:vml" xmlns:p="http://schemas.openxmlformats.org/presentationml/2006/main" xmlns:c="http://schemas.openxmlformats.org/drawingml/2006/chart" xmlns:dgm="http://schemas.openxmlformats.org/drawingml/2006/diagram" xmlns:o="urn:schemas-microsoft-com:office:office" xmlns:v="urn:schemas-microsoft-com:vml" xmlns:pvml="urn:schemas-microsoft-com:office:powerpoint" xmlns:com="http://schemas.openxmlformats.org/drawingml/2006/compatibility" xmlns:p14="http://schemas.microsoft.com/office/powerpoint/2010/main" xmlns:p15="http://schemas.microsoft.com/office/powerpoint/2012/main" xmlns:ahyp="http://schemas.microsoft.com/office/drawing/2018/hyperlinkcolor" matchingName="Caption">
+<p:sldLayout xmlns:a="http://schemas.openxmlformats.org/drawingml/2006/main" xmlns:r="http://schemas.openxmlformats.org/officeDocument/2006/relationships" xmlns:p="http://schemas.openxmlformats.org/presentationml/2006/main" matchingName="Caption">
   <p:cSld name="CAPTION_ONLY">
     <p:spTree>
       <p:nvGrpSpPr>
-        <p:cNvPr id="52" name="Shape 52"/>
+        <p:cNvPr id="1" name="Shape 52"/>
         <p:cNvGrpSpPr/>
         <p:nvPr/>
       </p:nvGrpSpPr>
@@ -7382,9 +7541,11 @@
       <p:sp>
         <p:nvSpPr>
           <p:cNvPr id="53" name="Google Shape;53;p10"/>
-          <p:cNvSpPr txBox="1"/>
+          <p:cNvSpPr txBox="1">
+            <a:spLocks noGrp="1"/>
+          </p:cNvSpPr>
           <p:nvPr>
-            <p:ph idx="1" type="body"/>
+            <p:ph type="body" idx="1"/>
           </p:nvPr>
         </p:nvSpPr>
         <p:spPr>
@@ -7397,11 +7558,11 @@
           </a:prstGeom>
         </p:spPr>
         <p:txBody>
-          <a:bodyPr anchorCtr="0" anchor="ctr" bIns="91425" lIns="91425" spcFirstLastPara="1" rIns="91425" wrap="square" tIns="91425">
+          <a:bodyPr spcFirstLastPara="1" wrap="square" lIns="91425" tIns="91425" rIns="91425" bIns="91425" anchor="ctr" anchorCtr="0">
             <a:noAutofit/>
           </a:bodyPr>
           <a:lstStyle>
-            <a:lvl1pPr indent="-228600" lvl="0" marL="457200">
+            <a:lvl1pPr marL="457200" lvl="0" indent="-228600">
               <a:lnSpc>
                 <a:spcPct val="100000"/>
               </a:lnSpc>
@@ -7422,15 +7583,19 @@
               </a:defRPr>
             </a:lvl1pPr>
           </a:lstStyle>
-          <a:p/>
+          <a:p>
+            <a:endParaRPr/>
+          </a:p>
         </p:txBody>
       </p:sp>
       <p:sp>
         <p:nvSpPr>
           <p:cNvPr id="54" name="Google Shape;54;p10"/>
-          <p:cNvSpPr txBox="1"/>
+          <p:cNvSpPr txBox="1">
+            <a:spLocks noGrp="1"/>
+          </p:cNvSpPr>
           <p:nvPr>
-            <p:ph idx="12" type="sldNum"/>
+            <p:ph type="sldNum" idx="12"/>
           </p:nvPr>
         </p:nvSpPr>
         <p:spPr>
@@ -7443,7 +7608,7 @@
           </a:prstGeom>
         </p:spPr>
         <p:txBody>
-          <a:bodyPr anchorCtr="0" anchor="ctr" bIns="91425" lIns="91425" spcFirstLastPara="1" rIns="91425" wrap="square" tIns="91425">
+          <a:bodyPr spcFirstLastPara="1" wrap="square" lIns="91425" tIns="91425" rIns="91425" bIns="91425" anchor="ctr" anchorCtr="0">
             <a:noAutofit/>
           </a:bodyPr>
           <a:lstStyle>
@@ -7485,7 +7650,7 @@
             </a:lvl9pPr>
           </a:lstStyle>
           <a:p>
-            <a:pPr indent="0" lvl="0" marL="0" rtl="0" algn="r">
+            <a:pPr marL="0" lvl="0" indent="0" algn="r" rtl="0">
               <a:spcBef>
                 <a:spcPts val="0"/>
               </a:spcBef>
@@ -7511,18 +7676,19 @@
 </file>
 
 <file path=ppt/slideMasters/slideMaster1.xml><?xml version="1.0" encoding="utf-8"?>
-<p:sldMaster xmlns:a="http://schemas.openxmlformats.org/drawingml/2006/main" xmlns:r="http://schemas.openxmlformats.org/officeDocument/2006/relationships" xmlns:mc="http://schemas.openxmlformats.org/markup-compatibility/2006" xmlns:mv="urn:schemas-microsoft-com:mac:vml" xmlns:p="http://schemas.openxmlformats.org/presentationml/2006/main" xmlns:c="http://schemas.openxmlformats.org/drawingml/2006/chart" xmlns:dgm="http://schemas.openxmlformats.org/drawingml/2006/diagram" xmlns:o="urn:schemas-microsoft-com:office:office" xmlns:v="urn:schemas-microsoft-com:vml" xmlns:pvml="urn:schemas-microsoft-com:office:powerpoint" xmlns:com="http://schemas.openxmlformats.org/drawingml/2006/compatibility" xmlns:p14="http://schemas.microsoft.com/office/powerpoint/2010/main" xmlns:p15="http://schemas.microsoft.com/office/powerpoint/2012/main" xmlns:ahyp="http://schemas.microsoft.com/office/drawing/2018/hyperlinkcolor">
+<p:sldMaster xmlns:a="http://schemas.openxmlformats.org/drawingml/2006/main" xmlns:r="http://schemas.openxmlformats.org/officeDocument/2006/relationships" xmlns:p="http://schemas.openxmlformats.org/presentationml/2006/main">
   <p:cSld name="tropic">
     <p:bg>
       <p:bgPr>
         <a:solidFill>
           <a:schemeClr val="lt1"/>
         </a:solidFill>
+        <a:effectLst/>
       </p:bgPr>
     </p:bg>
     <p:spTree>
       <p:nvGrpSpPr>
-        <p:cNvPr id="5" name="Shape 5"/>
+        <p:cNvPr id="1" name="Shape 5"/>
         <p:cNvGrpSpPr/>
         <p:nvPr/>
       </p:nvGrpSpPr>
@@ -7537,7 +7703,9 @@
       <p:sp>
         <p:nvSpPr>
           <p:cNvPr id="6" name="Google Shape;6;p1"/>
-          <p:cNvSpPr txBox="1"/>
+          <p:cNvSpPr txBox="1">
+            <a:spLocks noGrp="1"/>
+          </p:cNvSpPr>
           <p:nvPr>
             <p:ph type="title"/>
           </p:nvPr>
@@ -7556,7 +7724,7 @@
           </a:ln>
         </p:spPr>
         <p:txBody>
-          <a:bodyPr anchorCtr="0" anchor="t" bIns="91425" lIns="91425" spcFirstLastPara="1" rIns="91425" wrap="square" tIns="91425">
+          <a:bodyPr spcFirstLastPara="1" wrap="square" lIns="91425" tIns="91425" rIns="91425" bIns="91425" anchor="t" anchorCtr="0">
             <a:noAutofit/>
           </a:bodyPr>
           <a:lstStyle>
@@ -7573,7 +7741,7 @@
               <a:buSzPts val="3600"/>
               <a:buFont typeface="PT Sans Narrow"/>
               <a:buNone/>
-              <a:defRPr b="1" sz="3600">
+              <a:defRPr sz="3600" b="1">
                 <a:solidFill>
                   <a:schemeClr val="accent1"/>
                 </a:solidFill>
@@ -7596,7 +7764,7 @@
               <a:buSzPts val="3600"/>
               <a:buFont typeface="PT Sans Narrow"/>
               <a:buNone/>
-              <a:defRPr b="1" sz="3600">
+              <a:defRPr sz="3600" b="1">
                 <a:solidFill>
                   <a:schemeClr val="accent1"/>
                 </a:solidFill>
@@ -7619,7 +7787,7 @@
               <a:buSzPts val="3600"/>
               <a:buFont typeface="PT Sans Narrow"/>
               <a:buNone/>
-              <a:defRPr b="1" sz="3600">
+              <a:defRPr sz="3600" b="1">
                 <a:solidFill>
                   <a:schemeClr val="accent1"/>
                 </a:solidFill>
@@ -7642,7 +7810,7 @@
               <a:buSzPts val="3600"/>
               <a:buFont typeface="PT Sans Narrow"/>
               <a:buNone/>
-              <a:defRPr b="1" sz="3600">
+              <a:defRPr sz="3600" b="1">
                 <a:solidFill>
                   <a:schemeClr val="accent1"/>
                 </a:solidFill>
@@ -7665,7 +7833,7 @@
               <a:buSzPts val="3600"/>
               <a:buFont typeface="PT Sans Narrow"/>
               <a:buNone/>
-              <a:defRPr b="1" sz="3600">
+              <a:defRPr sz="3600" b="1">
                 <a:solidFill>
                   <a:schemeClr val="accent1"/>
                 </a:solidFill>
@@ -7688,7 +7856,7 @@
               <a:buSzPts val="3600"/>
               <a:buFont typeface="PT Sans Narrow"/>
               <a:buNone/>
-              <a:defRPr b="1" sz="3600">
+              <a:defRPr sz="3600" b="1">
                 <a:solidFill>
                   <a:schemeClr val="accent1"/>
                 </a:solidFill>
@@ -7711,7 +7879,7 @@
               <a:buSzPts val="3600"/>
               <a:buFont typeface="PT Sans Narrow"/>
               <a:buNone/>
-              <a:defRPr b="1" sz="3600">
+              <a:defRPr sz="3600" b="1">
                 <a:solidFill>
                   <a:schemeClr val="accent1"/>
                 </a:solidFill>
@@ -7734,7 +7902,7 @@
               <a:buSzPts val="3600"/>
               <a:buFont typeface="PT Sans Narrow"/>
               <a:buNone/>
-              <a:defRPr b="1" sz="3600">
+              <a:defRPr sz="3600" b="1">
                 <a:solidFill>
                   <a:schemeClr val="accent1"/>
                 </a:solidFill>
@@ -7757,7 +7925,7 @@
               <a:buSzPts val="3600"/>
               <a:buFont typeface="PT Sans Narrow"/>
               <a:buNone/>
-              <a:defRPr b="1" sz="3600">
+              <a:defRPr sz="3600" b="1">
                 <a:solidFill>
                   <a:schemeClr val="accent1"/>
                 </a:solidFill>
@@ -7768,15 +7936,19 @@
               </a:defRPr>
             </a:lvl9pPr>
           </a:lstStyle>
-          <a:p/>
+          <a:p>
+            <a:endParaRPr/>
+          </a:p>
         </p:txBody>
       </p:sp>
       <p:sp>
         <p:nvSpPr>
           <p:cNvPr id="7" name="Google Shape;7;p1"/>
-          <p:cNvSpPr txBox="1"/>
+          <p:cNvSpPr txBox="1">
+            <a:spLocks noGrp="1"/>
+          </p:cNvSpPr>
           <p:nvPr>
-            <p:ph idx="1" type="body"/>
+            <p:ph type="body" idx="1"/>
           </p:nvPr>
         </p:nvSpPr>
         <p:spPr>
@@ -7793,11 +7965,11 @@
           </a:ln>
         </p:spPr>
         <p:txBody>
-          <a:bodyPr anchorCtr="0" anchor="t" bIns="91425" lIns="91425" spcFirstLastPara="1" rIns="91425" wrap="square" tIns="91425">
+          <a:bodyPr spcFirstLastPara="1" wrap="square" lIns="91425" tIns="91425" rIns="91425" bIns="91425" anchor="t" anchorCtr="0">
             <a:noAutofit/>
           </a:bodyPr>
           <a:lstStyle>
-            <a:lvl1pPr indent="-342900" lvl="0" marL="457200">
+            <a:lvl1pPr marL="457200" lvl="0" indent="-342900">
               <a:lnSpc>
                 <a:spcPct val="115000"/>
               </a:lnSpc>
@@ -7823,7 +7995,7 @@
                 <a:sym typeface="Open Sans"/>
               </a:defRPr>
             </a:lvl1pPr>
-            <a:lvl2pPr indent="-317500" lvl="1" marL="914400">
+            <a:lvl2pPr marL="914400" lvl="1" indent="-317500">
               <a:lnSpc>
                 <a:spcPct val="115000"/>
               </a:lnSpc>
@@ -7849,7 +8021,7 @@
                 <a:sym typeface="Open Sans"/>
               </a:defRPr>
             </a:lvl2pPr>
-            <a:lvl3pPr indent="-317500" lvl="2" marL="1371600">
+            <a:lvl3pPr marL="1371600" lvl="2" indent="-317500">
               <a:lnSpc>
                 <a:spcPct val="115000"/>
               </a:lnSpc>
@@ -7875,7 +8047,7 @@
                 <a:sym typeface="Open Sans"/>
               </a:defRPr>
             </a:lvl3pPr>
-            <a:lvl4pPr indent="-317500" lvl="3" marL="1828800">
+            <a:lvl4pPr marL="1828800" lvl="3" indent="-317500">
               <a:lnSpc>
                 <a:spcPct val="115000"/>
               </a:lnSpc>
@@ -7901,7 +8073,7 @@
                 <a:sym typeface="Open Sans"/>
               </a:defRPr>
             </a:lvl4pPr>
-            <a:lvl5pPr indent="-317500" lvl="4" marL="2286000">
+            <a:lvl5pPr marL="2286000" lvl="4" indent="-317500">
               <a:lnSpc>
                 <a:spcPct val="115000"/>
               </a:lnSpc>
@@ -7927,7 +8099,7 @@
                 <a:sym typeface="Open Sans"/>
               </a:defRPr>
             </a:lvl5pPr>
-            <a:lvl6pPr indent="-317500" lvl="5" marL="2743200">
+            <a:lvl6pPr marL="2743200" lvl="5" indent="-317500">
               <a:lnSpc>
                 <a:spcPct val="115000"/>
               </a:lnSpc>
@@ -7953,7 +8125,7 @@
                 <a:sym typeface="Open Sans"/>
               </a:defRPr>
             </a:lvl6pPr>
-            <a:lvl7pPr indent="-317500" lvl="6" marL="3200400">
+            <a:lvl7pPr marL="3200400" lvl="6" indent="-317500">
               <a:lnSpc>
                 <a:spcPct val="115000"/>
               </a:lnSpc>
@@ -7979,7 +8151,7 @@
                 <a:sym typeface="Open Sans"/>
               </a:defRPr>
             </a:lvl7pPr>
-            <a:lvl8pPr indent="-317500" lvl="7" marL="3657600">
+            <a:lvl8pPr marL="3657600" lvl="7" indent="-317500">
               <a:lnSpc>
                 <a:spcPct val="115000"/>
               </a:lnSpc>
@@ -8005,7 +8177,7 @@
                 <a:sym typeface="Open Sans"/>
               </a:defRPr>
             </a:lvl8pPr>
-            <a:lvl9pPr indent="-317500" lvl="8" marL="4114800">
+            <a:lvl9pPr marL="4114800" lvl="8" indent="-317500">
               <a:lnSpc>
                 <a:spcPct val="115000"/>
               </a:lnSpc>
@@ -8032,15 +8204,19 @@
               </a:defRPr>
             </a:lvl9pPr>
           </a:lstStyle>
-          <a:p/>
+          <a:p>
+            <a:endParaRPr/>
+          </a:p>
         </p:txBody>
       </p:sp>
       <p:sp>
         <p:nvSpPr>
           <p:cNvPr id="8" name="Google Shape;8;p1"/>
-          <p:cNvSpPr txBox="1"/>
+          <p:cNvSpPr txBox="1">
+            <a:spLocks noGrp="1"/>
+          </p:cNvSpPr>
           <p:nvPr>
-            <p:ph idx="12" type="sldNum"/>
+            <p:ph type="sldNum" idx="12"/>
           </p:nvPr>
         </p:nvSpPr>
         <p:spPr>
@@ -8057,7 +8233,7 @@
           </a:ln>
         </p:spPr>
         <p:txBody>
-          <a:bodyPr anchorCtr="0" anchor="ctr" bIns="91425" lIns="91425" spcFirstLastPara="1" rIns="91425" wrap="square" tIns="91425">
+          <a:bodyPr spcFirstLastPara="1" wrap="square" lIns="91425" tIns="91425" rIns="91425" bIns="91425" anchor="ctr" anchorCtr="0">
             <a:noAutofit/>
           </a:bodyPr>
           <a:lstStyle>
@@ -8171,7 +8347,7 @@
             </a:lvl9pPr>
           </a:lstStyle>
           <a:p>
-            <a:pPr indent="0" lvl="0" marL="0" rtl="0" algn="r">
+            <a:pPr marL="0" lvl="0" indent="0" algn="r" rtl="0">
               <a:spcBef>
                 <a:spcPts val="0"/>
               </a:spcBef>
@@ -8190,7 +8366,7 @@
       </p:sp>
     </p:spTree>
   </p:cSld>
-  <p:clrMap accent1="accent1" accent2="accent2" accent3="accent3" accent4="accent4" accent5="accent5" accent6="accent6" bg1="lt1" bg2="dk2" tx1="dk1" tx2="lt2" folHlink="folHlink" hlink="hlink"/>
+  <p:clrMap bg1="lt1" tx1="dk1" bg2="dk2" tx2="lt2" accent1="accent1" accent2="accent2" accent3="accent3" accent4="accent4" accent5="accent5" accent6="accent6" hlink="hlink" folHlink="folHlink"/>
   <p:sldLayoutIdLst>
     <p:sldLayoutId id="2147483648" r:id="rId1"/>
     <p:sldLayoutId id="2147483649" r:id="rId2"/>
@@ -8204,10 +8380,10 @@
     <p:sldLayoutId id="2147483657" r:id="rId10"/>
     <p:sldLayoutId id="2147483658" r:id="rId11"/>
   </p:sldLayoutIdLst>
-  <p:hf dt="0" ftr="0" hdr="0" sldNum="0"/>
+  <p:hf sldNum="0" hdr="0" ftr="0" dt="0"/>
   <p:txStyles>
     <p:titleStyle>
-      <a:defPPr lvl="0" marR="0" rtl="0" algn="l">
+      <a:defPPr marR="0" lvl="0" algn="l" rtl="0">
         <a:lnSpc>
           <a:spcPct val="100000"/>
         </a:lnSpc>
@@ -8218,7 +8394,7 @@
           <a:spcPts val="0"/>
         </a:spcAft>
       </a:defPPr>
-      <a:lvl1pPr lvl="0" marR="0" rtl="0" algn="l">
+      <a:lvl1pPr marR="0" lvl="0" algn="l" rtl="0">
         <a:lnSpc>
           <a:spcPct val="100000"/>
         </a:lnSpc>
@@ -8232,7 +8408,7 @@
           <a:srgbClr val="000000"/>
         </a:buClr>
         <a:buFont typeface="Arial"/>
-        <a:defRPr b="0" i="0" sz="1400" u="none" cap="none" strike="noStrike">
+        <a:defRPr sz="1400" b="0" i="0" u="none" strike="noStrike" cap="none">
           <a:solidFill>
             <a:srgbClr val="000000"/>
           </a:solidFill>
@@ -8242,7 +8418,7 @@
           <a:sym typeface="Arial"/>
         </a:defRPr>
       </a:lvl1pPr>
-      <a:lvl2pPr lvl="1" marR="0" rtl="0" algn="l">
+      <a:lvl2pPr marR="0" lvl="1" algn="l" rtl="0">
         <a:lnSpc>
           <a:spcPct val="100000"/>
         </a:lnSpc>
@@ -8256,7 +8432,7 @@
           <a:srgbClr val="000000"/>
         </a:buClr>
         <a:buFont typeface="Arial"/>
-        <a:defRPr b="0" i="0" sz="1400" u="none" cap="none" strike="noStrike">
+        <a:defRPr sz="1400" b="0" i="0" u="none" strike="noStrike" cap="none">
           <a:solidFill>
             <a:srgbClr val="000000"/>
           </a:solidFill>
@@ -8266,7 +8442,7 @@
           <a:sym typeface="Arial"/>
         </a:defRPr>
       </a:lvl2pPr>
-      <a:lvl3pPr lvl="2" marR="0" rtl="0" algn="l">
+      <a:lvl3pPr marR="0" lvl="2" algn="l" rtl="0">
         <a:lnSpc>
           <a:spcPct val="100000"/>
         </a:lnSpc>
@@ -8280,7 +8456,7 @@
           <a:srgbClr val="000000"/>
         </a:buClr>
         <a:buFont typeface="Arial"/>
-        <a:defRPr b="0" i="0" sz="1400" u="none" cap="none" strike="noStrike">
+        <a:defRPr sz="1400" b="0" i="0" u="none" strike="noStrike" cap="none">
           <a:solidFill>
             <a:srgbClr val="000000"/>
           </a:solidFill>
@@ -8290,7 +8466,7 @@
           <a:sym typeface="Arial"/>
         </a:defRPr>
       </a:lvl3pPr>
-      <a:lvl4pPr lvl="3" marR="0" rtl="0" algn="l">
+      <a:lvl4pPr marR="0" lvl="3" algn="l" rtl="0">
         <a:lnSpc>
           <a:spcPct val="100000"/>
         </a:lnSpc>
@@ -8304,7 +8480,7 @@
           <a:srgbClr val="000000"/>
         </a:buClr>
         <a:buFont typeface="Arial"/>
-        <a:defRPr b="0" i="0" sz="1400" u="none" cap="none" strike="noStrike">
+        <a:defRPr sz="1400" b="0" i="0" u="none" strike="noStrike" cap="none">
           <a:solidFill>
             <a:srgbClr val="000000"/>
           </a:solidFill>
@@ -8314,7 +8490,7 @@
           <a:sym typeface="Arial"/>
         </a:defRPr>
       </a:lvl4pPr>
-      <a:lvl5pPr lvl="4" marR="0" rtl="0" algn="l">
+      <a:lvl5pPr marR="0" lvl="4" algn="l" rtl="0">
         <a:lnSpc>
           <a:spcPct val="100000"/>
         </a:lnSpc>
@@ -8328,7 +8504,7 @@
           <a:srgbClr val="000000"/>
         </a:buClr>
         <a:buFont typeface="Arial"/>
-        <a:defRPr b="0" i="0" sz="1400" u="none" cap="none" strike="noStrike">
+        <a:defRPr sz="1400" b="0" i="0" u="none" strike="noStrike" cap="none">
           <a:solidFill>
             <a:srgbClr val="000000"/>
           </a:solidFill>
@@ -8338,7 +8514,7 @@
           <a:sym typeface="Arial"/>
         </a:defRPr>
       </a:lvl5pPr>
-      <a:lvl6pPr lvl="5" marR="0" rtl="0" algn="l">
+      <a:lvl6pPr marR="0" lvl="5" algn="l" rtl="0">
         <a:lnSpc>
           <a:spcPct val="100000"/>
         </a:lnSpc>
@@ -8352,7 +8528,7 @@
           <a:srgbClr val="000000"/>
         </a:buClr>
         <a:buFont typeface="Arial"/>
-        <a:defRPr b="0" i="0" sz="1400" u="none" cap="none" strike="noStrike">
+        <a:defRPr sz="1400" b="0" i="0" u="none" strike="noStrike" cap="none">
           <a:solidFill>
             <a:srgbClr val="000000"/>
           </a:solidFill>
@@ -8362,7 +8538,7 @@
           <a:sym typeface="Arial"/>
         </a:defRPr>
       </a:lvl6pPr>
-      <a:lvl7pPr lvl="6" marR="0" rtl="0" algn="l">
+      <a:lvl7pPr marR="0" lvl="6" algn="l" rtl="0">
         <a:lnSpc>
           <a:spcPct val="100000"/>
         </a:lnSpc>
@@ -8376,7 +8552,7 @@
           <a:srgbClr val="000000"/>
         </a:buClr>
         <a:buFont typeface="Arial"/>
-        <a:defRPr b="0" i="0" sz="1400" u="none" cap="none" strike="noStrike">
+        <a:defRPr sz="1400" b="0" i="0" u="none" strike="noStrike" cap="none">
           <a:solidFill>
             <a:srgbClr val="000000"/>
           </a:solidFill>
@@ -8386,7 +8562,7 @@
           <a:sym typeface="Arial"/>
         </a:defRPr>
       </a:lvl7pPr>
-      <a:lvl8pPr lvl="7" marR="0" rtl="0" algn="l">
+      <a:lvl8pPr marR="0" lvl="7" algn="l" rtl="0">
         <a:lnSpc>
           <a:spcPct val="100000"/>
         </a:lnSpc>
@@ -8400,7 +8576,7 @@
           <a:srgbClr val="000000"/>
         </a:buClr>
         <a:buFont typeface="Arial"/>
-        <a:defRPr b="0" i="0" sz="1400" u="none" cap="none" strike="noStrike">
+        <a:defRPr sz="1400" b="0" i="0" u="none" strike="noStrike" cap="none">
           <a:solidFill>
             <a:srgbClr val="000000"/>
           </a:solidFill>
@@ -8410,7 +8586,7 @@
           <a:sym typeface="Arial"/>
         </a:defRPr>
       </a:lvl8pPr>
-      <a:lvl9pPr lvl="8" marR="0" rtl="0" algn="l">
+      <a:lvl9pPr marR="0" lvl="8" algn="l" rtl="0">
         <a:lnSpc>
           <a:spcPct val="100000"/>
         </a:lnSpc>
@@ -8424,7 +8600,7 @@
           <a:srgbClr val="000000"/>
         </a:buClr>
         <a:buFont typeface="Arial"/>
-        <a:defRPr b="0" i="0" sz="1400" u="none" cap="none" strike="noStrike">
+        <a:defRPr sz="1400" b="0" i="0" u="none" strike="noStrike" cap="none">
           <a:solidFill>
             <a:srgbClr val="000000"/>
           </a:solidFill>
@@ -8436,7 +8612,7 @@
       </a:lvl9pPr>
     </p:titleStyle>
     <p:bodyStyle>
-      <a:defPPr lvl="0" marR="0" rtl="0" algn="l">
+      <a:defPPr marR="0" lvl="0" algn="l" rtl="0">
         <a:lnSpc>
           <a:spcPct val="100000"/>
         </a:lnSpc>
@@ -8447,7 +8623,7 @@
           <a:spcPts val="0"/>
         </a:spcAft>
       </a:defPPr>
-      <a:lvl1pPr lvl="0" marR="0" rtl="0" algn="l">
+      <a:lvl1pPr marR="0" lvl="0" algn="l" rtl="0">
         <a:lnSpc>
           <a:spcPct val="100000"/>
         </a:lnSpc>
@@ -8461,7 +8637,7 @@
           <a:srgbClr val="000000"/>
         </a:buClr>
         <a:buFont typeface="Arial"/>
-        <a:defRPr b="0" i="0" sz="1400" u="none" cap="none" strike="noStrike">
+        <a:defRPr sz="1400" b="0" i="0" u="none" strike="noStrike" cap="none">
           <a:solidFill>
             <a:srgbClr val="000000"/>
           </a:solidFill>
@@ -8471,7 +8647,7 @@
           <a:sym typeface="Arial"/>
         </a:defRPr>
       </a:lvl1pPr>
-      <a:lvl2pPr lvl="1" marR="0" rtl="0" algn="l">
+      <a:lvl2pPr marR="0" lvl="1" algn="l" rtl="0">
         <a:lnSpc>
           <a:spcPct val="100000"/>
         </a:lnSpc>
@@ -8485,7 +8661,7 @@
           <a:srgbClr val="000000"/>
         </a:buClr>
         <a:buFont typeface="Arial"/>
-        <a:defRPr b="0" i="0" sz="1400" u="none" cap="none" strike="noStrike">
+        <a:defRPr sz="1400" b="0" i="0" u="none" strike="noStrike" cap="none">
           <a:solidFill>
             <a:srgbClr val="000000"/>
           </a:solidFill>
@@ -8495,7 +8671,7 @@
           <a:sym typeface="Arial"/>
         </a:defRPr>
       </a:lvl2pPr>
-      <a:lvl3pPr lvl="2" marR="0" rtl="0" algn="l">
+      <a:lvl3pPr marR="0" lvl="2" algn="l" rtl="0">
         <a:lnSpc>
           <a:spcPct val="100000"/>
         </a:lnSpc>
@@ -8509,7 +8685,7 @@
           <a:srgbClr val="000000"/>
         </a:buClr>
         <a:buFont typeface="Arial"/>
-        <a:defRPr b="0" i="0" sz="1400" u="none" cap="none" strike="noStrike">
+        <a:defRPr sz="1400" b="0" i="0" u="none" strike="noStrike" cap="none">
           <a:solidFill>
             <a:srgbClr val="000000"/>
           </a:solidFill>
@@ -8519,7 +8695,7 @@
           <a:sym typeface="Arial"/>
         </a:defRPr>
       </a:lvl3pPr>
-      <a:lvl4pPr lvl="3" marR="0" rtl="0" algn="l">
+      <a:lvl4pPr marR="0" lvl="3" algn="l" rtl="0">
         <a:lnSpc>
           <a:spcPct val="100000"/>
         </a:lnSpc>
@@ -8533,7 +8709,7 @@
           <a:srgbClr val="000000"/>
         </a:buClr>
         <a:buFont typeface="Arial"/>
-        <a:defRPr b="0" i="0" sz="1400" u="none" cap="none" strike="noStrike">
+        <a:defRPr sz="1400" b="0" i="0" u="none" strike="noStrike" cap="none">
           <a:solidFill>
             <a:srgbClr val="000000"/>
           </a:solidFill>
@@ -8543,7 +8719,7 @@
           <a:sym typeface="Arial"/>
         </a:defRPr>
       </a:lvl4pPr>
-      <a:lvl5pPr lvl="4" marR="0" rtl="0" algn="l">
+      <a:lvl5pPr marR="0" lvl="4" algn="l" rtl="0">
         <a:lnSpc>
           <a:spcPct val="100000"/>
         </a:lnSpc>
@@ -8557,7 +8733,7 @@
           <a:srgbClr val="000000"/>
         </a:buClr>
         <a:buFont typeface="Arial"/>
-        <a:defRPr b="0" i="0" sz="1400" u="none" cap="none" strike="noStrike">
+        <a:defRPr sz="1400" b="0" i="0" u="none" strike="noStrike" cap="none">
           <a:solidFill>
             <a:srgbClr val="000000"/>
           </a:solidFill>
@@ -8567,7 +8743,7 @@
           <a:sym typeface="Arial"/>
         </a:defRPr>
       </a:lvl5pPr>
-      <a:lvl6pPr lvl="5" marR="0" rtl="0" algn="l">
+      <a:lvl6pPr marR="0" lvl="5" algn="l" rtl="0">
         <a:lnSpc>
           <a:spcPct val="100000"/>
         </a:lnSpc>
@@ -8581,7 +8757,7 @@
           <a:srgbClr val="000000"/>
         </a:buClr>
         <a:buFont typeface="Arial"/>
-        <a:defRPr b="0" i="0" sz="1400" u="none" cap="none" strike="noStrike">
+        <a:defRPr sz="1400" b="0" i="0" u="none" strike="noStrike" cap="none">
           <a:solidFill>
             <a:srgbClr val="000000"/>
           </a:solidFill>
@@ -8591,7 +8767,7 @@
           <a:sym typeface="Arial"/>
         </a:defRPr>
       </a:lvl6pPr>
-      <a:lvl7pPr lvl="6" marR="0" rtl="0" algn="l">
+      <a:lvl7pPr marR="0" lvl="6" algn="l" rtl="0">
         <a:lnSpc>
           <a:spcPct val="100000"/>
         </a:lnSpc>
@@ -8605,7 +8781,7 @@
           <a:srgbClr val="000000"/>
         </a:buClr>
         <a:buFont typeface="Arial"/>
-        <a:defRPr b="0" i="0" sz="1400" u="none" cap="none" strike="noStrike">
+        <a:defRPr sz="1400" b="0" i="0" u="none" strike="noStrike" cap="none">
           <a:solidFill>
             <a:srgbClr val="000000"/>
           </a:solidFill>
@@ -8615,7 +8791,7 @@
           <a:sym typeface="Arial"/>
         </a:defRPr>
       </a:lvl7pPr>
-      <a:lvl8pPr lvl="7" marR="0" rtl="0" algn="l">
+      <a:lvl8pPr marR="0" lvl="7" algn="l" rtl="0">
         <a:lnSpc>
           <a:spcPct val="100000"/>
         </a:lnSpc>
@@ -8629,7 +8805,7 @@
           <a:srgbClr val="000000"/>
         </a:buClr>
         <a:buFont typeface="Arial"/>
-        <a:defRPr b="0" i="0" sz="1400" u="none" cap="none" strike="noStrike">
+        <a:defRPr sz="1400" b="0" i="0" u="none" strike="noStrike" cap="none">
           <a:solidFill>
             <a:srgbClr val="000000"/>
           </a:solidFill>
@@ -8639,7 +8815,7 @@
           <a:sym typeface="Arial"/>
         </a:defRPr>
       </a:lvl8pPr>
-      <a:lvl9pPr lvl="8" marR="0" rtl="0" algn="l">
+      <a:lvl9pPr marR="0" lvl="8" algn="l" rtl="0">
         <a:lnSpc>
           <a:spcPct val="100000"/>
         </a:lnSpc>
@@ -8653,7 +8829,7 @@
           <a:srgbClr val="000000"/>
         </a:buClr>
         <a:buFont typeface="Arial"/>
-        <a:defRPr b="0" i="0" sz="1400" u="none" cap="none" strike="noStrike">
+        <a:defRPr sz="1400" b="0" i="0" u="none" strike="noStrike" cap="none">
           <a:solidFill>
             <a:srgbClr val="000000"/>
           </a:solidFill>
@@ -8665,7 +8841,7 @@
       </a:lvl9pPr>
     </p:bodyStyle>
     <p:otherStyle>
-      <a:defPPr lvl="0" marR="0" rtl="0" algn="l">
+      <a:defPPr marR="0" lvl="0" algn="l" rtl="0">
         <a:lnSpc>
           <a:spcPct val="100000"/>
         </a:lnSpc>
@@ -8676,7 +8852,7 @@
           <a:spcPts val="0"/>
         </a:spcAft>
       </a:defPPr>
-      <a:lvl1pPr lvl="0" marR="0" rtl="0" algn="l">
+      <a:lvl1pPr marR="0" lvl="0" algn="l" rtl="0">
         <a:lnSpc>
           <a:spcPct val="100000"/>
         </a:lnSpc>
@@ -8690,7 +8866,7 @@
           <a:srgbClr val="000000"/>
         </a:buClr>
         <a:buFont typeface="Arial"/>
-        <a:defRPr b="0" i="0" sz="1400" u="none" cap="none" strike="noStrike">
+        <a:defRPr sz="1400" b="0" i="0" u="none" strike="noStrike" cap="none">
           <a:solidFill>
             <a:srgbClr val="000000"/>
           </a:solidFill>
@@ -8700,7 +8876,7 @@
           <a:sym typeface="Arial"/>
         </a:defRPr>
       </a:lvl1pPr>
-      <a:lvl2pPr lvl="1" marR="0" rtl="0" algn="l">
+      <a:lvl2pPr marR="0" lvl="1" algn="l" rtl="0">
         <a:lnSpc>
           <a:spcPct val="100000"/>
         </a:lnSpc>
@@ -8714,7 +8890,7 @@
           <a:srgbClr val="000000"/>
         </a:buClr>
         <a:buFont typeface="Arial"/>
-        <a:defRPr b="0" i="0" sz="1400" u="none" cap="none" strike="noStrike">
+        <a:defRPr sz="1400" b="0" i="0" u="none" strike="noStrike" cap="none">
           <a:solidFill>
             <a:srgbClr val="000000"/>
           </a:solidFill>
@@ -8724,7 +8900,7 @@
           <a:sym typeface="Arial"/>
         </a:defRPr>
       </a:lvl2pPr>
-      <a:lvl3pPr lvl="2" marR="0" rtl="0" algn="l">
+      <a:lvl3pPr marR="0" lvl="2" algn="l" rtl="0">
         <a:lnSpc>
           <a:spcPct val="100000"/>
         </a:lnSpc>
@@ -8738,7 +8914,7 @@
           <a:srgbClr val="000000"/>
         </a:buClr>
         <a:buFont typeface="Arial"/>
-        <a:defRPr b="0" i="0" sz="1400" u="none" cap="none" strike="noStrike">
+        <a:defRPr sz="1400" b="0" i="0" u="none" strike="noStrike" cap="none">
           <a:solidFill>
             <a:srgbClr val="000000"/>
           </a:solidFill>
@@ -8748,7 +8924,7 @@
           <a:sym typeface="Arial"/>
         </a:defRPr>
       </a:lvl3pPr>
-      <a:lvl4pPr lvl="3" marR="0" rtl="0" algn="l">
+      <a:lvl4pPr marR="0" lvl="3" algn="l" rtl="0">
         <a:lnSpc>
           <a:spcPct val="100000"/>
         </a:lnSpc>
@@ -8762,7 +8938,7 @@
           <a:srgbClr val="000000"/>
         </a:buClr>
         <a:buFont typeface="Arial"/>
-        <a:defRPr b="0" i="0" sz="1400" u="none" cap="none" strike="noStrike">
+        <a:defRPr sz="1400" b="0" i="0" u="none" strike="noStrike" cap="none">
           <a:solidFill>
             <a:srgbClr val="000000"/>
           </a:solidFill>
@@ -8772,7 +8948,7 @@
           <a:sym typeface="Arial"/>
         </a:defRPr>
       </a:lvl4pPr>
-      <a:lvl5pPr lvl="4" marR="0" rtl="0" algn="l">
+      <a:lvl5pPr marR="0" lvl="4" algn="l" rtl="0">
         <a:lnSpc>
           <a:spcPct val="100000"/>
         </a:lnSpc>
@@ -8786,7 +8962,7 @@
           <a:srgbClr val="000000"/>
         </a:buClr>
         <a:buFont typeface="Arial"/>
-        <a:defRPr b="0" i="0" sz="1400" u="none" cap="none" strike="noStrike">
+        <a:defRPr sz="1400" b="0" i="0" u="none" strike="noStrike" cap="none">
           <a:solidFill>
             <a:srgbClr val="000000"/>
           </a:solidFill>
@@ -8796,7 +8972,7 @@
           <a:sym typeface="Arial"/>
         </a:defRPr>
       </a:lvl5pPr>
-      <a:lvl6pPr lvl="5" marR="0" rtl="0" algn="l">
+      <a:lvl6pPr marR="0" lvl="5" algn="l" rtl="0">
         <a:lnSpc>
           <a:spcPct val="100000"/>
         </a:lnSpc>
@@ -8810,7 +8986,7 @@
           <a:srgbClr val="000000"/>
         </a:buClr>
         <a:buFont typeface="Arial"/>
-        <a:defRPr b="0" i="0" sz="1400" u="none" cap="none" strike="noStrike">
+        <a:defRPr sz="1400" b="0" i="0" u="none" strike="noStrike" cap="none">
           <a:solidFill>
             <a:srgbClr val="000000"/>
           </a:solidFill>
@@ -8820,7 +8996,7 @@
           <a:sym typeface="Arial"/>
         </a:defRPr>
       </a:lvl6pPr>
-      <a:lvl7pPr lvl="6" marR="0" rtl="0" algn="l">
+      <a:lvl7pPr marR="0" lvl="6" algn="l" rtl="0">
         <a:lnSpc>
           <a:spcPct val="100000"/>
         </a:lnSpc>
@@ -8834,7 +9010,7 @@
           <a:srgbClr val="000000"/>
         </a:buClr>
         <a:buFont typeface="Arial"/>
-        <a:defRPr b="0" i="0" sz="1400" u="none" cap="none" strike="noStrike">
+        <a:defRPr sz="1400" b="0" i="0" u="none" strike="noStrike" cap="none">
           <a:solidFill>
             <a:srgbClr val="000000"/>
           </a:solidFill>
@@ -8844,7 +9020,7 @@
           <a:sym typeface="Arial"/>
         </a:defRPr>
       </a:lvl7pPr>
-      <a:lvl8pPr lvl="7" marR="0" rtl="0" algn="l">
+      <a:lvl8pPr marR="0" lvl="7" algn="l" rtl="0">
         <a:lnSpc>
           <a:spcPct val="100000"/>
         </a:lnSpc>
@@ -8858,7 +9034,7 @@
           <a:srgbClr val="000000"/>
         </a:buClr>
         <a:buFont typeface="Arial"/>
-        <a:defRPr b="0" i="0" sz="1400" u="none" cap="none" strike="noStrike">
+        <a:defRPr sz="1400" b="0" i="0" u="none" strike="noStrike" cap="none">
           <a:solidFill>
             <a:srgbClr val="000000"/>
           </a:solidFill>
@@ -8868,7 +9044,7 @@
           <a:sym typeface="Arial"/>
         </a:defRPr>
       </a:lvl8pPr>
-      <a:lvl9pPr lvl="8" marR="0" rtl="0" algn="l">
+      <a:lvl9pPr marR="0" lvl="8" algn="l" rtl="0">
         <a:lnSpc>
           <a:spcPct val="100000"/>
         </a:lnSpc>
@@ -8882,7 +9058,7 @@
           <a:srgbClr val="000000"/>
         </a:buClr>
         <a:buFont typeface="Arial"/>
-        <a:defRPr b="0" i="0" sz="1400" u="none" cap="none" strike="noStrike">
+        <a:defRPr sz="1400" b="0" i="0" u="none" strike="noStrike" cap="none">
           <a:solidFill>
             <a:srgbClr val="000000"/>
           </a:solidFill>
@@ -8898,11 +9074,11 @@
 </file>
 
 <file path=ppt/slides/slide1.xml><?xml version="1.0" encoding="utf-8"?>
-<p:sld xmlns:a="http://schemas.openxmlformats.org/drawingml/2006/main" xmlns:r="http://schemas.openxmlformats.org/officeDocument/2006/relationships" xmlns:mc="http://schemas.openxmlformats.org/markup-compatibility/2006" xmlns:mv="urn:schemas-microsoft-com:mac:vml" xmlns:p="http://schemas.openxmlformats.org/presentationml/2006/main" xmlns:c="http://schemas.openxmlformats.org/drawingml/2006/chart" xmlns:dgm="http://schemas.openxmlformats.org/drawingml/2006/diagram" xmlns:o="urn:schemas-microsoft-com:office:office" xmlns:v="urn:schemas-microsoft-com:vml" xmlns:pvml="urn:schemas-microsoft-com:office:powerpoint" xmlns:com="http://schemas.openxmlformats.org/drawingml/2006/compatibility" xmlns:p14="http://schemas.microsoft.com/office/powerpoint/2010/main" xmlns:p15="http://schemas.microsoft.com/office/powerpoint/2012/main" xmlns:ahyp="http://schemas.microsoft.com/office/drawing/2018/hyperlinkcolor">
+<p:sld xmlns:a="http://schemas.openxmlformats.org/drawingml/2006/main" xmlns:r="http://schemas.openxmlformats.org/officeDocument/2006/relationships" xmlns:p="http://schemas.openxmlformats.org/presentationml/2006/main">
   <p:cSld>
     <p:spTree>
       <p:nvGrpSpPr>
-        <p:cNvPr id="65" name="Shape 65"/>
+        <p:cNvPr id="1" name="Shape 65"/>
         <p:cNvGrpSpPr/>
         <p:nvPr/>
       </p:nvGrpSpPr>
@@ -8917,7 +9093,9 @@
       <p:sp>
         <p:nvSpPr>
           <p:cNvPr id="66" name="Google Shape;66;p13"/>
-          <p:cNvSpPr txBox="1"/>
+          <p:cNvSpPr txBox="1">
+            <a:spLocks noGrp="1"/>
+          </p:cNvSpPr>
           <p:nvPr>
             <p:ph type="ctrTitle"/>
           </p:nvPr>
@@ -8932,12 +9110,12 @@
           </a:prstGeom>
         </p:spPr>
         <p:txBody>
-          <a:bodyPr anchorCtr="0" anchor="b" bIns="91425" lIns="91425" spcFirstLastPara="1" rIns="91425" wrap="square" tIns="91425">
+          <a:bodyPr spcFirstLastPara="1" wrap="square" lIns="91425" tIns="91425" rIns="91425" bIns="91425" anchor="b" anchorCtr="0">
             <a:noAutofit/>
           </a:bodyPr>
           <a:lstStyle/>
           <a:p>
-            <a:pPr indent="0" lvl="0" marL="0" rtl="0" algn="ctr">
+            <a:pPr marL="0" lvl="0" indent="0" algn="ctr" rtl="0">
               <a:spcBef>
                 <a:spcPts val="0"/>
               </a:spcBef>
@@ -8957,14 +9135,16 @@
       <p:sp>
         <p:nvSpPr>
           <p:cNvPr id="67" name="Google Shape;67;p13"/>
-          <p:cNvSpPr txBox="1"/>
+          <p:cNvSpPr txBox="1">
+            <a:spLocks noGrp="1"/>
+          </p:cNvSpPr>
           <p:nvPr>
-            <p:ph idx="1" type="subTitle"/>
+            <p:ph type="subTitle" idx="1"/>
           </p:nvPr>
         </p:nvSpPr>
         <p:spPr>
           <a:xfrm>
-            <a:off x="2137225" y="2850039"/>
+            <a:off x="2136750" y="2909674"/>
             <a:ext cx="4870500" cy="792600"/>
           </a:xfrm>
           <a:prstGeom prst="rect">
@@ -8972,12 +9152,12 @@
           </a:prstGeom>
         </p:spPr>
         <p:txBody>
-          <a:bodyPr anchorCtr="0" anchor="t" bIns="91425" lIns="91425" spcFirstLastPara="1" rIns="91425" wrap="square" tIns="91425">
+          <a:bodyPr spcFirstLastPara="1" wrap="square" lIns="91425" tIns="91425" rIns="91425" bIns="91425" anchor="t" anchorCtr="0">
             <a:noAutofit/>
           </a:bodyPr>
           <a:lstStyle/>
           <a:p>
-            <a:pPr indent="0" lvl="0" marL="0" rtl="0" algn="ctr">
+            <a:pPr marL="0" lvl="0" indent="0" algn="ctr" rtl="0">
               <a:spcBef>
                 <a:spcPts val="0"/>
               </a:spcBef>
@@ -8987,10 +9167,10 @@
               <a:buNone/>
             </a:pPr>
             <a:r>
-              <a:rPr lang="en"/>
-              <a:t>Sijie Huang, Hanying Shen</a:t>
+              <a:rPr lang="en" sz="2200" dirty="0"/>
+              <a:t>Sijie Huang, Hanying Shen, Yijia Sun</a:t>
             </a:r>
-            <a:endParaRPr/>
+            <a:endParaRPr sz="2200" dirty="0"/>
           </a:p>
         </p:txBody>
       </p:sp>
@@ -9003,11 +9183,11 @@
 </file>
 
 <file path=ppt/slides/slide10.xml><?xml version="1.0" encoding="utf-8"?>
-<p:sld xmlns:a="http://schemas.openxmlformats.org/drawingml/2006/main" xmlns:r="http://schemas.openxmlformats.org/officeDocument/2006/relationships" xmlns:mc="http://schemas.openxmlformats.org/markup-compatibility/2006" xmlns:mv="urn:schemas-microsoft-com:mac:vml" xmlns:p="http://schemas.openxmlformats.org/presentationml/2006/main" xmlns:c="http://schemas.openxmlformats.org/drawingml/2006/chart" xmlns:dgm="http://schemas.openxmlformats.org/drawingml/2006/diagram" xmlns:o="urn:schemas-microsoft-com:office:office" xmlns:v="urn:schemas-microsoft-com:vml" xmlns:pvml="urn:schemas-microsoft-com:office:powerpoint" xmlns:com="http://schemas.openxmlformats.org/drawingml/2006/compatibility" xmlns:p14="http://schemas.microsoft.com/office/powerpoint/2010/main" xmlns:p15="http://schemas.microsoft.com/office/powerpoint/2012/main" xmlns:ahyp="http://schemas.microsoft.com/office/drawing/2018/hyperlinkcolor">
+<p:sld xmlns:a="http://schemas.openxmlformats.org/drawingml/2006/main" xmlns:r="http://schemas.openxmlformats.org/officeDocument/2006/relationships" xmlns:p="http://schemas.openxmlformats.org/presentationml/2006/main">
   <p:cSld>
     <p:spTree>
       <p:nvGrpSpPr>
-        <p:cNvPr id="127" name="Shape 127"/>
+        <p:cNvPr id="1" name="Shape 127"/>
         <p:cNvGrpSpPr/>
         <p:nvPr/>
       </p:nvGrpSpPr>
@@ -9022,9 +9202,11 @@
       <p:sp>
         <p:nvSpPr>
           <p:cNvPr id="128" name="Google Shape;128;p22"/>
-          <p:cNvSpPr txBox="1"/>
+          <p:cNvSpPr txBox="1">
+            <a:spLocks noGrp="1"/>
+          </p:cNvSpPr>
           <p:nvPr>
-            <p:ph idx="1" type="body"/>
+            <p:ph type="body" idx="1"/>
           </p:nvPr>
         </p:nvSpPr>
         <p:spPr>
@@ -9037,12 +9219,12 @@
           </a:prstGeom>
         </p:spPr>
         <p:txBody>
-          <a:bodyPr anchorCtr="0" anchor="t" bIns="91425" lIns="91425" spcFirstLastPara="1" rIns="91425" wrap="square" tIns="91425">
+          <a:bodyPr spcFirstLastPara="1" wrap="square" lIns="91425" tIns="91425" rIns="91425" bIns="91425" anchor="t" anchorCtr="0">
             <a:noAutofit/>
           </a:bodyPr>
           <a:lstStyle/>
           <a:p>
-            <a:pPr indent="0" lvl="0" marL="0" rtl="0" algn="l">
+            <a:pPr marL="0" lvl="0" indent="0" algn="l" rtl="0">
               <a:spcBef>
                 <a:spcPts val="0"/>
               </a:spcBef>
@@ -9051,9 +9233,6 @@
               </a:spcAft>
               <a:buNone/>
             </a:pPr>
-            <a:r>
-              <a:t/>
-            </a:r>
             <a:endParaRPr/>
           </a:p>
         </p:txBody>
@@ -9095,11 +9274,11 @@
 </file>
 
 <file path=ppt/slides/slide11.xml><?xml version="1.0" encoding="utf-8"?>
-<p:sld xmlns:a="http://schemas.openxmlformats.org/drawingml/2006/main" xmlns:r="http://schemas.openxmlformats.org/officeDocument/2006/relationships" xmlns:mc="http://schemas.openxmlformats.org/markup-compatibility/2006" xmlns:mv="urn:schemas-microsoft-com:mac:vml" xmlns:p="http://schemas.openxmlformats.org/presentationml/2006/main" xmlns:c="http://schemas.openxmlformats.org/drawingml/2006/chart" xmlns:dgm="http://schemas.openxmlformats.org/drawingml/2006/diagram" xmlns:o="urn:schemas-microsoft-com:office:office" xmlns:v="urn:schemas-microsoft-com:vml" xmlns:pvml="urn:schemas-microsoft-com:office:powerpoint" xmlns:com="http://schemas.openxmlformats.org/drawingml/2006/compatibility" xmlns:p14="http://schemas.microsoft.com/office/powerpoint/2010/main" xmlns:p15="http://schemas.microsoft.com/office/powerpoint/2012/main" xmlns:ahyp="http://schemas.microsoft.com/office/drawing/2018/hyperlinkcolor">
+<p:sld xmlns:a="http://schemas.openxmlformats.org/drawingml/2006/main" xmlns:r="http://schemas.openxmlformats.org/officeDocument/2006/relationships" xmlns:p="http://schemas.openxmlformats.org/presentationml/2006/main">
   <p:cSld>
     <p:spTree>
       <p:nvGrpSpPr>
-        <p:cNvPr id="133" name="Shape 133"/>
+        <p:cNvPr id="1" name="Shape 133"/>
         <p:cNvGrpSpPr/>
         <p:nvPr/>
       </p:nvGrpSpPr>
@@ -9114,7 +9293,9 @@
       <p:sp>
         <p:nvSpPr>
           <p:cNvPr id="134" name="Google Shape;134;p23"/>
-          <p:cNvSpPr txBox="1"/>
+          <p:cNvSpPr txBox="1">
+            <a:spLocks noGrp="1"/>
+          </p:cNvSpPr>
           <p:nvPr>
             <p:ph type="title"/>
           </p:nvPr>
@@ -9129,23 +9310,20 @@
           </a:prstGeom>
         </p:spPr>
         <p:txBody>
-          <a:bodyPr anchorCtr="0" anchor="t" bIns="91425" lIns="91425" spcFirstLastPara="1" rIns="91425" wrap="square" tIns="91425">
+          <a:bodyPr spcFirstLastPara="1" wrap="square" lIns="91425" tIns="91425" rIns="91425" bIns="91425" anchor="t" anchorCtr="0">
             <a:noAutofit/>
           </a:bodyPr>
           <a:lstStyle/>
           <a:p>
-            <a:pPr indent="0" lvl="0" marL="0" rtl="0" algn="l">
-              <a:spcBef>
-                <a:spcPts val="0"/>
-              </a:spcBef>
-              <a:spcAft>
-                <a:spcPts val="0"/>
-              </a:spcAft>
-              <a:buNone/>
-            </a:pPr>
-            <a:r>
-              <a:t/>
-            </a:r>
+            <a:pPr marL="0" lvl="0" indent="0" algn="l" rtl="0">
+              <a:spcBef>
+                <a:spcPts val="0"/>
+              </a:spcBef>
+              <a:spcAft>
+                <a:spcPts val="0"/>
+              </a:spcAft>
+              <a:buNone/>
+            </a:pPr>
             <a:endParaRPr/>
           </a:p>
         </p:txBody>
@@ -9153,9 +9331,11 @@
       <p:sp>
         <p:nvSpPr>
           <p:cNvPr id="135" name="Google Shape;135;p23"/>
-          <p:cNvSpPr txBox="1"/>
+          <p:cNvSpPr txBox="1">
+            <a:spLocks noGrp="1"/>
+          </p:cNvSpPr>
           <p:nvPr>
-            <p:ph idx="1" type="body"/>
+            <p:ph type="body" idx="1"/>
           </p:nvPr>
         </p:nvSpPr>
         <p:spPr>
@@ -9168,12 +9348,12 @@
           </a:prstGeom>
         </p:spPr>
         <p:txBody>
-          <a:bodyPr anchorCtr="0" anchor="t" bIns="91425" lIns="91425" spcFirstLastPara="1" rIns="91425" wrap="square" tIns="91425">
+          <a:bodyPr spcFirstLastPara="1" wrap="square" lIns="91425" tIns="91425" rIns="91425" bIns="91425" anchor="t" anchorCtr="0">
             <a:noAutofit/>
           </a:bodyPr>
           <a:lstStyle/>
           <a:p>
-            <a:pPr indent="0" lvl="0" marL="0" rtl="0" algn="l">
+            <a:pPr marL="0" lvl="0" indent="0" algn="l" rtl="0">
               <a:spcBef>
                 <a:spcPts val="0"/>
               </a:spcBef>
@@ -9182,9 +9362,6 @@
               </a:spcAft>
               <a:buNone/>
             </a:pPr>
-            <a:r>
-              <a:t/>
-            </a:r>
             <a:endParaRPr/>
           </a:p>
         </p:txBody>
@@ -9226,11 +9403,11 @@
 </file>
 
 <file path=ppt/slides/slide12.xml><?xml version="1.0" encoding="utf-8"?>
-<p:sld xmlns:a="http://schemas.openxmlformats.org/drawingml/2006/main" xmlns:r="http://schemas.openxmlformats.org/officeDocument/2006/relationships" xmlns:mc="http://schemas.openxmlformats.org/markup-compatibility/2006" xmlns:mv="urn:schemas-microsoft-com:mac:vml" xmlns:p="http://schemas.openxmlformats.org/presentationml/2006/main" xmlns:c="http://schemas.openxmlformats.org/drawingml/2006/chart" xmlns:dgm="http://schemas.openxmlformats.org/drawingml/2006/diagram" xmlns:o="urn:schemas-microsoft-com:office:office" xmlns:v="urn:schemas-microsoft-com:vml" xmlns:pvml="urn:schemas-microsoft-com:office:powerpoint" xmlns:com="http://schemas.openxmlformats.org/drawingml/2006/compatibility" xmlns:p14="http://schemas.microsoft.com/office/powerpoint/2010/main" xmlns:p15="http://schemas.microsoft.com/office/powerpoint/2012/main" xmlns:ahyp="http://schemas.microsoft.com/office/drawing/2018/hyperlinkcolor">
+<p:sld xmlns:a="http://schemas.openxmlformats.org/drawingml/2006/main" xmlns:r="http://schemas.openxmlformats.org/officeDocument/2006/relationships" xmlns:p="http://schemas.openxmlformats.org/presentationml/2006/main">
   <p:cSld>
     <p:spTree>
       <p:nvGrpSpPr>
-        <p:cNvPr id="140" name="Shape 140"/>
+        <p:cNvPr id="1" name="Shape 140"/>
         <p:cNvGrpSpPr/>
         <p:nvPr/>
       </p:nvGrpSpPr>
@@ -9245,7 +9422,9 @@
       <p:sp>
         <p:nvSpPr>
           <p:cNvPr id="141" name="Google Shape;141;p24"/>
-          <p:cNvSpPr txBox="1"/>
+          <p:cNvSpPr txBox="1">
+            <a:spLocks noGrp="1"/>
+          </p:cNvSpPr>
           <p:nvPr>
             <p:ph type="title"/>
           </p:nvPr>
@@ -9260,23 +9439,20 @@
           </a:prstGeom>
         </p:spPr>
         <p:txBody>
-          <a:bodyPr anchorCtr="0" anchor="t" bIns="91425" lIns="91425" spcFirstLastPara="1" rIns="91425" wrap="square" tIns="91425">
+          <a:bodyPr spcFirstLastPara="1" wrap="square" lIns="91425" tIns="91425" rIns="91425" bIns="91425" anchor="t" anchorCtr="0">
             <a:noAutofit/>
           </a:bodyPr>
           <a:lstStyle/>
           <a:p>
-            <a:pPr indent="0" lvl="0" marL="0" rtl="0" algn="l">
-              <a:spcBef>
-                <a:spcPts val="0"/>
-              </a:spcBef>
-              <a:spcAft>
-                <a:spcPts val="0"/>
-              </a:spcAft>
-              <a:buNone/>
-            </a:pPr>
-            <a:r>
-              <a:t/>
-            </a:r>
+            <a:pPr marL="0" lvl="0" indent="0" algn="l" rtl="0">
+              <a:spcBef>
+                <a:spcPts val="0"/>
+              </a:spcBef>
+              <a:spcAft>
+                <a:spcPts val="0"/>
+              </a:spcAft>
+              <a:buNone/>
+            </a:pPr>
             <a:endParaRPr/>
           </a:p>
         </p:txBody>
@@ -9284,9 +9460,11 @@
       <p:sp>
         <p:nvSpPr>
           <p:cNvPr id="142" name="Google Shape;142;p24"/>
-          <p:cNvSpPr txBox="1"/>
+          <p:cNvSpPr txBox="1">
+            <a:spLocks noGrp="1"/>
+          </p:cNvSpPr>
           <p:nvPr>
-            <p:ph idx="1" type="body"/>
+            <p:ph type="body" idx="1"/>
           </p:nvPr>
         </p:nvSpPr>
         <p:spPr>
@@ -9299,12 +9477,12 @@
           </a:prstGeom>
         </p:spPr>
         <p:txBody>
-          <a:bodyPr anchorCtr="0" anchor="t" bIns="91425" lIns="91425" spcFirstLastPara="1" rIns="91425" wrap="square" tIns="91425">
+          <a:bodyPr spcFirstLastPara="1" wrap="square" lIns="91425" tIns="91425" rIns="91425" bIns="91425" anchor="t" anchorCtr="0">
             <a:noAutofit/>
           </a:bodyPr>
           <a:lstStyle/>
           <a:p>
-            <a:pPr indent="0" lvl="0" marL="0" rtl="0" algn="l">
+            <a:pPr marL="0" lvl="0" indent="0" algn="l" rtl="0">
               <a:spcBef>
                 <a:spcPts val="0"/>
               </a:spcBef>
@@ -9313,9 +9491,6 @@
               </a:spcAft>
               <a:buNone/>
             </a:pPr>
-            <a:r>
-              <a:t/>
-            </a:r>
             <a:endParaRPr/>
           </a:p>
         </p:txBody>
@@ -9357,11 +9532,11 @@
 </file>
 
 <file path=ppt/slides/slide13.xml><?xml version="1.0" encoding="utf-8"?>
-<p:sld xmlns:a="http://schemas.openxmlformats.org/drawingml/2006/main" xmlns:r="http://schemas.openxmlformats.org/officeDocument/2006/relationships" xmlns:mc="http://schemas.openxmlformats.org/markup-compatibility/2006" xmlns:mv="urn:schemas-microsoft-com:mac:vml" xmlns:p="http://schemas.openxmlformats.org/presentationml/2006/main" xmlns:c="http://schemas.openxmlformats.org/drawingml/2006/chart" xmlns:dgm="http://schemas.openxmlformats.org/drawingml/2006/diagram" xmlns:o="urn:schemas-microsoft-com:office:office" xmlns:v="urn:schemas-microsoft-com:vml" xmlns:pvml="urn:schemas-microsoft-com:office:powerpoint" xmlns:com="http://schemas.openxmlformats.org/drawingml/2006/compatibility" xmlns:p14="http://schemas.microsoft.com/office/powerpoint/2010/main" xmlns:p15="http://schemas.microsoft.com/office/powerpoint/2012/main" xmlns:ahyp="http://schemas.microsoft.com/office/drawing/2018/hyperlinkcolor">
+<p:sld xmlns:a="http://schemas.openxmlformats.org/drawingml/2006/main" xmlns:r="http://schemas.openxmlformats.org/officeDocument/2006/relationships" xmlns:p="http://schemas.openxmlformats.org/presentationml/2006/main">
   <p:cSld>
     <p:spTree>
       <p:nvGrpSpPr>
-        <p:cNvPr id="147" name="Shape 147"/>
+        <p:cNvPr id="1" name="Shape 147"/>
         <p:cNvGrpSpPr/>
         <p:nvPr/>
       </p:nvGrpSpPr>
@@ -9376,7 +9551,9 @@
       <p:sp>
         <p:nvSpPr>
           <p:cNvPr id="148" name="Google Shape;148;p25"/>
-          <p:cNvSpPr txBox="1"/>
+          <p:cNvSpPr txBox="1">
+            <a:spLocks noGrp="1"/>
+          </p:cNvSpPr>
           <p:nvPr>
             <p:ph type="title"/>
           </p:nvPr>
@@ -9391,23 +9568,20 @@
           </a:prstGeom>
         </p:spPr>
         <p:txBody>
-          <a:bodyPr anchorCtr="0" anchor="t" bIns="91425" lIns="91425" spcFirstLastPara="1" rIns="91425" wrap="square" tIns="91425">
+          <a:bodyPr spcFirstLastPara="1" wrap="square" lIns="91425" tIns="91425" rIns="91425" bIns="91425" anchor="t" anchorCtr="0">
             <a:noAutofit/>
           </a:bodyPr>
           <a:lstStyle/>
           <a:p>
-            <a:pPr indent="0" lvl="0" marL="0" rtl="0" algn="l">
-              <a:spcBef>
-                <a:spcPts val="0"/>
-              </a:spcBef>
-              <a:spcAft>
-                <a:spcPts val="0"/>
-              </a:spcAft>
-              <a:buNone/>
-            </a:pPr>
-            <a:r>
-              <a:t/>
-            </a:r>
+            <a:pPr marL="0" lvl="0" indent="0" algn="l" rtl="0">
+              <a:spcBef>
+                <a:spcPts val="0"/>
+              </a:spcBef>
+              <a:spcAft>
+                <a:spcPts val="0"/>
+              </a:spcAft>
+              <a:buNone/>
+            </a:pPr>
             <a:endParaRPr/>
           </a:p>
         </p:txBody>
@@ -9415,9 +9589,11 @@
       <p:sp>
         <p:nvSpPr>
           <p:cNvPr id="149" name="Google Shape;149;p25"/>
-          <p:cNvSpPr txBox="1"/>
+          <p:cNvSpPr txBox="1">
+            <a:spLocks noGrp="1"/>
+          </p:cNvSpPr>
           <p:nvPr>
-            <p:ph idx="1" type="body"/>
+            <p:ph type="body" idx="1"/>
           </p:nvPr>
         </p:nvSpPr>
         <p:spPr>
@@ -9430,12 +9606,12 @@
           </a:prstGeom>
         </p:spPr>
         <p:txBody>
-          <a:bodyPr anchorCtr="0" anchor="t" bIns="91425" lIns="91425" spcFirstLastPara="1" rIns="91425" wrap="square" tIns="91425">
+          <a:bodyPr spcFirstLastPara="1" wrap="square" lIns="91425" tIns="91425" rIns="91425" bIns="91425" anchor="t" anchorCtr="0">
             <a:noAutofit/>
           </a:bodyPr>
           <a:lstStyle/>
           <a:p>
-            <a:pPr indent="0" lvl="0" marL="0" rtl="0" algn="l">
+            <a:pPr marL="0" lvl="0" indent="0" algn="l" rtl="0">
               <a:spcBef>
                 <a:spcPts val="0"/>
               </a:spcBef>
@@ -9444,9 +9620,6 @@
               </a:spcAft>
               <a:buNone/>
             </a:pPr>
-            <a:r>
-              <a:t/>
-            </a:r>
             <a:endParaRPr/>
           </a:p>
         </p:txBody>
@@ -9488,11 +9661,11 @@
 </file>
 
 <file path=ppt/slides/slide14.xml><?xml version="1.0" encoding="utf-8"?>
-<p:sld xmlns:a="http://schemas.openxmlformats.org/drawingml/2006/main" xmlns:r="http://schemas.openxmlformats.org/officeDocument/2006/relationships" xmlns:mc="http://schemas.openxmlformats.org/markup-compatibility/2006" xmlns:mv="urn:schemas-microsoft-com:mac:vml" xmlns:p="http://schemas.openxmlformats.org/presentationml/2006/main" xmlns:c="http://schemas.openxmlformats.org/drawingml/2006/chart" xmlns:dgm="http://schemas.openxmlformats.org/drawingml/2006/diagram" xmlns:o="urn:schemas-microsoft-com:office:office" xmlns:v="urn:schemas-microsoft-com:vml" xmlns:pvml="urn:schemas-microsoft-com:office:powerpoint" xmlns:com="http://schemas.openxmlformats.org/drawingml/2006/compatibility" xmlns:p14="http://schemas.microsoft.com/office/powerpoint/2010/main" xmlns:p15="http://schemas.microsoft.com/office/powerpoint/2012/main" xmlns:ahyp="http://schemas.microsoft.com/office/drawing/2018/hyperlinkcolor">
+<p:sld xmlns:a="http://schemas.openxmlformats.org/drawingml/2006/main" xmlns:r="http://schemas.openxmlformats.org/officeDocument/2006/relationships" xmlns:p="http://schemas.openxmlformats.org/presentationml/2006/main">
   <p:cSld>
     <p:spTree>
       <p:nvGrpSpPr>
-        <p:cNvPr id="154" name="Shape 154"/>
+        <p:cNvPr id="1" name="Shape 154"/>
         <p:cNvGrpSpPr/>
         <p:nvPr/>
       </p:nvGrpSpPr>
@@ -9507,7 +9680,9 @@
       <p:sp>
         <p:nvSpPr>
           <p:cNvPr id="155" name="Google Shape;155;p26"/>
-          <p:cNvSpPr txBox="1"/>
+          <p:cNvSpPr txBox="1">
+            <a:spLocks noGrp="1"/>
+          </p:cNvSpPr>
           <p:nvPr>
             <p:ph type="title"/>
           </p:nvPr>
@@ -9522,12 +9697,12 @@
           </a:prstGeom>
         </p:spPr>
         <p:txBody>
-          <a:bodyPr anchorCtr="0" anchor="t" bIns="91425" lIns="91425" spcFirstLastPara="1" rIns="91425" wrap="square" tIns="91425">
+          <a:bodyPr spcFirstLastPara="1" wrap="square" lIns="91425" tIns="91425" rIns="91425" bIns="91425" anchor="t" anchorCtr="0">
             <a:noAutofit/>
           </a:bodyPr>
           <a:lstStyle/>
           <a:p>
-            <a:pPr indent="0" lvl="0" marL="0" rtl="0" algn="l">
+            <a:pPr marL="0" lvl="0" indent="0" algn="l" rtl="0">
               <a:spcBef>
                 <a:spcPts val="0"/>
               </a:spcBef>
@@ -9547,9 +9722,11 @@
       <p:sp>
         <p:nvSpPr>
           <p:cNvPr id="156" name="Google Shape;156;p26"/>
-          <p:cNvSpPr txBox="1"/>
+          <p:cNvSpPr txBox="1">
+            <a:spLocks noGrp="1"/>
+          </p:cNvSpPr>
           <p:nvPr>
-            <p:ph idx="1" type="body"/>
+            <p:ph type="body" idx="1"/>
           </p:nvPr>
         </p:nvSpPr>
         <p:spPr>
@@ -9562,12 +9739,12 @@
           </a:prstGeom>
         </p:spPr>
         <p:txBody>
-          <a:bodyPr anchorCtr="0" anchor="t" bIns="91425" lIns="91425" spcFirstLastPara="1" rIns="91425" wrap="square" tIns="91425">
+          <a:bodyPr spcFirstLastPara="1" wrap="square" lIns="91425" tIns="91425" rIns="91425" bIns="91425" anchor="t" anchorCtr="0">
             <a:noAutofit/>
           </a:bodyPr>
           <a:lstStyle/>
           <a:p>
-            <a:pPr indent="0" lvl="0" marL="0" rtl="0" algn="l">
+            <a:pPr marL="0" lvl="0" indent="0" algn="l" rtl="0">
               <a:spcBef>
                 <a:spcPts val="0"/>
               </a:spcBef>
@@ -9583,7 +9760,7 @@
             <a:endParaRPr/>
           </a:p>
           <a:p>
-            <a:pPr indent="0" lvl="0" marL="0" rtl="0" algn="l">
+            <a:pPr marL="0" lvl="0" indent="0" algn="l" rtl="0">
               <a:spcBef>
                 <a:spcPts val="1600"/>
               </a:spcBef>
@@ -9592,13 +9769,10 @@
               </a:spcAft>
               <a:buNone/>
             </a:pPr>
-            <a:r>
-              <a:t/>
-            </a:r>
-            <a:endParaRPr/>
-          </a:p>
-          <a:p>
-            <a:pPr indent="0" lvl="0" marL="0" rtl="0" algn="l">
+            <a:endParaRPr/>
+          </a:p>
+          <a:p>
+            <a:pPr marL="0" lvl="0" indent="0" algn="l" rtl="0">
               <a:spcBef>
                 <a:spcPts val="1600"/>
               </a:spcBef>
@@ -9614,7 +9788,7 @@
             <a:endParaRPr/>
           </a:p>
           <a:p>
-            <a:pPr indent="0" lvl="0" marL="0" rtl="0" algn="l">
+            <a:pPr marL="0" lvl="0" indent="0" algn="l" rtl="0">
               <a:spcBef>
                 <a:spcPts val="1600"/>
               </a:spcBef>
@@ -9623,13 +9797,10 @@
               </a:spcAft>
               <a:buNone/>
             </a:pPr>
-            <a:r>
-              <a:t/>
-            </a:r>
-            <a:endParaRPr/>
-          </a:p>
-          <a:p>
-            <a:pPr indent="0" lvl="0" marL="0" rtl="0" algn="l">
+            <a:endParaRPr/>
+          </a:p>
+          <a:p>
+            <a:pPr marL="0" lvl="0" indent="0" algn="l" rtl="0">
               <a:spcBef>
                 <a:spcPts val="1600"/>
               </a:spcBef>
@@ -9684,7 +9855,7 @@
           <a:blip r:embed="rId4">
             <a:alphaModFix/>
           </a:blip>
-          <a:srcRect b="0" l="0" r="0" t="8273"/>
+          <a:srcRect t="8273"/>
           <a:stretch/>
         </p:blipFill>
         <p:spPr>
@@ -9738,11 +9909,11 @@
 </file>
 
 <file path=ppt/slides/slide15.xml><?xml version="1.0" encoding="utf-8"?>
-<p:sld xmlns:a="http://schemas.openxmlformats.org/drawingml/2006/main" xmlns:r="http://schemas.openxmlformats.org/officeDocument/2006/relationships" xmlns:mc="http://schemas.openxmlformats.org/markup-compatibility/2006" xmlns:mv="urn:schemas-microsoft-com:mac:vml" xmlns:p="http://schemas.openxmlformats.org/presentationml/2006/main" xmlns:c="http://schemas.openxmlformats.org/drawingml/2006/chart" xmlns:dgm="http://schemas.openxmlformats.org/drawingml/2006/diagram" xmlns:o="urn:schemas-microsoft-com:office:office" xmlns:v="urn:schemas-microsoft-com:vml" xmlns:pvml="urn:schemas-microsoft-com:office:powerpoint" xmlns:com="http://schemas.openxmlformats.org/drawingml/2006/compatibility" xmlns:p14="http://schemas.microsoft.com/office/powerpoint/2010/main" xmlns:p15="http://schemas.microsoft.com/office/powerpoint/2012/main" xmlns:ahyp="http://schemas.microsoft.com/office/drawing/2018/hyperlinkcolor">
+<p:sld xmlns:a="http://schemas.openxmlformats.org/drawingml/2006/main" xmlns:r="http://schemas.openxmlformats.org/officeDocument/2006/relationships" xmlns:p="http://schemas.openxmlformats.org/presentationml/2006/main">
   <p:cSld>
     <p:spTree>
       <p:nvGrpSpPr>
-        <p:cNvPr id="163" name="Shape 163"/>
+        <p:cNvPr id="1" name="Shape 163"/>
         <p:cNvGrpSpPr/>
         <p:nvPr/>
       </p:nvGrpSpPr>
@@ -9757,7 +9928,9 @@
       <p:sp>
         <p:nvSpPr>
           <p:cNvPr id="164" name="Google Shape;164;p27"/>
-          <p:cNvSpPr txBox="1"/>
+          <p:cNvSpPr txBox="1">
+            <a:spLocks noGrp="1"/>
+          </p:cNvSpPr>
           <p:nvPr>
             <p:ph type="title"/>
           </p:nvPr>
@@ -9772,23 +9945,20 @@
           </a:prstGeom>
         </p:spPr>
         <p:txBody>
-          <a:bodyPr anchorCtr="0" anchor="t" bIns="91425" lIns="91425" spcFirstLastPara="1" rIns="91425" wrap="square" tIns="91425">
+          <a:bodyPr spcFirstLastPara="1" wrap="square" lIns="91425" tIns="91425" rIns="91425" bIns="91425" anchor="t" anchorCtr="0">
             <a:noAutofit/>
           </a:bodyPr>
           <a:lstStyle/>
           <a:p>
-            <a:pPr indent="0" lvl="0" marL="0" rtl="0" algn="l">
-              <a:spcBef>
-                <a:spcPts val="0"/>
-              </a:spcBef>
-              <a:spcAft>
-                <a:spcPts val="0"/>
-              </a:spcAft>
-              <a:buNone/>
-            </a:pPr>
-            <a:r>
-              <a:t/>
-            </a:r>
+            <a:pPr marL="0" lvl="0" indent="0" algn="l" rtl="0">
+              <a:spcBef>
+                <a:spcPts val="0"/>
+              </a:spcBef>
+              <a:spcAft>
+                <a:spcPts val="0"/>
+              </a:spcAft>
+              <a:buNone/>
+            </a:pPr>
             <a:endParaRPr/>
           </a:p>
         </p:txBody>
@@ -9796,9 +9966,11 @@
       <p:sp>
         <p:nvSpPr>
           <p:cNvPr id="165" name="Google Shape;165;p27"/>
-          <p:cNvSpPr txBox="1"/>
+          <p:cNvSpPr txBox="1">
+            <a:spLocks noGrp="1"/>
+          </p:cNvSpPr>
           <p:nvPr>
-            <p:ph idx="1" type="body"/>
+            <p:ph type="body" idx="1"/>
           </p:nvPr>
         </p:nvSpPr>
         <p:spPr>
@@ -9811,12 +9983,12 @@
           </a:prstGeom>
         </p:spPr>
         <p:txBody>
-          <a:bodyPr anchorCtr="0" anchor="t" bIns="91425" lIns="91425" spcFirstLastPara="1" rIns="91425" wrap="square" tIns="91425">
+          <a:bodyPr spcFirstLastPara="1" wrap="square" lIns="91425" tIns="91425" rIns="91425" bIns="91425" anchor="t" anchorCtr="0">
             <a:noAutofit/>
           </a:bodyPr>
           <a:lstStyle/>
           <a:p>
-            <a:pPr indent="0" lvl="0" marL="0" rtl="0" algn="l">
+            <a:pPr marL="0" lvl="0" indent="0" algn="l" rtl="0">
               <a:spcBef>
                 <a:spcPts val="0"/>
               </a:spcBef>
@@ -9825,9 +9997,6 @@
               </a:spcAft>
               <a:buNone/>
             </a:pPr>
-            <a:r>
-              <a:t/>
-            </a:r>
             <a:endParaRPr/>
           </a:p>
         </p:txBody>
@@ -9869,11 +10038,11 @@
 </file>
 
 <file path=ppt/slides/slide16.xml><?xml version="1.0" encoding="utf-8"?>
-<p:sld xmlns:a="http://schemas.openxmlformats.org/drawingml/2006/main" xmlns:r="http://schemas.openxmlformats.org/officeDocument/2006/relationships" xmlns:mc="http://schemas.openxmlformats.org/markup-compatibility/2006" xmlns:mv="urn:schemas-microsoft-com:mac:vml" xmlns:p="http://schemas.openxmlformats.org/presentationml/2006/main" xmlns:c="http://schemas.openxmlformats.org/drawingml/2006/chart" xmlns:dgm="http://schemas.openxmlformats.org/drawingml/2006/diagram" xmlns:o="urn:schemas-microsoft-com:office:office" xmlns:v="urn:schemas-microsoft-com:vml" xmlns:pvml="urn:schemas-microsoft-com:office:powerpoint" xmlns:com="http://schemas.openxmlformats.org/drawingml/2006/compatibility" xmlns:p14="http://schemas.microsoft.com/office/powerpoint/2010/main" xmlns:p15="http://schemas.microsoft.com/office/powerpoint/2012/main" xmlns:ahyp="http://schemas.microsoft.com/office/drawing/2018/hyperlinkcolor">
+<p:sld xmlns:a="http://schemas.openxmlformats.org/drawingml/2006/main" xmlns:r="http://schemas.openxmlformats.org/officeDocument/2006/relationships" xmlns:p="http://schemas.openxmlformats.org/presentationml/2006/main">
   <p:cSld>
     <p:spTree>
       <p:nvGrpSpPr>
-        <p:cNvPr id="170" name="Shape 170"/>
+        <p:cNvPr id="1" name="Shape 170"/>
         <p:cNvGrpSpPr/>
         <p:nvPr/>
       </p:nvGrpSpPr>
@@ -9888,7 +10057,9 @@
       <p:sp>
         <p:nvSpPr>
           <p:cNvPr id="171" name="Google Shape;171;p28"/>
-          <p:cNvSpPr txBox="1"/>
+          <p:cNvSpPr txBox="1">
+            <a:spLocks noGrp="1"/>
+          </p:cNvSpPr>
           <p:nvPr>
             <p:ph type="title"/>
           </p:nvPr>
@@ -9903,23 +10074,20 @@
           </a:prstGeom>
         </p:spPr>
         <p:txBody>
-          <a:bodyPr anchorCtr="0" anchor="t" bIns="91425" lIns="91425" spcFirstLastPara="1" rIns="91425" wrap="square" tIns="91425">
+          <a:bodyPr spcFirstLastPara="1" wrap="square" lIns="91425" tIns="91425" rIns="91425" bIns="91425" anchor="t" anchorCtr="0">
             <a:noAutofit/>
           </a:bodyPr>
           <a:lstStyle/>
           <a:p>
-            <a:pPr indent="0" lvl="0" marL="0" rtl="0" algn="l">
-              <a:spcBef>
-                <a:spcPts val="0"/>
-              </a:spcBef>
-              <a:spcAft>
-                <a:spcPts val="0"/>
-              </a:spcAft>
-              <a:buNone/>
-            </a:pPr>
-            <a:r>
-              <a:t/>
-            </a:r>
+            <a:pPr marL="0" lvl="0" indent="0" algn="l" rtl="0">
+              <a:spcBef>
+                <a:spcPts val="0"/>
+              </a:spcBef>
+              <a:spcAft>
+                <a:spcPts val="0"/>
+              </a:spcAft>
+              <a:buNone/>
+            </a:pPr>
             <a:endParaRPr/>
           </a:p>
         </p:txBody>
@@ -9927,9 +10095,11 @@
       <p:sp>
         <p:nvSpPr>
           <p:cNvPr id="172" name="Google Shape;172;p28"/>
-          <p:cNvSpPr txBox="1"/>
+          <p:cNvSpPr txBox="1">
+            <a:spLocks noGrp="1"/>
+          </p:cNvSpPr>
           <p:nvPr>
-            <p:ph idx="1" type="body"/>
+            <p:ph type="body" idx="1"/>
           </p:nvPr>
         </p:nvSpPr>
         <p:spPr>
@@ -9942,12 +10112,12 @@
           </a:prstGeom>
         </p:spPr>
         <p:txBody>
-          <a:bodyPr anchorCtr="0" anchor="t" bIns="91425" lIns="91425" spcFirstLastPara="1" rIns="91425" wrap="square" tIns="91425">
+          <a:bodyPr spcFirstLastPara="1" wrap="square" lIns="91425" tIns="91425" rIns="91425" bIns="91425" anchor="t" anchorCtr="0">
             <a:noAutofit/>
           </a:bodyPr>
           <a:lstStyle/>
           <a:p>
-            <a:pPr indent="0" lvl="0" marL="0" rtl="0" algn="l">
+            <a:pPr marL="0" lvl="0" indent="0" algn="l" rtl="0">
               <a:spcBef>
                 <a:spcPts val="0"/>
               </a:spcBef>
@@ -9956,9 +10126,6 @@
               </a:spcAft>
               <a:buNone/>
             </a:pPr>
-            <a:r>
-              <a:t/>
-            </a:r>
             <a:endParaRPr/>
           </a:p>
         </p:txBody>
@@ -10000,11 +10167,11 @@
 </file>
 
 <file path=ppt/slides/slide17.xml><?xml version="1.0" encoding="utf-8"?>
-<p:sld xmlns:a="http://schemas.openxmlformats.org/drawingml/2006/main" xmlns:r="http://schemas.openxmlformats.org/officeDocument/2006/relationships" xmlns:mc="http://schemas.openxmlformats.org/markup-compatibility/2006" xmlns:mv="urn:schemas-microsoft-com:mac:vml" xmlns:p="http://schemas.openxmlformats.org/presentationml/2006/main" xmlns:c="http://schemas.openxmlformats.org/drawingml/2006/chart" xmlns:dgm="http://schemas.openxmlformats.org/drawingml/2006/diagram" xmlns:o="urn:schemas-microsoft-com:office:office" xmlns:v="urn:schemas-microsoft-com:vml" xmlns:pvml="urn:schemas-microsoft-com:office:powerpoint" xmlns:com="http://schemas.openxmlformats.org/drawingml/2006/compatibility" xmlns:p14="http://schemas.microsoft.com/office/powerpoint/2010/main" xmlns:p15="http://schemas.microsoft.com/office/powerpoint/2012/main" xmlns:ahyp="http://schemas.microsoft.com/office/drawing/2018/hyperlinkcolor">
+<p:sld xmlns:a="http://schemas.openxmlformats.org/drawingml/2006/main" xmlns:r="http://schemas.openxmlformats.org/officeDocument/2006/relationships" xmlns:p="http://schemas.openxmlformats.org/presentationml/2006/main">
   <p:cSld>
     <p:spTree>
       <p:nvGrpSpPr>
-        <p:cNvPr id="177" name="Shape 177"/>
+        <p:cNvPr id="1" name="Shape 177"/>
         <p:cNvGrpSpPr/>
         <p:nvPr/>
       </p:nvGrpSpPr>
@@ -10019,7 +10186,9 @@
       <p:sp>
         <p:nvSpPr>
           <p:cNvPr id="178" name="Google Shape;178;p29"/>
-          <p:cNvSpPr txBox="1"/>
+          <p:cNvSpPr txBox="1">
+            <a:spLocks noGrp="1"/>
+          </p:cNvSpPr>
           <p:nvPr>
             <p:ph type="title"/>
           </p:nvPr>
@@ -10034,12 +10203,12 @@
           </a:prstGeom>
         </p:spPr>
         <p:txBody>
-          <a:bodyPr anchorCtr="0" anchor="t" bIns="91425" lIns="91425" spcFirstLastPara="1" rIns="91425" wrap="square" tIns="91425">
+          <a:bodyPr spcFirstLastPara="1" wrap="square" lIns="91425" tIns="91425" rIns="91425" bIns="91425" anchor="t" anchorCtr="0">
             <a:noAutofit/>
           </a:bodyPr>
           <a:lstStyle/>
           <a:p>
-            <a:pPr indent="0" lvl="0" marL="0" rtl="0" algn="l">
+            <a:pPr marL="0" lvl="0" indent="0" algn="l" rtl="0">
               <a:spcBef>
                 <a:spcPts val="0"/>
               </a:spcBef>
@@ -10050,11 +10219,7 @@
             </a:pPr>
             <a:r>
               <a:rPr lang="en"/>
-              <a:t>S</a:t>
-            </a:r>
-            <a:r>
-              <a:rPr lang="en"/>
-              <a:t>olution</a:t>
+              <a:t>Solution</a:t>
             </a:r>
             <a:endParaRPr/>
           </a:p>
@@ -10063,9 +10228,11 @@
       <p:sp>
         <p:nvSpPr>
           <p:cNvPr id="179" name="Google Shape;179;p29"/>
-          <p:cNvSpPr txBox="1"/>
+          <p:cNvSpPr txBox="1">
+            <a:spLocks noGrp="1"/>
+          </p:cNvSpPr>
           <p:nvPr>
-            <p:ph idx="1" type="body"/>
+            <p:ph type="body" idx="1"/>
           </p:nvPr>
         </p:nvSpPr>
         <p:spPr>
@@ -10078,12 +10245,12 @@
           </a:prstGeom>
         </p:spPr>
         <p:txBody>
-          <a:bodyPr anchorCtr="0" anchor="t" bIns="91425" lIns="91425" spcFirstLastPara="1" rIns="91425" wrap="square" tIns="91425">
+          <a:bodyPr spcFirstLastPara="1" wrap="square" lIns="91425" tIns="91425" rIns="91425" bIns="91425" anchor="t" anchorCtr="0">
             <a:noAutofit/>
           </a:bodyPr>
           <a:lstStyle/>
           <a:p>
-            <a:pPr indent="-342900" lvl="0" marL="457200" rtl="0" algn="l">
+            <a:pPr marL="457200" lvl="0" indent="-342900" algn="l" rtl="0">
               <a:spcBef>
                 <a:spcPts val="0"/>
               </a:spcBef>
@@ -10100,7 +10267,7 @@
             <a:endParaRPr/>
           </a:p>
           <a:p>
-            <a:pPr indent="-342900" lvl="0" marL="457200" rtl="0" algn="l">
+            <a:pPr marL="457200" lvl="0" indent="-342900" algn="l" rtl="0">
               <a:spcBef>
                 <a:spcPts val="0"/>
               </a:spcBef>
@@ -10117,7 +10284,7 @@
             <a:endParaRPr/>
           </a:p>
           <a:p>
-            <a:pPr indent="-342900" lvl="0" marL="457200" rtl="0" algn="l">
+            <a:pPr marL="457200" lvl="0" indent="-342900" algn="l" rtl="0">
               <a:spcBef>
                 <a:spcPts val="0"/>
               </a:spcBef>
@@ -10200,11 +10367,11 @@
 </file>
 
 <file path=ppt/slides/slide2.xml><?xml version="1.0" encoding="utf-8"?>
-<p:sld xmlns:a="http://schemas.openxmlformats.org/drawingml/2006/main" xmlns:r="http://schemas.openxmlformats.org/officeDocument/2006/relationships" xmlns:mc="http://schemas.openxmlformats.org/markup-compatibility/2006" xmlns:mv="urn:schemas-microsoft-com:mac:vml" xmlns:p="http://schemas.openxmlformats.org/presentationml/2006/main" xmlns:c="http://schemas.openxmlformats.org/drawingml/2006/chart" xmlns:dgm="http://schemas.openxmlformats.org/drawingml/2006/diagram" xmlns:o="urn:schemas-microsoft-com:office:office" xmlns:v="urn:schemas-microsoft-com:vml" xmlns:pvml="urn:schemas-microsoft-com:office:powerpoint" xmlns:com="http://schemas.openxmlformats.org/drawingml/2006/compatibility" xmlns:p14="http://schemas.microsoft.com/office/powerpoint/2010/main" xmlns:p15="http://schemas.microsoft.com/office/powerpoint/2012/main" xmlns:ahyp="http://schemas.microsoft.com/office/drawing/2018/hyperlinkcolor">
+<p:sld xmlns:a="http://schemas.openxmlformats.org/drawingml/2006/main" xmlns:r="http://schemas.openxmlformats.org/officeDocument/2006/relationships" xmlns:p="http://schemas.openxmlformats.org/presentationml/2006/main">
   <p:cSld>
     <p:spTree>
       <p:nvGrpSpPr>
-        <p:cNvPr id="71" name="Shape 71"/>
+        <p:cNvPr id="1" name="Shape 71"/>
         <p:cNvGrpSpPr/>
         <p:nvPr/>
       </p:nvGrpSpPr>
@@ -10219,7 +10386,9 @@
       <p:sp>
         <p:nvSpPr>
           <p:cNvPr id="72" name="Google Shape;72;p14"/>
-          <p:cNvSpPr txBox="1"/>
+          <p:cNvSpPr txBox="1">
+            <a:spLocks noGrp="1"/>
+          </p:cNvSpPr>
           <p:nvPr>
             <p:ph type="title"/>
           </p:nvPr>
@@ -10234,12 +10403,12 @@
           </a:prstGeom>
         </p:spPr>
         <p:txBody>
-          <a:bodyPr anchorCtr="0" anchor="t" bIns="91425" lIns="91425" spcFirstLastPara="1" rIns="91425" wrap="square" tIns="91425">
+          <a:bodyPr spcFirstLastPara="1" wrap="square" lIns="91425" tIns="91425" rIns="91425" bIns="91425" anchor="t" anchorCtr="0">
             <a:noAutofit/>
           </a:bodyPr>
           <a:lstStyle/>
           <a:p>
-            <a:pPr indent="0" lvl="0" marL="0" rtl="0" algn="l">
+            <a:pPr marL="0" lvl="0" indent="0" algn="l" rtl="0">
               <a:spcBef>
                 <a:spcPts val="0"/>
               </a:spcBef>
@@ -10259,9 +10428,11 @@
       <p:sp>
         <p:nvSpPr>
           <p:cNvPr id="73" name="Google Shape;73;p14"/>
-          <p:cNvSpPr txBox="1"/>
+          <p:cNvSpPr txBox="1">
+            <a:spLocks noGrp="1"/>
+          </p:cNvSpPr>
           <p:nvPr>
-            <p:ph idx="1" type="body"/>
+            <p:ph type="body" idx="1"/>
           </p:nvPr>
         </p:nvSpPr>
         <p:spPr>
@@ -10274,12 +10445,12 @@
           </a:prstGeom>
         </p:spPr>
         <p:txBody>
-          <a:bodyPr anchorCtr="0" anchor="t" bIns="91425" lIns="91425" spcFirstLastPara="1" rIns="91425" wrap="square" tIns="91425">
+          <a:bodyPr spcFirstLastPara="1" wrap="square" lIns="91425" tIns="91425" rIns="91425" bIns="91425" anchor="t" anchorCtr="0">
             <a:noAutofit/>
           </a:bodyPr>
           <a:lstStyle/>
           <a:p>
-            <a:pPr indent="-342900" lvl="0" marL="457200" rtl="0" algn="l">
+            <a:pPr marL="457200" lvl="0" indent="-342900" algn="l" rtl="0">
               <a:spcBef>
                 <a:spcPts val="0"/>
               </a:spcBef>
@@ -10296,7 +10467,7 @@
             <a:endParaRPr/>
           </a:p>
           <a:p>
-            <a:pPr indent="0" lvl="0" marL="0" rtl="0" algn="l">
+            <a:pPr marL="0" lvl="0" indent="0" algn="l" rtl="0">
               <a:spcBef>
                 <a:spcPts val="1600"/>
               </a:spcBef>
@@ -10305,13 +10476,10 @@
               </a:spcAft>
               <a:buNone/>
             </a:pPr>
-            <a:r>
-              <a:t/>
-            </a:r>
-            <a:endParaRPr/>
-          </a:p>
-          <a:p>
-            <a:pPr indent="-342900" lvl="0" marL="457200" rtl="0" algn="l">
+            <a:endParaRPr/>
+          </a:p>
+          <a:p>
+            <a:pPr marL="457200" lvl="0" indent="-342900" algn="l" rtl="0">
               <a:spcBef>
                 <a:spcPts val="1600"/>
               </a:spcBef>
@@ -10323,20 +10491,12 @@
             </a:pPr>
             <a:r>
               <a:rPr lang="en"/>
-              <a:t>To distinguish the characters of Homer </a:t>
+              <a:t>To distinguish the characters of Homer Simpson and Lisa Simpson</a:t>
             </a:r>
-            <a:r>
-              <a:rPr lang="en"/>
-              <a:t>Simpson</a:t>
-            </a:r>
-            <a:r>
-              <a:rPr lang="en"/>
-              <a:t> and Lisa Simpson</a:t>
-            </a:r>
-            <a:endParaRPr/>
-          </a:p>
-          <a:p>
-            <a:pPr indent="0" lvl="0" marL="0" rtl="0" algn="l">
+            <a:endParaRPr/>
+          </a:p>
+          <a:p>
+            <a:pPr marL="0" lvl="0" indent="0" algn="l" rtl="0">
               <a:spcBef>
                 <a:spcPts val="1600"/>
               </a:spcBef>
@@ -10345,13 +10505,10 @@
               </a:spcAft>
               <a:buNone/>
             </a:pPr>
-            <a:r>
-              <a:t/>
-            </a:r>
-            <a:endParaRPr/>
-          </a:p>
-          <a:p>
-            <a:pPr indent="-342900" lvl="0" marL="457200" rtl="0" algn="l">
+            <a:endParaRPr/>
+          </a:p>
+          <a:p>
+            <a:pPr marL="457200" lvl="0" indent="-342900" algn="l" rtl="0">
               <a:spcBef>
                 <a:spcPts val="1600"/>
               </a:spcBef>
@@ -10406,11 +10563,11 @@
 </file>
 
 <file path=ppt/slides/slide3.xml><?xml version="1.0" encoding="utf-8"?>
-<p:sld xmlns:a="http://schemas.openxmlformats.org/drawingml/2006/main" xmlns:r="http://schemas.openxmlformats.org/officeDocument/2006/relationships" xmlns:mc="http://schemas.openxmlformats.org/markup-compatibility/2006" xmlns:mv="urn:schemas-microsoft-com:mac:vml" xmlns:p="http://schemas.openxmlformats.org/presentationml/2006/main" xmlns:c="http://schemas.openxmlformats.org/drawingml/2006/chart" xmlns:dgm="http://schemas.openxmlformats.org/drawingml/2006/diagram" xmlns:o="urn:schemas-microsoft-com:office:office" xmlns:v="urn:schemas-microsoft-com:vml" xmlns:pvml="urn:schemas-microsoft-com:office:powerpoint" xmlns:com="http://schemas.openxmlformats.org/drawingml/2006/compatibility" xmlns:p14="http://schemas.microsoft.com/office/powerpoint/2010/main" xmlns:p15="http://schemas.microsoft.com/office/powerpoint/2012/main" xmlns:ahyp="http://schemas.microsoft.com/office/drawing/2018/hyperlinkcolor">
+<p:sld xmlns:a="http://schemas.openxmlformats.org/drawingml/2006/main" xmlns:r="http://schemas.openxmlformats.org/officeDocument/2006/relationships" xmlns:p="http://schemas.openxmlformats.org/presentationml/2006/main">
   <p:cSld>
     <p:spTree>
       <p:nvGrpSpPr>
-        <p:cNvPr id="78" name="Shape 78"/>
+        <p:cNvPr id="1" name="Shape 78"/>
         <p:cNvGrpSpPr/>
         <p:nvPr/>
       </p:nvGrpSpPr>
@@ -10425,7 +10582,9 @@
       <p:sp>
         <p:nvSpPr>
           <p:cNvPr id="79" name="Google Shape;79;p15"/>
-          <p:cNvSpPr txBox="1"/>
+          <p:cNvSpPr txBox="1">
+            <a:spLocks noGrp="1"/>
+          </p:cNvSpPr>
           <p:nvPr>
             <p:ph type="title"/>
           </p:nvPr>
@@ -10440,12 +10599,12 @@
           </a:prstGeom>
         </p:spPr>
         <p:txBody>
-          <a:bodyPr anchorCtr="0" anchor="t" bIns="91425" lIns="91425" spcFirstLastPara="1" rIns="91425" wrap="square" tIns="91425">
+          <a:bodyPr spcFirstLastPara="1" wrap="square" lIns="91425" tIns="91425" rIns="91425" bIns="91425" anchor="t" anchorCtr="0">
             <a:noAutofit/>
           </a:bodyPr>
           <a:lstStyle/>
           <a:p>
-            <a:pPr indent="0" lvl="0" marL="0" rtl="0" algn="l">
+            <a:pPr marL="0" lvl="0" indent="0" algn="l" rtl="0">
               <a:spcBef>
                 <a:spcPts val="0"/>
               </a:spcBef>
@@ -10465,9 +10624,11 @@
       <p:sp>
         <p:nvSpPr>
           <p:cNvPr id="80" name="Google Shape;80;p15"/>
-          <p:cNvSpPr txBox="1"/>
+          <p:cNvSpPr txBox="1">
+            <a:spLocks noGrp="1"/>
+          </p:cNvSpPr>
           <p:nvPr>
-            <p:ph idx="1" type="body"/>
+            <p:ph type="body" idx="1"/>
           </p:nvPr>
         </p:nvSpPr>
         <p:spPr>
@@ -10480,12 +10641,12 @@
           </a:prstGeom>
         </p:spPr>
         <p:txBody>
-          <a:bodyPr anchorCtr="0" anchor="t" bIns="91425" lIns="91425" spcFirstLastPara="1" rIns="91425" wrap="square" tIns="91425">
+          <a:bodyPr spcFirstLastPara="1" wrap="square" lIns="91425" tIns="91425" rIns="91425" bIns="91425" anchor="t" anchorCtr="0">
             <a:noAutofit/>
           </a:bodyPr>
           <a:lstStyle/>
           <a:p>
-            <a:pPr indent="-342900" lvl="0" marL="457200" rtl="0" algn="l">
+            <a:pPr marL="457200" lvl="0" indent="-342900" algn="l" rtl="0">
               <a:spcBef>
                 <a:spcPts val="0"/>
               </a:spcBef>
@@ -10515,7 +10676,7 @@
             <a:endParaRPr/>
           </a:p>
           <a:p>
-            <a:pPr indent="-342900" lvl="0" marL="457200" rtl="0" algn="l">
+            <a:pPr marL="457200" lvl="0" indent="-342900" algn="l" rtl="0">
               <a:spcBef>
                 <a:spcPts val="0"/>
               </a:spcBef>
@@ -10532,7 +10693,7 @@
             <a:endParaRPr/>
           </a:p>
           <a:p>
-            <a:pPr indent="0" lvl="0" marL="0" rtl="0" algn="l">
+            <a:pPr marL="0" lvl="0" indent="0" algn="l" rtl="0">
               <a:spcBef>
                 <a:spcPts val="1600"/>
               </a:spcBef>
@@ -10541,13 +10702,10 @@
               </a:spcAft>
               <a:buNone/>
             </a:pPr>
-            <a:r>
-              <a:t/>
-            </a:r>
-            <a:endParaRPr/>
-          </a:p>
-          <a:p>
-            <a:pPr indent="-342900" lvl="0" marL="457200" rtl="0" algn="l">
+            <a:endParaRPr/>
+          </a:p>
+          <a:p>
+            <a:pPr marL="457200" lvl="0" indent="-342900" algn="l" rtl="0">
               <a:spcBef>
                 <a:spcPts val="1600"/>
               </a:spcBef>
@@ -10564,7 +10722,7 @@
             <a:endParaRPr/>
           </a:p>
           <a:p>
-            <a:pPr indent="-342900" lvl="0" marL="457200" rtl="0" algn="l">
+            <a:pPr marL="457200" lvl="0" indent="-342900" algn="l" rtl="0">
               <a:spcBef>
                 <a:spcPts val="0"/>
               </a:spcBef>
@@ -10581,7 +10739,7 @@
             <a:endParaRPr/>
           </a:p>
           <a:p>
-            <a:pPr indent="0" lvl="0" marL="457200" rtl="0" algn="l">
+            <a:pPr marL="457200" lvl="0" indent="0" algn="l" rtl="0">
               <a:spcBef>
                 <a:spcPts val="1600"/>
               </a:spcBef>
@@ -10590,13 +10748,10 @@
               </a:spcAft>
               <a:buNone/>
             </a:pPr>
-            <a:r>
-              <a:t/>
-            </a:r>
-            <a:endParaRPr/>
-          </a:p>
-          <a:p>
-            <a:pPr indent="-342900" lvl="0" marL="457200" rtl="0" algn="l">
+            <a:endParaRPr/>
+          </a:p>
+          <a:p>
+            <a:pPr marL="457200" lvl="0" indent="-342900" algn="l" rtl="0">
               <a:spcBef>
                 <a:spcPts val="1600"/>
               </a:spcBef>
@@ -10613,7 +10768,7 @@
             <a:endParaRPr/>
           </a:p>
           <a:p>
-            <a:pPr indent="-342900" lvl="0" marL="457200" rtl="0" algn="l">
+            <a:pPr marL="457200" lvl="0" indent="-342900" algn="l" rtl="0">
               <a:spcBef>
                 <a:spcPts val="0"/>
               </a:spcBef>
@@ -10640,11 +10795,11 @@
 </file>
 
 <file path=ppt/slides/slide4.xml><?xml version="1.0" encoding="utf-8"?>
-<p:sld xmlns:a="http://schemas.openxmlformats.org/drawingml/2006/main" xmlns:r="http://schemas.openxmlformats.org/officeDocument/2006/relationships" xmlns:mc="http://schemas.openxmlformats.org/markup-compatibility/2006" xmlns:mv="urn:schemas-microsoft-com:mac:vml" xmlns:p="http://schemas.openxmlformats.org/presentationml/2006/main" xmlns:c="http://schemas.openxmlformats.org/drawingml/2006/chart" xmlns:dgm="http://schemas.openxmlformats.org/drawingml/2006/diagram" xmlns:o="urn:schemas-microsoft-com:office:office" xmlns:v="urn:schemas-microsoft-com:vml" xmlns:pvml="urn:schemas-microsoft-com:office:powerpoint" xmlns:com="http://schemas.openxmlformats.org/drawingml/2006/compatibility" xmlns:p14="http://schemas.microsoft.com/office/powerpoint/2010/main" xmlns:p15="http://schemas.microsoft.com/office/powerpoint/2012/main" xmlns:ahyp="http://schemas.microsoft.com/office/drawing/2018/hyperlinkcolor">
+<p:sld xmlns:a="http://schemas.openxmlformats.org/drawingml/2006/main" xmlns:r="http://schemas.openxmlformats.org/officeDocument/2006/relationships" xmlns:p="http://schemas.openxmlformats.org/presentationml/2006/main">
   <p:cSld>
     <p:spTree>
       <p:nvGrpSpPr>
-        <p:cNvPr id="84" name="Shape 84"/>
+        <p:cNvPr id="1" name="Shape 84"/>
         <p:cNvGrpSpPr/>
         <p:nvPr/>
       </p:nvGrpSpPr>
@@ -10659,7 +10814,9 @@
       <p:sp>
         <p:nvSpPr>
           <p:cNvPr id="85" name="Google Shape;85;p16"/>
-          <p:cNvSpPr txBox="1"/>
+          <p:cNvSpPr txBox="1">
+            <a:spLocks noGrp="1"/>
+          </p:cNvSpPr>
           <p:nvPr>
             <p:ph type="title"/>
           </p:nvPr>
@@ -10674,12 +10831,12 @@
           </a:prstGeom>
         </p:spPr>
         <p:txBody>
-          <a:bodyPr anchorCtr="0" anchor="t" bIns="91425" lIns="91425" spcFirstLastPara="1" rIns="91425" wrap="square" tIns="91425">
+          <a:bodyPr spcFirstLastPara="1" wrap="square" lIns="91425" tIns="91425" rIns="91425" bIns="91425" anchor="t" anchorCtr="0">
             <a:noAutofit/>
           </a:bodyPr>
           <a:lstStyle/>
           <a:p>
-            <a:pPr indent="0" lvl="0" marL="0" rtl="0" algn="l">
+            <a:pPr marL="0" lvl="0" indent="0" algn="l" rtl="0">
               <a:spcBef>
                 <a:spcPts val="0"/>
               </a:spcBef>
@@ -10699,9 +10856,11 @@
       <p:sp>
         <p:nvSpPr>
           <p:cNvPr id="86" name="Google Shape;86;p16"/>
-          <p:cNvSpPr txBox="1"/>
+          <p:cNvSpPr txBox="1">
+            <a:spLocks noGrp="1"/>
+          </p:cNvSpPr>
           <p:nvPr>
-            <p:ph idx="1" type="body"/>
+            <p:ph type="body" idx="1"/>
           </p:nvPr>
         </p:nvSpPr>
         <p:spPr>
@@ -10714,12 +10873,12 @@
           </a:prstGeom>
         </p:spPr>
         <p:txBody>
-          <a:bodyPr anchorCtr="0" anchor="t" bIns="91425" lIns="91425" spcFirstLastPara="1" rIns="91425" wrap="square" tIns="91425">
+          <a:bodyPr spcFirstLastPara="1" wrap="square" lIns="91425" tIns="91425" rIns="91425" bIns="91425" anchor="t" anchorCtr="0">
             <a:noAutofit/>
           </a:bodyPr>
           <a:lstStyle/>
           <a:p>
-            <a:pPr indent="-342900" lvl="0" marL="457200" rtl="0" algn="l">
+            <a:pPr marL="457200" lvl="0" indent="-342900" algn="l" rtl="0">
               <a:spcBef>
                 <a:spcPts val="0"/>
               </a:spcBef>
@@ -10736,7 +10895,7 @@
             <a:endParaRPr/>
           </a:p>
           <a:p>
-            <a:pPr indent="-317500" lvl="1" marL="914400" rtl="0" algn="l">
+            <a:pPr marL="914400" lvl="1" indent="-317500" algn="l" rtl="0">
               <a:spcBef>
                 <a:spcPts val="0"/>
               </a:spcBef>
@@ -10753,7 +10912,7 @@
             <a:endParaRPr/>
           </a:p>
           <a:p>
-            <a:pPr indent="-317500" lvl="1" marL="914400" rtl="0" algn="l">
+            <a:pPr marL="914400" lvl="1" indent="-317500" algn="l" rtl="0">
               <a:spcBef>
                 <a:spcPts val="0"/>
               </a:spcBef>
@@ -10770,7 +10929,7 @@
             <a:endParaRPr/>
           </a:p>
           <a:p>
-            <a:pPr indent="-342900" lvl="0" marL="457200" rtl="0" algn="l">
+            <a:pPr marL="457200" lvl="0" indent="-342900" algn="l" rtl="0">
               <a:spcBef>
                 <a:spcPts val="0"/>
               </a:spcBef>
@@ -10787,7 +10946,7 @@
             <a:endParaRPr/>
           </a:p>
           <a:p>
-            <a:pPr indent="-317500" lvl="1" marL="914400" rtl="0" algn="l">
+            <a:pPr marL="914400" lvl="1" indent="-317500" algn="l" rtl="0">
               <a:spcBef>
                 <a:spcPts val="0"/>
               </a:spcBef>
@@ -10804,7 +10963,7 @@
             <a:endParaRPr/>
           </a:p>
           <a:p>
-            <a:pPr indent="-317500" lvl="1" marL="914400" rtl="0" algn="l">
+            <a:pPr marL="914400" lvl="1" indent="-317500" algn="l" rtl="0">
               <a:spcBef>
                 <a:spcPts val="0"/>
               </a:spcBef>
@@ -10832,7 +10991,7 @@
           <a:blip r:embed="rId3">
             <a:alphaModFix/>
           </a:blip>
-          <a:srcRect b="28436" l="0" r="9836" t="2426"/>
+          <a:srcRect t="2426" r="9836" b="28436"/>
           <a:stretch/>
         </p:blipFill>
         <p:spPr>
@@ -10858,11 +11017,11 @@
 </file>
 
 <file path=ppt/slides/slide5.xml><?xml version="1.0" encoding="utf-8"?>
-<p:sld xmlns:a="http://schemas.openxmlformats.org/drawingml/2006/main" xmlns:r="http://schemas.openxmlformats.org/officeDocument/2006/relationships" xmlns:mc="http://schemas.openxmlformats.org/markup-compatibility/2006" xmlns:mv="urn:schemas-microsoft-com:mac:vml" xmlns:p="http://schemas.openxmlformats.org/presentationml/2006/main" xmlns:c="http://schemas.openxmlformats.org/drawingml/2006/chart" xmlns:dgm="http://schemas.openxmlformats.org/drawingml/2006/diagram" xmlns:o="urn:schemas-microsoft-com:office:office" xmlns:v="urn:schemas-microsoft-com:vml" xmlns:pvml="urn:schemas-microsoft-com:office:powerpoint" xmlns:com="http://schemas.openxmlformats.org/drawingml/2006/compatibility" xmlns:p14="http://schemas.microsoft.com/office/powerpoint/2010/main" xmlns:p15="http://schemas.microsoft.com/office/powerpoint/2012/main" xmlns:ahyp="http://schemas.microsoft.com/office/drawing/2018/hyperlinkcolor">
+<p:sld xmlns:a="http://schemas.openxmlformats.org/drawingml/2006/main" xmlns:r="http://schemas.openxmlformats.org/officeDocument/2006/relationships" xmlns:p="http://schemas.openxmlformats.org/presentationml/2006/main">
   <p:cSld>
     <p:spTree>
       <p:nvGrpSpPr>
-        <p:cNvPr id="91" name="Shape 91"/>
+        <p:cNvPr id="1" name="Shape 91"/>
         <p:cNvGrpSpPr/>
         <p:nvPr/>
       </p:nvGrpSpPr>
@@ -10877,7 +11036,9 @@
       <p:sp>
         <p:nvSpPr>
           <p:cNvPr id="92" name="Google Shape;92;p17"/>
-          <p:cNvSpPr txBox="1"/>
+          <p:cNvSpPr txBox="1">
+            <a:spLocks noGrp="1"/>
+          </p:cNvSpPr>
           <p:nvPr>
             <p:ph type="title"/>
           </p:nvPr>
@@ -10892,12 +11053,12 @@
           </a:prstGeom>
         </p:spPr>
         <p:txBody>
-          <a:bodyPr anchorCtr="0" anchor="t" bIns="91425" lIns="91425" spcFirstLastPara="1" rIns="91425" wrap="square" tIns="91425">
+          <a:bodyPr spcFirstLastPara="1" wrap="square" lIns="91425" tIns="91425" rIns="91425" bIns="91425" anchor="t" anchorCtr="0">
             <a:noAutofit/>
           </a:bodyPr>
           <a:lstStyle/>
           <a:p>
-            <a:pPr indent="0" lvl="0" marL="0" rtl="0" algn="l">
+            <a:pPr marL="0" lvl="0" indent="0" algn="l" rtl="0">
               <a:spcBef>
                 <a:spcPts val="0"/>
               </a:spcBef>
@@ -10917,9 +11078,11 @@
       <p:sp>
         <p:nvSpPr>
           <p:cNvPr id="93" name="Google Shape;93;p17"/>
-          <p:cNvSpPr txBox="1"/>
+          <p:cNvSpPr txBox="1">
+            <a:spLocks noGrp="1"/>
+          </p:cNvSpPr>
           <p:nvPr>
-            <p:ph idx="1" type="body"/>
+            <p:ph type="body" idx="1"/>
           </p:nvPr>
         </p:nvSpPr>
         <p:spPr>
@@ -10932,12 +11095,12 @@
           </a:prstGeom>
         </p:spPr>
         <p:txBody>
-          <a:bodyPr anchorCtr="0" anchor="t" bIns="91425" lIns="91425" spcFirstLastPara="1" rIns="91425" wrap="square" tIns="91425">
+          <a:bodyPr spcFirstLastPara="1" wrap="square" lIns="91425" tIns="91425" rIns="91425" bIns="91425" anchor="t" anchorCtr="0">
             <a:noAutofit/>
           </a:bodyPr>
           <a:lstStyle/>
           <a:p>
-            <a:pPr indent="-342900" lvl="0" marL="457200" rtl="0" algn="l">
+            <a:pPr marL="457200" lvl="0" indent="-342900" algn="l" rtl="0">
               <a:spcBef>
                 <a:spcPts val="0"/>
               </a:spcBef>
@@ -10954,7 +11117,7 @@
             <a:endParaRPr/>
           </a:p>
           <a:p>
-            <a:pPr indent="-342900" lvl="0" marL="457200" rtl="0" algn="l">
+            <a:pPr marL="457200" lvl="0" indent="-342900" algn="l" rtl="0">
               <a:spcBef>
                 <a:spcPts val="0"/>
               </a:spcBef>
@@ -10966,15 +11129,7 @@
             </a:pPr>
             <a:r>
               <a:rPr lang="en"/>
-              <a:t>Accuracy: </a:t>
-            </a:r>
-            <a:r>
-              <a:rPr lang="en"/>
-              <a:t>Training and Validation Loss, </a:t>
-            </a:r>
-            <a:r>
-              <a:rPr lang="en"/>
-              <a:t>Confusion Matrix, ROC</a:t>
+              <a:t>Accuracy: Training and Validation Loss, Confusion Matrix, ROC</a:t>
             </a:r>
             <a:endParaRPr/>
           </a:p>
@@ -10989,11 +11144,11 @@
 </file>
 
 <file path=ppt/slides/slide6.xml><?xml version="1.0" encoding="utf-8"?>
-<p:sld xmlns:a="http://schemas.openxmlformats.org/drawingml/2006/main" xmlns:r="http://schemas.openxmlformats.org/officeDocument/2006/relationships" xmlns:mc="http://schemas.openxmlformats.org/markup-compatibility/2006" xmlns:mv="urn:schemas-microsoft-com:mac:vml" xmlns:p="http://schemas.openxmlformats.org/presentationml/2006/main" xmlns:c="http://schemas.openxmlformats.org/drawingml/2006/chart" xmlns:dgm="http://schemas.openxmlformats.org/drawingml/2006/diagram" xmlns:o="urn:schemas-microsoft-com:office:office" xmlns:v="urn:schemas-microsoft-com:vml" xmlns:pvml="urn:schemas-microsoft-com:office:powerpoint" xmlns:com="http://schemas.openxmlformats.org/drawingml/2006/compatibility" xmlns:p14="http://schemas.microsoft.com/office/powerpoint/2010/main" xmlns:p15="http://schemas.microsoft.com/office/powerpoint/2012/main" xmlns:ahyp="http://schemas.microsoft.com/office/drawing/2018/hyperlinkcolor">
+<p:sld xmlns:a="http://schemas.openxmlformats.org/drawingml/2006/main" xmlns:r="http://schemas.openxmlformats.org/officeDocument/2006/relationships" xmlns:p="http://schemas.openxmlformats.org/presentationml/2006/main">
   <p:cSld>
     <p:spTree>
       <p:nvGrpSpPr>
-        <p:cNvPr id="97" name="Shape 97"/>
+        <p:cNvPr id="1" name="Shape 97"/>
         <p:cNvGrpSpPr/>
         <p:nvPr/>
       </p:nvGrpSpPr>
@@ -11008,7 +11163,9 @@
       <p:sp>
         <p:nvSpPr>
           <p:cNvPr id="98" name="Google Shape;98;p18"/>
-          <p:cNvSpPr txBox="1"/>
+          <p:cNvSpPr txBox="1">
+            <a:spLocks noGrp="1"/>
+          </p:cNvSpPr>
           <p:nvPr>
             <p:ph type="title"/>
           </p:nvPr>
@@ -11023,12 +11180,12 @@
           </a:prstGeom>
         </p:spPr>
         <p:txBody>
-          <a:bodyPr anchorCtr="0" anchor="t" bIns="91425" lIns="91425" spcFirstLastPara="1" rIns="91425" wrap="square" tIns="91425">
+          <a:bodyPr spcFirstLastPara="1" wrap="square" lIns="91425" tIns="91425" rIns="91425" bIns="91425" anchor="t" anchorCtr="0">
             <a:noAutofit/>
           </a:bodyPr>
           <a:lstStyle/>
           <a:p>
-            <a:pPr indent="0" lvl="0" marL="0" rtl="0" algn="l">
+            <a:pPr marL="0" lvl="0" indent="0" algn="l" rtl="0">
               <a:spcBef>
                 <a:spcPts val="0"/>
               </a:spcBef>
@@ -11048,9 +11205,11 @@
       <p:sp>
         <p:nvSpPr>
           <p:cNvPr id="99" name="Google Shape;99;p18"/>
-          <p:cNvSpPr txBox="1"/>
+          <p:cNvSpPr txBox="1">
+            <a:spLocks noGrp="1"/>
+          </p:cNvSpPr>
           <p:nvPr>
-            <p:ph idx="1" type="body"/>
+            <p:ph type="body" idx="1"/>
           </p:nvPr>
         </p:nvSpPr>
         <p:spPr>
@@ -11063,27 +11222,24 @@
           </a:prstGeom>
         </p:spPr>
         <p:txBody>
-          <a:bodyPr anchorCtr="0" anchor="t" bIns="91425" lIns="91425" spcFirstLastPara="1" rIns="91425" wrap="square" tIns="91425">
+          <a:bodyPr spcFirstLastPara="1" wrap="square" lIns="91425" tIns="91425" rIns="91425" bIns="91425" anchor="t" anchorCtr="0">
             <a:noAutofit/>
           </a:bodyPr>
           <a:lstStyle/>
           <a:p>
-            <a:pPr indent="0" lvl="0" marL="0" rtl="0" algn="l">
-              <a:spcBef>
-                <a:spcPts val="0"/>
-              </a:spcBef>
-              <a:spcAft>
-                <a:spcPts val="0"/>
-              </a:spcAft>
-              <a:buNone/>
-            </a:pPr>
-            <a:r>
-              <a:t/>
-            </a:r>
-            <a:endParaRPr/>
-          </a:p>
-          <a:p>
-            <a:pPr indent="-342900" lvl="0" marL="457200" rtl="0" algn="l">
+            <a:pPr marL="0" lvl="0" indent="0" algn="l" rtl="0">
+              <a:spcBef>
+                <a:spcPts val="0"/>
+              </a:spcBef>
+              <a:spcAft>
+                <a:spcPts val="0"/>
+              </a:spcAft>
+              <a:buNone/>
+            </a:pPr>
+            <a:endParaRPr/>
+          </a:p>
+          <a:p>
+            <a:pPr marL="457200" lvl="0" indent="-342900" algn="l" rtl="0">
               <a:spcBef>
                 <a:spcPts val="1600"/>
               </a:spcBef>
@@ -11100,7 +11256,7 @@
             <a:endParaRPr/>
           </a:p>
           <a:p>
-            <a:pPr indent="-342900" lvl="0" marL="457200" rtl="0" algn="l">
+            <a:pPr marL="457200" lvl="0" indent="-342900" algn="l" rtl="0">
               <a:spcBef>
                 <a:spcPts val="0"/>
               </a:spcBef>
@@ -11117,7 +11273,7 @@
             <a:endParaRPr/>
           </a:p>
           <a:p>
-            <a:pPr indent="-342900" lvl="0" marL="457200" rtl="0" algn="l">
+            <a:pPr marL="457200" lvl="0" indent="-342900" algn="l" rtl="0">
               <a:spcBef>
                 <a:spcPts val="0"/>
               </a:spcBef>
@@ -11134,7 +11290,7 @@
             <a:endParaRPr/>
           </a:p>
           <a:p>
-            <a:pPr indent="-342900" lvl="0" marL="457200" rtl="0" algn="l">
+            <a:pPr marL="457200" lvl="0" indent="-342900" algn="l" rtl="0">
               <a:spcBef>
                 <a:spcPts val="0"/>
               </a:spcBef>
@@ -11151,7 +11307,7 @@
             <a:endParaRPr/>
           </a:p>
           <a:p>
-            <a:pPr indent="0" lvl="0" marL="0" rtl="0" algn="l">
+            <a:pPr marL="0" lvl="0" indent="0" algn="l" rtl="0">
               <a:spcBef>
                 <a:spcPts val="1600"/>
               </a:spcBef>
@@ -11160,9 +11316,6 @@
               </a:spcAft>
               <a:buNone/>
             </a:pPr>
-            <a:r>
-              <a:t/>
-            </a:r>
             <a:endParaRPr/>
           </a:p>
         </p:txBody>
@@ -11176,11 +11329,11 @@
 </file>
 
 <file path=ppt/slides/slide7.xml><?xml version="1.0" encoding="utf-8"?>
-<p:sld xmlns:a="http://schemas.openxmlformats.org/drawingml/2006/main" xmlns:r="http://schemas.openxmlformats.org/officeDocument/2006/relationships" xmlns:mc="http://schemas.openxmlformats.org/markup-compatibility/2006" xmlns:mv="urn:schemas-microsoft-com:mac:vml" xmlns:p="http://schemas.openxmlformats.org/presentationml/2006/main" xmlns:c="http://schemas.openxmlformats.org/drawingml/2006/chart" xmlns:dgm="http://schemas.openxmlformats.org/drawingml/2006/diagram" xmlns:o="urn:schemas-microsoft-com:office:office" xmlns:v="urn:schemas-microsoft-com:vml" xmlns:pvml="urn:schemas-microsoft-com:office:powerpoint" xmlns:com="http://schemas.openxmlformats.org/drawingml/2006/compatibility" xmlns:p14="http://schemas.microsoft.com/office/powerpoint/2010/main" xmlns:p15="http://schemas.microsoft.com/office/powerpoint/2012/main" xmlns:ahyp="http://schemas.microsoft.com/office/drawing/2018/hyperlinkcolor">
+<p:sld xmlns:a="http://schemas.openxmlformats.org/drawingml/2006/main" xmlns:r="http://schemas.openxmlformats.org/officeDocument/2006/relationships" xmlns:p="http://schemas.openxmlformats.org/presentationml/2006/main">
   <p:cSld>
     <p:spTree>
       <p:nvGrpSpPr>
-        <p:cNvPr id="103" name="Shape 103"/>
+        <p:cNvPr id="1" name="Shape 103"/>
         <p:cNvGrpSpPr/>
         <p:nvPr/>
       </p:nvGrpSpPr>
@@ -11195,7 +11348,9 @@
       <p:sp>
         <p:nvSpPr>
           <p:cNvPr id="104" name="Google Shape;104;p19"/>
-          <p:cNvSpPr txBox="1"/>
+          <p:cNvSpPr txBox="1">
+            <a:spLocks noGrp="1"/>
+          </p:cNvSpPr>
           <p:nvPr>
             <p:ph type="title"/>
           </p:nvPr>
@@ -11210,12 +11365,12 @@
           </a:prstGeom>
         </p:spPr>
         <p:txBody>
-          <a:bodyPr anchorCtr="0" anchor="t" bIns="91425" lIns="91425" spcFirstLastPara="1" rIns="91425" wrap="square" tIns="91425">
+          <a:bodyPr spcFirstLastPara="1" wrap="square" lIns="91425" tIns="91425" rIns="91425" bIns="91425" anchor="t" anchorCtr="0">
             <a:noAutofit/>
           </a:bodyPr>
           <a:lstStyle/>
           <a:p>
-            <a:pPr indent="0" lvl="0" marL="0" rtl="0" algn="l">
+            <a:pPr marL="0" lvl="0" indent="0" algn="l" rtl="0">
               <a:spcBef>
                 <a:spcPts val="0"/>
               </a:spcBef>
@@ -11235,9 +11390,11 @@
       <p:sp>
         <p:nvSpPr>
           <p:cNvPr id="105" name="Google Shape;105;p19"/>
-          <p:cNvSpPr txBox="1"/>
+          <p:cNvSpPr txBox="1">
+            <a:spLocks noGrp="1"/>
+          </p:cNvSpPr>
           <p:nvPr>
-            <p:ph idx="1" type="body"/>
+            <p:ph type="body" idx="1"/>
           </p:nvPr>
         </p:nvSpPr>
         <p:spPr>
@@ -11250,12 +11407,12 @@
           </a:prstGeom>
         </p:spPr>
         <p:txBody>
-          <a:bodyPr anchorCtr="0" anchor="t" bIns="91425" lIns="91425" spcFirstLastPara="1" rIns="91425" wrap="square" tIns="91425">
+          <a:bodyPr spcFirstLastPara="1" wrap="square" lIns="91425" tIns="91425" rIns="91425" bIns="91425" anchor="t" anchorCtr="0">
             <a:noAutofit/>
           </a:bodyPr>
           <a:lstStyle/>
           <a:p>
-            <a:pPr indent="0" lvl="0" marL="0" rtl="0" algn="l">
+            <a:pPr marL="0" lvl="0" indent="0" algn="l" rtl="0">
               <a:spcBef>
                 <a:spcPts val="0"/>
               </a:spcBef>
@@ -11365,11 +11522,11 @@
 </file>
 
 <file path=ppt/slides/slide8.xml><?xml version="1.0" encoding="utf-8"?>
-<p:sld xmlns:a="http://schemas.openxmlformats.org/drawingml/2006/main" xmlns:r="http://schemas.openxmlformats.org/officeDocument/2006/relationships" xmlns:mc="http://schemas.openxmlformats.org/markup-compatibility/2006" xmlns:mv="urn:schemas-microsoft-com:mac:vml" xmlns:p="http://schemas.openxmlformats.org/presentationml/2006/main" xmlns:c="http://schemas.openxmlformats.org/drawingml/2006/chart" xmlns:dgm="http://schemas.openxmlformats.org/drawingml/2006/diagram" xmlns:o="urn:schemas-microsoft-com:office:office" xmlns:v="urn:schemas-microsoft-com:vml" xmlns:pvml="urn:schemas-microsoft-com:office:powerpoint" xmlns:com="http://schemas.openxmlformats.org/drawingml/2006/compatibility" xmlns:p14="http://schemas.microsoft.com/office/powerpoint/2010/main" xmlns:p15="http://schemas.microsoft.com/office/powerpoint/2012/main" xmlns:ahyp="http://schemas.microsoft.com/office/drawing/2018/hyperlinkcolor">
+<p:sld xmlns:a="http://schemas.openxmlformats.org/drawingml/2006/main" xmlns:r="http://schemas.openxmlformats.org/officeDocument/2006/relationships" xmlns:p="http://schemas.openxmlformats.org/presentationml/2006/main">
   <p:cSld>
     <p:spTree>
       <p:nvGrpSpPr>
-        <p:cNvPr id="112" name="Shape 112"/>
+        <p:cNvPr id="1" name="Shape 112"/>
         <p:cNvGrpSpPr/>
         <p:nvPr/>
       </p:nvGrpSpPr>
@@ -11384,7 +11541,9 @@
       <p:sp>
         <p:nvSpPr>
           <p:cNvPr id="113" name="Google Shape;113;p20"/>
-          <p:cNvSpPr txBox="1"/>
+          <p:cNvSpPr txBox="1">
+            <a:spLocks noGrp="1"/>
+          </p:cNvSpPr>
           <p:nvPr>
             <p:ph type="title"/>
           </p:nvPr>
@@ -11399,12 +11558,12 @@
           </a:prstGeom>
         </p:spPr>
         <p:txBody>
-          <a:bodyPr anchorCtr="0" anchor="t" bIns="91425" lIns="91425" spcFirstLastPara="1" rIns="91425" wrap="square" tIns="91425">
+          <a:bodyPr spcFirstLastPara="1" wrap="square" lIns="91425" tIns="91425" rIns="91425" bIns="91425" anchor="t" anchorCtr="0">
             <a:noAutofit/>
           </a:bodyPr>
           <a:lstStyle/>
           <a:p>
-            <a:pPr indent="0" lvl="0" marL="0" rtl="0" algn="l">
+            <a:pPr marL="0" lvl="0" indent="0" algn="l" rtl="0">
               <a:spcBef>
                 <a:spcPts val="0"/>
               </a:spcBef>
@@ -11424,9 +11583,11 @@
       <p:sp>
         <p:nvSpPr>
           <p:cNvPr id="114" name="Google Shape;114;p20"/>
-          <p:cNvSpPr txBox="1"/>
+          <p:cNvSpPr txBox="1">
+            <a:spLocks noGrp="1"/>
+          </p:cNvSpPr>
           <p:nvPr>
-            <p:ph idx="1" type="body"/>
+            <p:ph type="body" idx="1"/>
           </p:nvPr>
         </p:nvSpPr>
         <p:spPr>
@@ -11439,12 +11600,12 @@
           </a:prstGeom>
         </p:spPr>
         <p:txBody>
-          <a:bodyPr anchorCtr="0" anchor="t" bIns="91425" lIns="91425" spcFirstLastPara="1" rIns="91425" wrap="square" tIns="91425">
+          <a:bodyPr spcFirstLastPara="1" wrap="square" lIns="91425" tIns="91425" rIns="91425" bIns="91425" anchor="t" anchorCtr="0">
             <a:noAutofit/>
           </a:bodyPr>
           <a:lstStyle/>
           <a:p>
-            <a:pPr indent="0" lvl="0" marL="0" rtl="0" algn="l">
+            <a:pPr marL="0" lvl="0" indent="0" algn="l" rtl="0">
               <a:spcBef>
                 <a:spcPts val="0"/>
               </a:spcBef>
@@ -11554,11 +11715,11 @@
 </file>
 
 <file path=ppt/slides/slide9.xml><?xml version="1.0" encoding="utf-8"?>
-<p:sld xmlns:a="http://schemas.openxmlformats.org/drawingml/2006/main" xmlns:r="http://schemas.openxmlformats.org/officeDocument/2006/relationships" xmlns:mc="http://schemas.openxmlformats.org/markup-compatibility/2006" xmlns:mv="urn:schemas-microsoft-com:mac:vml" xmlns:p="http://schemas.openxmlformats.org/presentationml/2006/main" xmlns:c="http://schemas.openxmlformats.org/drawingml/2006/chart" xmlns:dgm="http://schemas.openxmlformats.org/drawingml/2006/diagram" xmlns:o="urn:schemas-microsoft-com:office:office" xmlns:v="urn:schemas-microsoft-com:vml" xmlns:pvml="urn:schemas-microsoft-com:office:powerpoint" xmlns:com="http://schemas.openxmlformats.org/drawingml/2006/compatibility" xmlns:p14="http://schemas.microsoft.com/office/powerpoint/2010/main" xmlns:p15="http://schemas.microsoft.com/office/powerpoint/2012/main" xmlns:ahyp="http://schemas.microsoft.com/office/drawing/2018/hyperlinkcolor">
+<p:sld xmlns:a="http://schemas.openxmlformats.org/drawingml/2006/main" xmlns:r="http://schemas.openxmlformats.org/officeDocument/2006/relationships" xmlns:p="http://schemas.openxmlformats.org/presentationml/2006/main">
   <p:cSld>
     <p:spTree>
       <p:nvGrpSpPr>
-        <p:cNvPr id="121" name="Shape 121"/>
+        <p:cNvPr id="1" name="Shape 121"/>
         <p:cNvGrpSpPr/>
         <p:nvPr/>
       </p:nvGrpSpPr>
@@ -11573,7 +11734,9 @@
       <p:sp>
         <p:nvSpPr>
           <p:cNvPr id="122" name="Google Shape;122;p21"/>
-          <p:cNvSpPr txBox="1"/>
+          <p:cNvSpPr txBox="1">
+            <a:spLocks noGrp="1"/>
+          </p:cNvSpPr>
           <p:nvPr>
             <p:ph type="title"/>
           </p:nvPr>
@@ -11588,12 +11751,12 @@
           </a:prstGeom>
         </p:spPr>
         <p:txBody>
-          <a:bodyPr anchorCtr="0" anchor="t" bIns="91425" lIns="91425" spcFirstLastPara="1" rIns="91425" wrap="square" tIns="91425">
+          <a:bodyPr spcFirstLastPara="1" wrap="square" lIns="91425" tIns="91425" rIns="91425" bIns="91425" anchor="t" anchorCtr="0">
             <a:noAutofit/>
           </a:bodyPr>
           <a:lstStyle/>
           <a:p>
-            <a:pPr indent="0" lvl="0" marL="0" rtl="0" algn="l">
+            <a:pPr marL="0" lvl="0" indent="0" algn="l" rtl="0">
               <a:spcBef>
                 <a:spcPts val="0"/>
               </a:spcBef>
@@ -11647,7 +11810,7 @@
 </file>
 
 <file path=ppt/theme/theme1.xml><?xml version="1.0" encoding="utf-8"?>
-<a:theme xmlns:a="http://schemas.openxmlformats.org/drawingml/2006/main" xmlns:r="http://schemas.openxmlformats.org/officeDocument/2006/relationships" name="Tropic">
+<a:theme xmlns:a="http://schemas.openxmlformats.org/drawingml/2006/main" name="Tropic">
   <a:themeElements>
     <a:clrScheme name="Tropic">
       <a:dk1>
@@ -11922,11 +12085,13 @@
       </a:bgFillStyleLst>
     </a:fmtScheme>
   </a:themeElements>
+  <a:objectDefaults/>
+  <a:extraClrSchemeLst/>
 </a:theme>
 </file>
 
 <file path=ppt/theme/theme2.xml><?xml version="1.0" encoding="utf-8"?>
-<a:theme xmlns:a="http://schemas.openxmlformats.org/drawingml/2006/main" xmlns:r="http://schemas.openxmlformats.org/officeDocument/2006/relationships">
+<a:theme xmlns:a="http://schemas.openxmlformats.org/drawingml/2006/main">
   <a:themeElements>
     <a:clrScheme name="Default">
       <a:dk1>
@@ -12201,5 +12366,7 @@
       </a:bgFillStyleLst>
     </a:fmtScheme>
   </a:themeElements>
+  <a:objectDefaults/>
+  <a:extraClrSchemeLst/>
 </a:theme>
 </file>